--- a/Пантелеевы Артём.pptx
+++ b/Пантелеевы Артём.pptx
@@ -1,6 +1,6 @@
 
 <file path=ppt/presentation.xml><?xml version="1.0" encoding="utf-8"?>
-<p:presentation xmlns:a="http://schemas.openxmlformats.org/drawingml/2006/main" xmlns:r="http://schemas.openxmlformats.org/officeDocument/2006/relationships" xmlns:p="http://schemas.openxmlformats.org/presentationml/2006/main" strictFirstAndLastChars="0" embedTrueTypeFonts="1" saveSubsetFonts="1" autoCompressPictures="0">
+<p:presentation xmlns:a="http://schemas.openxmlformats.org/drawingml/2006/main" xmlns:r="http://schemas.openxmlformats.org/officeDocument/2006/relationships" xmlns:p="http://schemas.openxmlformats.org/presentationml/2006/main" showSpecialPlsOnTitleSld="0" strictFirstAndLastChars="0" embedTrueTypeFonts="1" saveSubsetFonts="1" autoCompressPictures="0">
   <p:sldMasterIdLst>
     <p:sldMasterId id="2147483648" r:id="rId1"/>
   </p:sldMasterIdLst>
@@ -15,10 +15,10 @@
     <p:sldId id="267" r:id="rId6"/>
     <p:sldId id="271" r:id="rId7"/>
     <p:sldId id="272" r:id="rId8"/>
-    <p:sldId id="275" r:id="rId9"/>
-    <p:sldId id="282" r:id="rId10"/>
-    <p:sldId id="276" r:id="rId11"/>
-    <p:sldId id="283" r:id="rId12"/>
+    <p:sldId id="283" r:id="rId9"/>
+    <p:sldId id="276" r:id="rId10"/>
+    <p:sldId id="282" r:id="rId11"/>
+    <p:sldId id="275" r:id="rId12"/>
     <p:sldId id="268" r:id="rId13"/>
     <p:sldId id="269" r:id="rId14"/>
     <p:sldId id="277" r:id="rId15"/>
@@ -316,7 +316,6 @@
   </mc:AlternateContent>
   <c:chart>
     <c:title>
-      <c:layout/>
       <c:overlay val="0"/>
       <c:spPr>
         <a:noFill/>
@@ -362,8 +361,8 @@
               <c:strCache>
                 <c:ptCount val="1"/>
                 <c:pt idx="0">
-                  <c:v>Ежемесячные 
-затраты</c:v>
+                  <c:v>Ежемесячные
+ затраты</c:v>
                 </c:pt>
               </c:strCache>
             </c:strRef>
@@ -373,7 +372,9 @@
               <a:schemeClr val="accent1"/>
             </a:solidFill>
             <a:ln>
-              <a:noFill/>
+              <a:solidFill>
+                <a:srgbClr val="00B050"/>
+              </a:solidFill>
             </a:ln>
             <a:effectLst/>
           </c:spPr>
@@ -387,7 +388,9 @@
                 <a:srgbClr val="C00000"/>
               </a:solidFill>
               <a:ln>
-                <a:noFill/>
+                <a:solidFill>
+                  <a:srgbClr val="C00000"/>
+                </a:solidFill>
               </a:ln>
               <a:effectLst/>
             </c:spPr>
@@ -398,24 +401,44 @@
             <c:bubble3D val="0"/>
             <c:spPr>
               <a:solidFill>
-                <a:srgbClr val="00B050"/>
+                <a:srgbClr val="00B0F0"/>
               </a:solidFill>
               <a:ln>
-                <a:noFill/>
+                <a:solidFill>
+                  <a:srgbClr val="00B0F0"/>
+                </a:solidFill>
               </a:ln>
               <a:effectLst/>
             </c:spPr>
           </c:dPt>
+          <c:trendline>
+            <c:spPr>
+              <a:ln w="44450" cap="rnd">
+                <a:solidFill>
+                  <a:srgbClr val="00B050"/>
+                </a:solidFill>
+                <a:prstDash val="solid"/>
+                <a:tailEnd type="triangle"/>
+              </a:ln>
+              <a:effectLst/>
+            </c:spPr>
+            <c:trendlineType val="linear"/>
+            <c:dispRSqr val="0"/>
+            <c:dispEq val="0"/>
+          </c:trendline>
           <c:cat>
             <c:strRef>
               <c:f>Лист1!$B$2:$C$2</c:f>
               <c:strCache>
                 <c:ptCount val="2"/>
                 <c:pt idx="0">
-                  <c:v>Без сис.</c:v>
+                  <c:v>Без 
+использования 
+системы</c:v>
                 </c:pt>
                 <c:pt idx="1">
-                  <c:v>с сис.</c:v>
+                  <c:v>С использованием 
+системы</c:v>
                 </c:pt>
               </c:strCache>
             </c:strRef>
@@ -430,7 +453,7 @@
                   <c:v>2800000</c:v>
                 </c:pt>
                 <c:pt idx="1">
-                  <c:v>2153846.153846154</c:v>
+                  <c:v>2153846</c:v>
                 </c:pt>
               </c:numCache>
             </c:numRef>
@@ -444,13 +467,13 @@
           <c:showPercent val="0"/>
           <c:showBubbleSize val="0"/>
         </c:dLbls>
-        <c:gapWidth val="39"/>
-        <c:overlap val="83"/>
-        <c:axId val="346099232"/>
-        <c:axId val="344729096"/>
+        <c:gapWidth val="120"/>
+        <c:overlap val="-27"/>
+        <c:axId val="370278200"/>
+        <c:axId val="370645760"/>
       </c:barChart>
       <c:catAx>
-        <c:axId val="346099232"/>
+        <c:axId val="370278200"/>
         <c:scaling>
           <c:orientation val="minMax"/>
         </c:scaling>
@@ -493,7 +516,7 @@
             <a:endParaRPr lang="ru-RU"/>
           </a:p>
         </c:txPr>
-        <c:crossAx val="344729096"/>
+        <c:crossAx val="370645760"/>
         <c:crosses val="autoZero"/>
         <c:auto val="1"/>
         <c:lblAlgn val="ctr"/>
@@ -501,7 +524,7 @@
         <c:noMultiLvlLbl val="0"/>
       </c:catAx>
       <c:valAx>
-        <c:axId val="344729096"/>
+        <c:axId val="370645760"/>
         <c:scaling>
           <c:orientation val="minMax"/>
         </c:scaling>
@@ -552,7 +575,7 @@
             <a:endParaRPr lang="ru-RU"/>
           </a:p>
         </c:txPr>
-        <c:crossAx val="346099232"/>
+        <c:crossAx val="370278200"/>
         <c:crosses val="autoZero"/>
         <c:crossBetween val="between"/>
       </c:valAx>
@@ -606,7 +629,6 @@
   </mc:AlternateContent>
   <c:chart>
     <c:title>
-      <c:layout/>
       <c:overlay val="0"/>
       <c:spPr>
         <a:noFill/>
@@ -639,16 +661,15 @@
     <c:autoTitleDeleted val="0"/>
     <c:plotArea>
       <c:layout/>
-      <c:barChart>
-        <c:barDir val="col"/>
-        <c:grouping val="clustered"/>
+      <c:lineChart>
+        <c:grouping val="standard"/>
         <c:varyColors val="0"/>
         <c:ser>
           <c:idx val="0"/>
           <c:order val="0"/>
           <c:tx>
             <c:strRef>
-              <c:f>Лист1!$L$17</c:f>
+              <c:f>Лист1!$J$3</c:f>
               <c:strCache>
                 <c:ptCount val="1"/>
                 <c:pt idx="0">
@@ -658,72 +679,128 @@
             </c:strRef>
           </c:tx>
           <c:spPr>
-            <a:solidFill>
-              <a:schemeClr val="accent1"/>
-            </a:solidFill>
-            <a:ln>
-              <a:noFill/>
+            <a:ln w="28575" cap="rnd">
+              <a:solidFill>
+                <a:srgbClr val="00B050"/>
+              </a:solidFill>
+              <a:round/>
             </a:ln>
             <a:effectLst/>
           </c:spPr>
-          <c:invertIfNegative val="0"/>
-          <c:dPt>
-            <c:idx val="0"/>
-            <c:invertIfNegative val="0"/>
-            <c:bubble3D val="0"/>
+          <c:marker>
+            <c:symbol val="circle"/>
+            <c:size val="9"/>
             <c:spPr>
               <a:solidFill>
-                <a:srgbClr val="00B0F0"/>
+                <a:srgbClr val="C00000"/>
               </a:solidFill>
-              <a:ln>
-                <a:noFill/>
+              <a:ln w="0">
+                <a:solidFill>
+                  <a:schemeClr val="bg1"/>
+                </a:solidFill>
               </a:ln>
               <a:effectLst/>
             </c:spPr>
+          </c:marker>
+          <c:dPt>
+            <c:idx val="1"/>
+            <c:marker>
+              <c:symbol val="circle"/>
+              <c:size val="9"/>
+              <c:spPr>
+                <a:solidFill>
+                  <a:srgbClr val="FFC000"/>
+                </a:solidFill>
+                <a:ln w="0">
+                  <a:solidFill>
+                    <a:schemeClr val="bg1"/>
+                  </a:solidFill>
+                </a:ln>
+                <a:effectLst/>
+              </c:spPr>
+            </c:marker>
+            <c:bubble3D val="0"/>
           </c:dPt>
           <c:dPt>
-            <c:idx val="1"/>
-            <c:invertIfNegative val="0"/>
+            <c:idx val="2"/>
+            <c:marker>
+              <c:symbol val="circle"/>
+              <c:size val="9"/>
+              <c:spPr>
+                <a:solidFill>
+                  <a:srgbClr val="FFFF00"/>
+                </a:solidFill>
+                <a:ln w="0">
+                  <a:solidFill>
+                    <a:schemeClr val="bg1"/>
+                  </a:solidFill>
+                </a:ln>
+                <a:effectLst/>
+              </c:spPr>
+            </c:marker>
             <c:bubble3D val="0"/>
-            <c:spPr>
-              <a:solidFill>
-                <a:srgbClr val="002060"/>
-              </a:solidFill>
-              <a:ln>
-                <a:noFill/>
-              </a:ln>
-              <a:effectLst/>
-            </c:spPr>
+          </c:dPt>
+          <c:dPt>
+            <c:idx val="3"/>
+            <c:marker>
+              <c:symbol val="circle"/>
+              <c:size val="9"/>
+              <c:spPr>
+                <a:solidFill>
+                  <a:srgbClr val="00B050"/>
+                </a:solidFill>
+                <a:ln w="0">
+                  <a:solidFill>
+                    <a:schemeClr val="bg1"/>
+                  </a:solidFill>
+                </a:ln>
+                <a:effectLst/>
+              </c:spPr>
+            </c:marker>
+            <c:bubble3D val="0"/>
           </c:dPt>
           <c:cat>
             <c:strRef>
-              <c:f>Лист1!$M$16:$N$16</c:f>
+              <c:f>Лист1!$K$2:$N$2</c:f>
               <c:strCache>
-                <c:ptCount val="2"/>
+                <c:ptCount val="4"/>
                 <c:pt idx="0">
+                  <c:v>в первый месяц</c:v>
+                </c:pt>
+                <c:pt idx="1">
+                  <c:v>В оставшиеся месяцы года</c:v>
+                </c:pt>
+                <c:pt idx="2">
                   <c:v>В первый год</c:v>
                 </c:pt>
-                <c:pt idx="1">
-                  <c:v>В остальные года</c:v>
+                <c:pt idx="3">
+                  <c:v>В следующие годы </c:v>
                 </c:pt>
               </c:strCache>
             </c:strRef>
           </c:cat>
           <c:val>
             <c:numRef>
-              <c:f>Лист1!$M$17:$N$17</c:f>
+              <c:f>Лист1!$K$3:$N$3</c:f>
               <c:numCache>
                 <c:formatCode>General</c:formatCode>
-                <c:ptCount val="2"/>
+                <c:ptCount val="4"/>
                 <c:pt idx="0">
+                  <c:v>226153</c:v>
+                </c:pt>
+                <c:pt idx="1">
                   <c:v>7107683</c:v>
                 </c:pt>
-                <c:pt idx="1">
+                <c:pt idx="2">
                   <c:v>7333836</c:v>
+                </c:pt>
+                <c:pt idx="3">
+                  <c:v>7753836</c:v>
                 </c:pt>
               </c:numCache>
             </c:numRef>
           </c:val>
+          <c:smooth val="0"/>
         </c:ser>
         <c:dLbls>
           <c:showLegendKey val="0"/>
@@ -733,13 +810,13 @@
           <c:showPercent val="0"/>
           <c:showBubbleSize val="0"/>
         </c:dLbls>
-        <c:gapWidth val="39"/>
-        <c:overlap val="-27"/>
-        <c:axId val="345870288"/>
-        <c:axId val="345850248"/>
-      </c:barChart>
+        <c:marker val="1"/>
+        <c:smooth val="0"/>
+        <c:axId val="370438560"/>
+        <c:axId val="369379496"/>
+      </c:lineChart>
       <c:catAx>
-        <c:axId val="345870288"/>
+        <c:axId val="370438560"/>
         <c:scaling>
           <c:orientation val="minMax"/>
         </c:scaling>
@@ -782,7 +859,7 @@
             <a:endParaRPr lang="ru-RU"/>
           </a:p>
         </c:txPr>
-        <c:crossAx val="345850248"/>
+        <c:crossAx val="369379496"/>
         <c:crosses val="autoZero"/>
         <c:auto val="1"/>
         <c:lblAlgn val="ctr"/>
@@ -790,7 +867,7 @@
         <c:noMultiLvlLbl val="0"/>
       </c:catAx>
       <c:valAx>
-        <c:axId val="345850248"/>
+        <c:axId val="369379496"/>
         <c:scaling>
           <c:orientation val="minMax"/>
         </c:scaling>
@@ -841,217 +918,7 @@
             <a:endParaRPr lang="ru-RU"/>
           </a:p>
         </c:txPr>
-        <c:crossAx val="345870288"/>
-        <c:crosses val="autoZero"/>
-        <c:crossBetween val="between"/>
-      </c:valAx>
-      <c:spPr>
-        <a:noFill/>
-        <a:ln>
-          <a:noFill/>
-        </a:ln>
-        <a:effectLst/>
-      </c:spPr>
-    </c:plotArea>
-    <c:plotVisOnly val="1"/>
-    <c:dispBlanksAs val="gap"/>
-    <c:showDLblsOverMax val="0"/>
-  </c:chart>
-  <c:spPr>
-    <a:noFill/>
-    <a:ln>
-      <a:noFill/>
-    </a:ln>
-    <a:effectLst/>
-  </c:spPr>
-  <c:txPr>
-    <a:bodyPr/>
-    <a:lstStyle/>
-    <a:p>
-      <a:pPr>
-        <a:defRPr/>
-      </a:pPr>
-      <a:endParaRPr lang="ru-RU"/>
-    </a:p>
-  </c:txPr>
-  <c:externalData r:id="rId3">
-    <c:autoUpdate val="0"/>
-  </c:externalData>
-</c:chartSpace>
-</file>
-
-<file path=ppt/charts/chart3.xml><?xml version="1.0" encoding="utf-8"?>
-<c:chartSpace xmlns:c="http://schemas.openxmlformats.org/drawingml/2006/chart" xmlns:a="http://schemas.openxmlformats.org/drawingml/2006/main" xmlns:r="http://schemas.openxmlformats.org/officeDocument/2006/relationships">
-  <c:date1904 val="0"/>
-  <c:lang val="ru-RU"/>
-  <c:roundedCorners val="0"/>
-  <mc:AlternateContent xmlns:mc="http://schemas.openxmlformats.org/markup-compatibility/2006">
-    <mc:Choice xmlns:c14="http://schemas.microsoft.com/office/drawing/2007/8/2/chart" Requires="c14">
-      <c14:style val="102"/>
-    </mc:Choice>
-    <mc:Fallback>
-      <c:style val="2"/>
-    </mc:Fallback>
-  </mc:AlternateContent>
-  <c:chart>
-    <c:title>
-      <c:layout/>
-      <c:overlay val="0"/>
-      <c:spPr>
-        <a:noFill/>
-        <a:ln>
-          <a:noFill/>
-        </a:ln>
-        <a:effectLst/>
-      </c:spPr>
-      <c:txPr>
-        <a:bodyPr rot="0" spcFirstLastPara="1" vertOverflow="ellipsis" vert="horz" wrap="square" anchor="ctr" anchorCtr="1"/>
-        <a:lstStyle/>
-        <a:p>
-          <a:pPr>
-            <a:defRPr sz="1400" b="0" i="0" u="none" strike="noStrike" kern="1200" spc="0" baseline="0">
-              <a:solidFill>
-                <a:schemeClr val="tx1">
-                  <a:lumMod val="65000"/>
-                  <a:lumOff val="35000"/>
-                </a:schemeClr>
-              </a:solidFill>
-              <a:latin typeface="+mn-lt"/>
-              <a:ea typeface="+mn-ea"/>
-              <a:cs typeface="+mn-cs"/>
-            </a:defRPr>
-          </a:pPr>
-          <a:endParaRPr lang="ru-RU"/>
-        </a:p>
-      </c:txPr>
-    </c:title>
-    <c:autoTitleDeleted val="0"/>
-    <c:plotArea>
-      <c:layout/>
-      <c:barChart>
-        <c:barDir val="col"/>
-        <c:grouping val="clustered"/>
-        <c:varyColors val="0"/>
-        <c:ser>
-          <c:idx val="0"/>
-          <c:order val="0"/>
-          <c:tx>
-            <c:strRef>
-              <c:f>Лист1!$N$3</c:f>
-              <c:strCache>
-                <c:ptCount val="1"/>
-                <c:pt idx="0">
-                  <c:v>Экономия в первый месяц</c:v>
-                </c:pt>
-              </c:strCache>
-            </c:strRef>
-          </c:tx>
-          <c:spPr>
-            <a:solidFill>
-              <a:schemeClr val="accent1"/>
-            </a:solidFill>
-            <a:ln>
-              <a:noFill/>
-            </a:ln>
-            <a:effectLst/>
-          </c:spPr>
-          <c:invertIfNegative val="0"/>
-          <c:val>
-            <c:numRef>
-              <c:f>Лист1!$O$3</c:f>
-              <c:numCache>
-                <c:formatCode>General</c:formatCode>
-                <c:ptCount val="1"/>
-                <c:pt idx="0">
-                  <c:v>226153</c:v>
-                </c:pt>
-              </c:numCache>
-            </c:numRef>
-          </c:val>
-        </c:ser>
-        <c:dLbls>
-          <c:showLegendKey val="0"/>
-          <c:showVal val="0"/>
-          <c:showCatName val="0"/>
-          <c:showSerName val="0"/>
-          <c:showPercent val="0"/>
-          <c:showBubbleSize val="0"/>
-        </c:dLbls>
-        <c:gapWidth val="79"/>
-        <c:overlap val="-27"/>
-        <c:axId val="345355968"/>
-        <c:axId val="345351656"/>
-      </c:barChart>
-      <c:catAx>
-        <c:axId val="345355968"/>
-        <c:scaling>
-          <c:orientation val="minMax"/>
-        </c:scaling>
-        <c:delete val="1"/>
-        <c:axPos val="b"/>
-        <c:majorTickMark val="none"/>
-        <c:minorTickMark val="none"/>
-        <c:tickLblPos val="nextTo"/>
-        <c:crossAx val="345351656"/>
-        <c:crosses val="autoZero"/>
-        <c:auto val="1"/>
-        <c:lblAlgn val="ctr"/>
-        <c:lblOffset val="100"/>
-        <c:noMultiLvlLbl val="0"/>
-      </c:catAx>
-      <c:valAx>
-        <c:axId val="345351656"/>
-        <c:scaling>
-          <c:orientation val="minMax"/>
-        </c:scaling>
-        <c:delete val="0"/>
-        <c:axPos val="l"/>
-        <c:majorGridlines>
-          <c:spPr>
-            <a:ln w="9525" cap="flat" cmpd="sng" algn="ctr">
-              <a:solidFill>
-                <a:schemeClr val="tx1">
-                  <a:lumMod val="15000"/>
-                  <a:lumOff val="85000"/>
-                </a:schemeClr>
-              </a:solidFill>
-              <a:round/>
-            </a:ln>
-            <a:effectLst/>
-          </c:spPr>
-        </c:majorGridlines>
-        <c:numFmt formatCode="General" sourceLinked="1"/>
-        <c:majorTickMark val="none"/>
-        <c:minorTickMark val="none"/>
-        <c:tickLblPos val="nextTo"/>
-        <c:spPr>
-          <a:noFill/>
-          <a:ln>
-            <a:noFill/>
-          </a:ln>
-          <a:effectLst/>
-        </c:spPr>
-        <c:txPr>
-          <a:bodyPr rot="-60000000" spcFirstLastPara="1" vertOverflow="ellipsis" vert="horz" wrap="square" anchor="ctr" anchorCtr="1"/>
-          <a:lstStyle/>
-          <a:p>
-            <a:pPr>
-              <a:defRPr sz="900" b="0" i="0" u="none" strike="noStrike" kern="1200" baseline="0">
-                <a:solidFill>
-                  <a:schemeClr val="tx1">
-                    <a:lumMod val="65000"/>
-                    <a:lumOff val="35000"/>
-                  </a:schemeClr>
-                </a:solidFill>
-                <a:latin typeface="+mn-lt"/>
-                <a:ea typeface="+mn-ea"/>
-                <a:cs typeface="+mn-cs"/>
-              </a:defRPr>
-            </a:pPr>
-            <a:endParaRPr lang="ru-RU"/>
-          </a:p>
-        </c:txPr>
-        <c:crossAx val="345355968"/>
+        <c:crossAx val="370438560"/>
         <c:crosses val="autoZero"/>
         <c:crossBetween val="between"/>
       </c:valAx>
@@ -1131,46 +998,6 @@
 </file>
 
 <file path=ppt/charts/colors2.xml><?xml version="1.0" encoding="utf-8"?>
-<cs:colorStyle xmlns:cs="http://schemas.microsoft.com/office/drawing/2012/chartStyle" xmlns:a="http://schemas.openxmlformats.org/drawingml/2006/main" meth="cycle" id="10">
-  <a:schemeClr val="accent1"/>
-  <a:schemeClr val="accent2"/>
-  <a:schemeClr val="accent3"/>
-  <a:schemeClr val="accent4"/>
-  <a:schemeClr val="accent5"/>
-  <a:schemeClr val="accent6"/>
-  <cs:variation/>
-  <cs:variation>
-    <a:lumMod val="60000"/>
-  </cs:variation>
-  <cs:variation>
-    <a:lumMod val="80000"/>
-    <a:lumOff val="20000"/>
-  </cs:variation>
-  <cs:variation>
-    <a:lumMod val="80000"/>
-  </cs:variation>
-  <cs:variation>
-    <a:lumMod val="60000"/>
-    <a:lumOff val="40000"/>
-  </cs:variation>
-  <cs:variation>
-    <a:lumMod val="50000"/>
-  </cs:variation>
-  <cs:variation>
-    <a:lumMod val="70000"/>
-    <a:lumOff val="30000"/>
-  </cs:variation>
-  <cs:variation>
-    <a:lumMod val="70000"/>
-  </cs:variation>
-  <cs:variation>
-    <a:lumMod val="50000"/>
-    <a:lumOff val="50000"/>
-  </cs:variation>
-</cs:colorStyle>
-</file>
-
-<file path=ppt/charts/colors3.xml><?xml version="1.0" encoding="utf-8"?>
 <cs:colorStyle xmlns:cs="http://schemas.microsoft.com/office/drawing/2012/chartStyle" xmlns:a="http://schemas.openxmlformats.org/drawingml/2006/main" meth="cycle" id="10">
   <a:schemeClr val="accent1"/>
   <a:schemeClr val="accent2"/>
@@ -1714,7 +1541,7 @@
 </file>
 
 <file path=ppt/charts/style2.xml><?xml version="1.0" encoding="utf-8"?>
-<cs:chartStyle xmlns:cs="http://schemas.microsoft.com/office/drawing/2012/chartStyle" xmlns:a="http://schemas.openxmlformats.org/drawingml/2006/main" id="201">
+<cs:chartStyle xmlns:cs="http://schemas.microsoft.com/office/drawing/2012/chartStyle" xmlns:a="http://schemas.openxmlformats.org/drawingml/2006/main" id="227">
   <cs:axisTitle>
     <cs:lnRef idx="0"/>
     <cs:fillRef idx="0"/>
@@ -1822,6 +1649,11 @@
     <cs:fontRef idx="minor">
       <a:schemeClr val="tx1"/>
     </cs:fontRef>
+    <cs:spPr>
+      <a:solidFill>
+        <a:schemeClr val="phClr"/>
+      </a:solidFill>
+    </cs:spPr>
   </cs:dataPoint>
   <cs:dataPoint3D>
     <cs:lnRef idx="0"/>
@@ -1832,6 +1664,11 @@
     <cs:fontRef idx="minor">
       <a:schemeClr val="tx1"/>
     </cs:fontRef>
+    <cs:spPr>
+      <a:solidFill>
+        <a:schemeClr val="phClr"/>
+      </a:solidFill>
+    </cs:spPr>
   </cs:dataPoint3D>
   <cs:dataPointLine>
     <cs:lnRef idx="0">
@@ -1863,509 +1700,9 @@
       <a:schemeClr val="tx1"/>
     </cs:fontRef>
     <cs:spPr>
-      <a:ln w="9525">
-        <a:solidFill>
-          <a:schemeClr val="phClr"/>
-        </a:solidFill>
-      </a:ln>
-    </cs:spPr>
-  </cs:dataPointMarker>
-  <cs:dataPointMarkerLayout symbol="circle" size="5"/>
-  <cs:dataPointWireframe>
-    <cs:lnRef idx="0">
-      <cs:styleClr val="auto"/>
-    </cs:lnRef>
-    <cs:fillRef idx="1"/>
-    <cs:effectRef idx="0"/>
-    <cs:fontRef idx="minor">
-      <a:schemeClr val="tx1"/>
-    </cs:fontRef>
-    <cs:spPr>
-      <a:ln w="9525" cap="rnd">
-        <a:solidFill>
-          <a:schemeClr val="phClr"/>
-        </a:solidFill>
-        <a:round/>
-      </a:ln>
-    </cs:spPr>
-  </cs:dataPointWireframe>
-  <cs:dataTable>
-    <cs:lnRef idx="0"/>
-    <cs:fillRef idx="0"/>
-    <cs:effectRef idx="0"/>
-    <cs:fontRef idx="minor">
-      <a:schemeClr val="tx1">
-        <a:lumMod val="65000"/>
-        <a:lumOff val="35000"/>
-      </a:schemeClr>
-    </cs:fontRef>
-    <cs:spPr>
-      <a:noFill/>
-      <a:ln w="9525" cap="flat" cmpd="sng" algn="ctr">
-        <a:solidFill>
-          <a:schemeClr val="tx1">
-            <a:lumMod val="15000"/>
-            <a:lumOff val="85000"/>
-          </a:schemeClr>
-        </a:solidFill>
-        <a:round/>
-      </a:ln>
-    </cs:spPr>
-    <cs:defRPr sz="900" kern="1200"/>
-  </cs:dataTable>
-  <cs:downBar>
-    <cs:lnRef idx="0"/>
-    <cs:fillRef idx="0"/>
-    <cs:effectRef idx="0"/>
-    <cs:fontRef idx="minor">
-      <a:schemeClr val="dk1"/>
-    </cs:fontRef>
-    <cs:spPr>
       <a:solidFill>
-        <a:schemeClr val="dk1">
-          <a:lumMod val="65000"/>
-          <a:lumOff val="35000"/>
-        </a:schemeClr>
+        <a:schemeClr val="phClr"/>
       </a:solidFill>
-      <a:ln w="9525">
-        <a:solidFill>
-          <a:schemeClr val="tx1">
-            <a:lumMod val="65000"/>
-            <a:lumOff val="35000"/>
-          </a:schemeClr>
-        </a:solidFill>
-      </a:ln>
-    </cs:spPr>
-  </cs:downBar>
-  <cs:dropLine>
-    <cs:lnRef idx="0"/>
-    <cs:fillRef idx="0"/>
-    <cs:effectRef idx="0"/>
-    <cs:fontRef idx="minor">
-      <a:schemeClr val="tx1"/>
-    </cs:fontRef>
-    <cs:spPr>
-      <a:ln w="9525" cap="flat" cmpd="sng" algn="ctr">
-        <a:solidFill>
-          <a:schemeClr val="tx1">
-            <a:lumMod val="35000"/>
-            <a:lumOff val="65000"/>
-          </a:schemeClr>
-        </a:solidFill>
-        <a:round/>
-      </a:ln>
-    </cs:spPr>
-  </cs:dropLine>
-  <cs:errorBar>
-    <cs:lnRef idx="0"/>
-    <cs:fillRef idx="0"/>
-    <cs:effectRef idx="0"/>
-    <cs:fontRef idx="minor">
-      <a:schemeClr val="tx1"/>
-    </cs:fontRef>
-    <cs:spPr>
-      <a:ln w="9525" cap="flat" cmpd="sng" algn="ctr">
-        <a:solidFill>
-          <a:schemeClr val="tx1">
-            <a:lumMod val="65000"/>
-            <a:lumOff val="35000"/>
-          </a:schemeClr>
-        </a:solidFill>
-        <a:round/>
-      </a:ln>
-    </cs:spPr>
-  </cs:errorBar>
-  <cs:floor>
-    <cs:lnRef idx="0"/>
-    <cs:fillRef idx="0"/>
-    <cs:effectRef idx="0"/>
-    <cs:fontRef idx="minor">
-      <a:schemeClr val="tx1"/>
-    </cs:fontRef>
-    <cs:spPr>
-      <a:noFill/>
-      <a:ln>
-        <a:noFill/>
-      </a:ln>
-    </cs:spPr>
-  </cs:floor>
-  <cs:gridlineMajor>
-    <cs:lnRef idx="0"/>
-    <cs:fillRef idx="0"/>
-    <cs:effectRef idx="0"/>
-    <cs:fontRef idx="minor">
-      <a:schemeClr val="tx1"/>
-    </cs:fontRef>
-    <cs:spPr>
-      <a:ln w="9525" cap="flat" cmpd="sng" algn="ctr">
-        <a:solidFill>
-          <a:schemeClr val="tx1">
-            <a:lumMod val="15000"/>
-            <a:lumOff val="85000"/>
-          </a:schemeClr>
-        </a:solidFill>
-        <a:round/>
-      </a:ln>
-    </cs:spPr>
-  </cs:gridlineMajor>
-  <cs:gridlineMinor>
-    <cs:lnRef idx="0"/>
-    <cs:fillRef idx="0"/>
-    <cs:effectRef idx="0"/>
-    <cs:fontRef idx="minor">
-      <a:schemeClr val="tx1"/>
-    </cs:fontRef>
-    <cs:spPr>
-      <a:ln w="9525" cap="flat" cmpd="sng" algn="ctr">
-        <a:solidFill>
-          <a:schemeClr val="tx1">
-            <a:lumMod val="5000"/>
-            <a:lumOff val="95000"/>
-          </a:schemeClr>
-        </a:solidFill>
-        <a:round/>
-      </a:ln>
-    </cs:spPr>
-  </cs:gridlineMinor>
-  <cs:hiLoLine>
-    <cs:lnRef idx="0"/>
-    <cs:fillRef idx="0"/>
-    <cs:effectRef idx="0"/>
-    <cs:fontRef idx="minor">
-      <a:schemeClr val="tx1"/>
-    </cs:fontRef>
-    <cs:spPr>
-      <a:ln w="9525" cap="flat" cmpd="sng" algn="ctr">
-        <a:solidFill>
-          <a:schemeClr val="tx1">
-            <a:lumMod val="75000"/>
-            <a:lumOff val="25000"/>
-          </a:schemeClr>
-        </a:solidFill>
-        <a:round/>
-      </a:ln>
-    </cs:spPr>
-  </cs:hiLoLine>
-  <cs:leaderLine>
-    <cs:lnRef idx="0"/>
-    <cs:fillRef idx="0"/>
-    <cs:effectRef idx="0"/>
-    <cs:fontRef idx="minor">
-      <a:schemeClr val="tx1"/>
-    </cs:fontRef>
-    <cs:spPr>
-      <a:ln w="9525" cap="flat" cmpd="sng" algn="ctr">
-        <a:solidFill>
-          <a:schemeClr val="tx1">
-            <a:lumMod val="35000"/>
-            <a:lumOff val="65000"/>
-          </a:schemeClr>
-        </a:solidFill>
-        <a:round/>
-      </a:ln>
-    </cs:spPr>
-  </cs:leaderLine>
-  <cs:legend>
-    <cs:lnRef idx="0"/>
-    <cs:fillRef idx="0"/>
-    <cs:effectRef idx="0"/>
-    <cs:fontRef idx="minor">
-      <a:schemeClr val="tx1">
-        <a:lumMod val="65000"/>
-        <a:lumOff val="35000"/>
-      </a:schemeClr>
-    </cs:fontRef>
-    <cs:defRPr sz="900" kern="1200"/>
-  </cs:legend>
-  <cs:plotArea mods="allowNoFillOverride allowNoLineOverride">
-    <cs:lnRef idx="0"/>
-    <cs:fillRef idx="0"/>
-    <cs:effectRef idx="0"/>
-    <cs:fontRef idx="minor">
-      <a:schemeClr val="tx1"/>
-    </cs:fontRef>
-  </cs:plotArea>
-  <cs:plotArea3D mods="allowNoFillOverride allowNoLineOverride">
-    <cs:lnRef idx="0"/>
-    <cs:fillRef idx="0"/>
-    <cs:effectRef idx="0"/>
-    <cs:fontRef idx="minor">
-      <a:schemeClr val="tx1"/>
-    </cs:fontRef>
-  </cs:plotArea3D>
-  <cs:seriesAxis>
-    <cs:lnRef idx="0"/>
-    <cs:fillRef idx="0"/>
-    <cs:effectRef idx="0"/>
-    <cs:fontRef idx="minor">
-      <a:schemeClr val="tx1">
-        <a:lumMod val="65000"/>
-        <a:lumOff val="35000"/>
-      </a:schemeClr>
-    </cs:fontRef>
-    <cs:defRPr sz="900" kern="1200"/>
-  </cs:seriesAxis>
-  <cs:seriesLine>
-    <cs:lnRef idx="0"/>
-    <cs:fillRef idx="0"/>
-    <cs:effectRef idx="0"/>
-    <cs:fontRef idx="minor">
-      <a:schemeClr val="tx1"/>
-    </cs:fontRef>
-    <cs:spPr>
-      <a:ln w="9525" cap="flat" cmpd="sng" algn="ctr">
-        <a:solidFill>
-          <a:schemeClr val="tx1">
-            <a:lumMod val="35000"/>
-            <a:lumOff val="65000"/>
-          </a:schemeClr>
-        </a:solidFill>
-        <a:round/>
-      </a:ln>
-    </cs:spPr>
-  </cs:seriesLine>
-  <cs:title>
-    <cs:lnRef idx="0"/>
-    <cs:fillRef idx="0"/>
-    <cs:effectRef idx="0"/>
-    <cs:fontRef idx="minor">
-      <a:schemeClr val="tx1">
-        <a:lumMod val="65000"/>
-        <a:lumOff val="35000"/>
-      </a:schemeClr>
-    </cs:fontRef>
-    <cs:defRPr sz="1400" b="0" kern="1200" spc="0" baseline="0"/>
-  </cs:title>
-  <cs:trendline>
-    <cs:lnRef idx="0">
-      <cs:styleClr val="auto"/>
-    </cs:lnRef>
-    <cs:fillRef idx="0"/>
-    <cs:effectRef idx="0"/>
-    <cs:fontRef idx="minor">
-      <a:schemeClr val="tx1"/>
-    </cs:fontRef>
-    <cs:spPr>
-      <a:ln w="19050" cap="rnd">
-        <a:solidFill>
-          <a:schemeClr val="phClr"/>
-        </a:solidFill>
-        <a:prstDash val="sysDot"/>
-      </a:ln>
-    </cs:spPr>
-  </cs:trendline>
-  <cs:trendlineLabel>
-    <cs:lnRef idx="0"/>
-    <cs:fillRef idx="0"/>
-    <cs:effectRef idx="0"/>
-    <cs:fontRef idx="minor">
-      <a:schemeClr val="tx1">
-        <a:lumMod val="65000"/>
-        <a:lumOff val="35000"/>
-      </a:schemeClr>
-    </cs:fontRef>
-    <cs:defRPr sz="900" kern="1200"/>
-  </cs:trendlineLabel>
-  <cs:upBar>
-    <cs:lnRef idx="0"/>
-    <cs:fillRef idx="0"/>
-    <cs:effectRef idx="0"/>
-    <cs:fontRef idx="minor">
-      <a:schemeClr val="dk1"/>
-    </cs:fontRef>
-    <cs:spPr>
-      <a:solidFill>
-        <a:schemeClr val="lt1"/>
-      </a:solidFill>
-      <a:ln w="9525">
-        <a:solidFill>
-          <a:schemeClr val="tx1">
-            <a:lumMod val="15000"/>
-            <a:lumOff val="85000"/>
-          </a:schemeClr>
-        </a:solidFill>
-      </a:ln>
-    </cs:spPr>
-  </cs:upBar>
-  <cs:valueAxis>
-    <cs:lnRef idx="0"/>
-    <cs:fillRef idx="0"/>
-    <cs:effectRef idx="0"/>
-    <cs:fontRef idx="minor">
-      <a:schemeClr val="tx1">
-        <a:lumMod val="65000"/>
-        <a:lumOff val="35000"/>
-      </a:schemeClr>
-    </cs:fontRef>
-    <cs:defRPr sz="900" kern="1200"/>
-  </cs:valueAxis>
-  <cs:wall>
-    <cs:lnRef idx="0"/>
-    <cs:fillRef idx="0"/>
-    <cs:effectRef idx="0"/>
-    <cs:fontRef idx="minor">
-      <a:schemeClr val="tx1"/>
-    </cs:fontRef>
-    <cs:spPr>
-      <a:noFill/>
-      <a:ln>
-        <a:noFill/>
-      </a:ln>
-    </cs:spPr>
-  </cs:wall>
-</cs:chartStyle>
-</file>
-
-<file path=ppt/charts/style3.xml><?xml version="1.0" encoding="utf-8"?>
-<cs:chartStyle xmlns:cs="http://schemas.microsoft.com/office/drawing/2012/chartStyle" xmlns:a="http://schemas.openxmlformats.org/drawingml/2006/main" id="201">
-  <cs:axisTitle>
-    <cs:lnRef idx="0"/>
-    <cs:fillRef idx="0"/>
-    <cs:effectRef idx="0"/>
-    <cs:fontRef idx="minor">
-      <a:schemeClr val="tx1">
-        <a:lumMod val="65000"/>
-        <a:lumOff val="35000"/>
-      </a:schemeClr>
-    </cs:fontRef>
-    <cs:defRPr sz="1000" kern="1200"/>
-  </cs:axisTitle>
-  <cs:categoryAxis>
-    <cs:lnRef idx="0"/>
-    <cs:fillRef idx="0"/>
-    <cs:effectRef idx="0"/>
-    <cs:fontRef idx="minor">
-      <a:schemeClr val="tx1">
-        <a:lumMod val="65000"/>
-        <a:lumOff val="35000"/>
-      </a:schemeClr>
-    </cs:fontRef>
-    <cs:spPr>
-      <a:ln w="9525" cap="flat" cmpd="sng" algn="ctr">
-        <a:solidFill>
-          <a:schemeClr val="tx1">
-            <a:lumMod val="15000"/>
-            <a:lumOff val="85000"/>
-          </a:schemeClr>
-        </a:solidFill>
-        <a:round/>
-      </a:ln>
-    </cs:spPr>
-    <cs:defRPr sz="900" kern="1200"/>
-  </cs:categoryAxis>
-  <cs:chartArea mods="allowNoFillOverride allowNoLineOverride">
-    <cs:lnRef idx="0"/>
-    <cs:fillRef idx="0"/>
-    <cs:effectRef idx="0"/>
-    <cs:fontRef idx="minor">
-      <a:schemeClr val="tx1"/>
-    </cs:fontRef>
-    <cs:spPr>
-      <a:solidFill>
-        <a:schemeClr val="bg1"/>
-      </a:solidFill>
-      <a:ln w="9525" cap="flat" cmpd="sng" algn="ctr">
-        <a:solidFill>
-          <a:schemeClr val="tx1">
-            <a:lumMod val="15000"/>
-            <a:lumOff val="85000"/>
-          </a:schemeClr>
-        </a:solidFill>
-        <a:round/>
-      </a:ln>
-    </cs:spPr>
-    <cs:defRPr sz="1000" kern="1200"/>
-  </cs:chartArea>
-  <cs:dataLabel>
-    <cs:lnRef idx="0"/>
-    <cs:fillRef idx="0"/>
-    <cs:effectRef idx="0"/>
-    <cs:fontRef idx="minor">
-      <a:schemeClr val="tx1">
-        <a:lumMod val="75000"/>
-        <a:lumOff val="25000"/>
-      </a:schemeClr>
-    </cs:fontRef>
-    <cs:defRPr sz="900" kern="1200"/>
-  </cs:dataLabel>
-  <cs:dataLabelCallout>
-    <cs:lnRef idx="0"/>
-    <cs:fillRef idx="0"/>
-    <cs:effectRef idx="0"/>
-    <cs:fontRef idx="minor">
-      <a:schemeClr val="dk1">
-        <a:lumMod val="65000"/>
-        <a:lumOff val="35000"/>
-      </a:schemeClr>
-    </cs:fontRef>
-    <cs:spPr>
-      <a:solidFill>
-        <a:schemeClr val="lt1"/>
-      </a:solidFill>
-      <a:ln>
-        <a:solidFill>
-          <a:schemeClr val="dk1">
-            <a:lumMod val="25000"/>
-            <a:lumOff val="75000"/>
-          </a:schemeClr>
-        </a:solidFill>
-      </a:ln>
-    </cs:spPr>
-    <cs:defRPr sz="900" kern="1200"/>
-    <cs:bodyPr rot="0" spcFirstLastPara="1" vertOverflow="clip" horzOverflow="clip" vert="horz" wrap="square" lIns="36576" tIns="18288" rIns="36576" bIns="18288" anchor="ctr" anchorCtr="1">
-      <a:spAutoFit/>
-    </cs:bodyPr>
-  </cs:dataLabelCallout>
-  <cs:dataPoint>
-    <cs:lnRef idx="0"/>
-    <cs:fillRef idx="1">
-      <cs:styleClr val="auto"/>
-    </cs:fillRef>
-    <cs:effectRef idx="0"/>
-    <cs:fontRef idx="minor">
-      <a:schemeClr val="tx1"/>
-    </cs:fontRef>
-  </cs:dataPoint>
-  <cs:dataPoint3D>
-    <cs:lnRef idx="0"/>
-    <cs:fillRef idx="1">
-      <cs:styleClr val="auto"/>
-    </cs:fillRef>
-    <cs:effectRef idx="0"/>
-    <cs:fontRef idx="minor">
-      <a:schemeClr val="tx1"/>
-    </cs:fontRef>
-  </cs:dataPoint3D>
-  <cs:dataPointLine>
-    <cs:lnRef idx="0">
-      <cs:styleClr val="auto"/>
-    </cs:lnRef>
-    <cs:fillRef idx="1"/>
-    <cs:effectRef idx="0"/>
-    <cs:fontRef idx="minor">
-      <a:schemeClr val="tx1"/>
-    </cs:fontRef>
-    <cs:spPr>
-      <a:ln w="28575" cap="rnd">
-        <a:solidFill>
-          <a:schemeClr val="phClr"/>
-        </a:solidFill>
-        <a:round/>
-      </a:ln>
-    </cs:spPr>
-  </cs:dataPointLine>
-  <cs:dataPointMarker>
-    <cs:lnRef idx="0">
-      <cs:styleClr val="auto"/>
-    </cs:lnRef>
-    <cs:fillRef idx="1">
-      <cs:styleClr val="auto"/>
-    </cs:fillRef>
-    <cs:effectRef idx="0"/>
-    <cs:fontRef idx="minor">
-      <a:schemeClr val="tx1"/>
-    </cs:fontRef>
-    <cs:spPr>
       <a:ln w="9525">
         <a:solidFill>
           <a:schemeClr val="phClr"/>
@@ -4421,7 +3758,7 @@
     </p:spTree>
     <p:extLst>
       <p:ext uri="{BB962C8B-B14F-4D97-AF65-F5344CB8AC3E}">
-        <p14:creationId xmlns:p14="http://schemas.microsoft.com/office/powerpoint/2010/main" val="1859251569"/>
+        <p14:creationId xmlns:p14="http://schemas.microsoft.com/office/powerpoint/2010/main" val="563284076"/>
       </p:ext>
     </p:extLst>
   </p:cSld>
@@ -4548,7 +3885,7 @@
     </p:spTree>
     <p:extLst>
       <p:ext uri="{BB962C8B-B14F-4D97-AF65-F5344CB8AC3E}">
-        <p14:creationId xmlns:p14="http://schemas.microsoft.com/office/powerpoint/2010/main" val="967246013"/>
+        <p14:creationId xmlns:p14="http://schemas.microsoft.com/office/powerpoint/2010/main" val="1551664266"/>
       </p:ext>
     </p:extLst>
   </p:cSld>
@@ -6072,7 +5409,7 @@
     </p:spTree>
     <p:extLst>
       <p:ext uri="{BB962C8B-B14F-4D97-AF65-F5344CB8AC3E}">
-        <p14:creationId xmlns:p14="http://schemas.microsoft.com/office/powerpoint/2010/main" val="1551664266"/>
+        <p14:creationId xmlns:p14="http://schemas.microsoft.com/office/powerpoint/2010/main" val="967246013"/>
       </p:ext>
     </p:extLst>
   </p:cSld>
@@ -6199,7 +5536,7 @@
     </p:spTree>
     <p:extLst>
       <p:ext uri="{BB962C8B-B14F-4D97-AF65-F5344CB8AC3E}">
-        <p14:creationId xmlns:p14="http://schemas.microsoft.com/office/powerpoint/2010/main" val="563284076"/>
+        <p14:creationId xmlns:p14="http://schemas.microsoft.com/office/powerpoint/2010/main" val="1859251569"/>
       </p:ext>
     </p:extLst>
   </p:cSld>
@@ -6925,6 +6262,10 @@
             </a:lvl9pPr>
           </a:lstStyle>
           <a:p>
+            <a:r>
+              <a:rPr lang="ru-RU" smtClean="0"/>
+              <a:t>/16</a:t>
+            </a:r>
             <a:endParaRPr/>
           </a:p>
         </p:txBody>
@@ -7898,6 +7239,10 @@
             </a:lvl9pPr>
           </a:lstStyle>
           <a:p>
+            <a:r>
+              <a:rPr lang="ru-RU" smtClean="0"/>
+              <a:t>/16</a:t>
+            </a:r>
             <a:endParaRPr/>
           </a:p>
         </p:txBody>
@@ -8871,6 +8216,10 @@
             </a:lvl9pPr>
           </a:lstStyle>
           <a:p>
+            <a:r>
+              <a:rPr lang="ru-RU" smtClean="0"/>
+              <a:t>/16</a:t>
+            </a:r>
             <a:endParaRPr/>
           </a:p>
         </p:txBody>
@@ -9700,8 +9049,8 @@
         </p:nvSpPr>
         <p:spPr>
           <a:xfrm>
-            <a:off x="3124200" y="4767263"/>
-            <a:ext cx="2895600" cy="273844"/>
+            <a:off x="8153611" y="4626304"/>
+            <a:ext cx="1631462" cy="273844"/>
           </a:xfrm>
           <a:prstGeom prst="rect">
             <a:avLst/>
@@ -9728,7 +9077,13 @@
               </a:spcAft>
               <a:buSzPts val="1400"/>
               <a:buNone/>
-              <a:defRPr/>
+              <a:defRPr sz="1600">
+                <a:solidFill>
+                  <a:schemeClr val="tx1"/>
+                </a:solidFill>
+                <a:latin typeface="Roboto" panose="020B0604020202020204" charset="0"/>
+                <a:ea typeface="Roboto" panose="020B0604020202020204" charset="0"/>
+              </a:defRPr>
             </a:lvl1pPr>
             <a:lvl2pPr lvl="1" algn="l">
               <a:lnSpc>
@@ -9844,7 +9199,11 @@
             </a:lvl9pPr>
           </a:lstStyle>
           <a:p>
-            <a:endParaRPr/>
+            <a:r>
+              <a:rPr lang="en-US" dirty="0" smtClean="0"/>
+              <a:t>/16</a:t>
+            </a:r>
+            <a:endParaRPr lang="en-US" dirty="0"/>
           </a:p>
         </p:txBody>
       </p:sp>
@@ -9860,7 +9219,7 @@
         </p:nvSpPr>
         <p:spPr>
           <a:xfrm>
-            <a:off x="6553200" y="4767263"/>
+            <a:off x="6762374" y="4626304"/>
             <a:ext cx="2133600" cy="273844"/>
           </a:xfrm>
           <a:prstGeom prst="rect">
@@ -9892,12 +9251,12 @@
               <a:buSzPts val="1200"/>
               <a:buFont typeface="Arial"/>
               <a:buNone/>
-              <a:defRPr sz="1200" b="0" i="0" u="none" strike="noStrike" cap="none">
-                <a:solidFill>
-                  <a:srgbClr val="898989"/>
-                </a:solidFill>
-                <a:latin typeface="Calibri"/>
-                <a:ea typeface="Calibri"/>
+              <a:defRPr sz="1600" b="0" i="0" u="none" strike="noStrike" cap="none">
+                <a:solidFill>
+                  <a:schemeClr val="tx1"/>
+                </a:solidFill>
+                <a:latin typeface="Roboto" panose="020B0604020202020204" charset="0"/>
+                <a:ea typeface="Roboto" panose="020B0604020202020204" charset="0"/>
                 <a:cs typeface="Calibri"/>
                 <a:sym typeface="Calibri"/>
               </a:defRPr>
@@ -10112,20 +9471,12 @@
             </a:lvl9pPr>
           </a:lstStyle>
           <a:p>
-            <a:pPr marL="0" lvl="0" indent="0" algn="r" rtl="0">
-              <a:spcBef>
-                <a:spcPts val="0"/>
-              </a:spcBef>
-              <a:spcAft>
-                <a:spcPts val="0"/>
-              </a:spcAft>
-              <a:buNone/>
-            </a:pPr>
             <a:fld id="{00000000-1234-1234-1234-123412341234}" type="slidenum">
-              <a:rPr lang="ru-RU"/>
+              <a:rPr lang="ru-RU" smtClean="0"/>
+              <a:pPr/>
               <a:t>‹#›</a:t>
             </a:fld>
-            <a:endParaRPr/>
+            <a:endParaRPr lang="ru-RU" dirty="0"/>
           </a:p>
         </p:txBody>
       </p:sp>
@@ -10853,6 +10204,10 @@
             </a:lvl9pPr>
           </a:lstStyle>
           <a:p>
+            <a:r>
+              <a:rPr lang="ru-RU" smtClean="0"/>
+              <a:t>/16</a:t>
+            </a:r>
             <a:endParaRPr/>
           </a:p>
         </p:txBody>
@@ -12013,6 +11368,10 @@
             </a:lvl9pPr>
           </a:lstStyle>
           <a:p>
+            <a:r>
+              <a:rPr lang="ru-RU" smtClean="0"/>
+              <a:t>/16</a:t>
+            </a:r>
             <a:endParaRPr/>
           </a:p>
         </p:txBody>
@@ -13547,6 +12906,10 @@
             </a:lvl9pPr>
           </a:lstStyle>
           <a:p>
+            <a:r>
+              <a:rPr lang="ru-RU" smtClean="0"/>
+              <a:t>/16</a:t>
+            </a:r>
             <a:endParaRPr/>
           </a:p>
         </p:txBody>
@@ -14333,6 +13696,10 @@
             </a:lvl9pPr>
           </a:lstStyle>
           <a:p>
+            <a:r>
+              <a:rPr lang="ru-RU" smtClean="0"/>
+              <a:t>/16</a:t>
+            </a:r>
             <a:endParaRPr/>
           </a:p>
         </p:txBody>
@@ -14959,6 +14326,10 @@
             </a:lvl9pPr>
           </a:lstStyle>
           <a:p>
+            <a:r>
+              <a:rPr lang="ru-RU" smtClean="0"/>
+              <a:t>/16</a:t>
+            </a:r>
             <a:endParaRPr/>
           </a:p>
         </p:txBody>
@@ -16119,6 +15490,10 @@
             </a:lvl9pPr>
           </a:lstStyle>
           <a:p>
+            <a:r>
+              <a:rPr lang="ru-RU" smtClean="0"/>
+              <a:t>/16</a:t>
+            </a:r>
             <a:endParaRPr/>
           </a:p>
         </p:txBody>
@@ -17116,6 +16491,10 @@
             </a:lvl9pPr>
           </a:lstStyle>
           <a:p>
+            <a:r>
+              <a:rPr lang="ru-RU" smtClean="0"/>
+              <a:t>/16</a:t>
+            </a:r>
             <a:endParaRPr/>
           </a:p>
         </p:txBody>
@@ -18507,6 +17886,10 @@
             </a:lvl9pPr>
           </a:lstStyle>
           <a:p>
+            <a:r>
+              <a:rPr lang="ru-RU" smtClean="0"/>
+              <a:t>/16</a:t>
+            </a:r>
             <a:endParaRPr/>
           </a:p>
         </p:txBody>
@@ -18808,7 +18191,7 @@
     <p:sldLayoutId id="2147483658" r:id="rId10"/>
     <p:sldLayoutId id="2147483659" r:id="rId11"/>
   </p:sldLayoutIdLst>
-  <p:hf sldNum="0" hdr="0" ftr="0" dt="0"/>
+  <p:hf hdr="0" dt="0"/>
   <p:txStyles>
     <p:titleStyle>
       <a:defPPr marR="0" lvl="0" algn="l" rtl="0">
@@ -19784,6 +19167,24 @@
               </a:rPr>
               <a:t> </a:t>
             </a:r>
+          </a:p>
+          <a:p>
+            <a:pPr marL="0" lvl="0" indent="0" algn="l" rtl="0">
+              <a:lnSpc>
+                <a:spcPct val="100000"/>
+              </a:lnSpc>
+              <a:spcBef>
+                <a:spcPts val="0"/>
+              </a:spcBef>
+              <a:spcAft>
+                <a:spcPts val="0"/>
+              </a:spcAft>
+              <a:buClr>
+                <a:schemeClr val="dk1"/>
+              </a:buClr>
+              <a:buSzPts val="1400"/>
+              <a:buNone/>
+            </a:pPr>
             <a:r>
               <a:rPr lang="ru-RU" sz="1400" dirty="0" smtClean="0">
                 <a:solidFill>
@@ -19794,37 +19195,10 @@
                 <a:cs typeface="Roboto"/>
                 <a:sym typeface="Roboto"/>
               </a:rPr>
-              <a:t>к.т.н. , </a:t>
+              <a:t>к.т.н.,</a:t>
             </a:r>
-            <a:endParaRPr lang="ru-RU" sz="1400" dirty="0" smtClean="0">
-              <a:solidFill>
-                <a:schemeClr val="dk1"/>
-              </a:solidFill>
-              <a:latin typeface="Roboto"/>
-              <a:ea typeface="Roboto"/>
-              <a:cs typeface="Roboto"/>
-              <a:sym typeface="Roboto"/>
-            </a:endParaRPr>
-          </a:p>
-          <a:p>
-            <a:pPr marL="0" lvl="0" indent="0" algn="l" rtl="0">
-              <a:lnSpc>
-                <a:spcPct val="100000"/>
-              </a:lnSpc>
-              <a:spcBef>
-                <a:spcPts val="0"/>
-              </a:spcBef>
-              <a:spcAft>
-                <a:spcPts val="0"/>
-              </a:spcAft>
-              <a:buClr>
-                <a:schemeClr val="dk1"/>
-              </a:buClr>
-              <a:buSzPts val="1400"/>
-              <a:buNone/>
-            </a:pPr>
             <a:r>
-              <a:rPr lang="ru-RU" sz="1400" dirty="0" smtClean="0">
+              <a:rPr lang="en-US" sz="1400" dirty="0" smtClean="0">
                 <a:solidFill>
                   <a:schemeClr val="dk1"/>
                 </a:solidFill>
@@ -19833,7 +19207,7 @@
                 <a:cs typeface="Roboto"/>
                 <a:sym typeface="Roboto"/>
               </a:rPr>
-              <a:t>доцент Полякова О.А</a:t>
+              <a:t> </a:t>
             </a:r>
             <a:r>
               <a:rPr lang="ru-RU" sz="1400" dirty="0" smtClean="0">
@@ -19845,17 +19219,62 @@
                 <a:cs typeface="Roboto"/>
                 <a:sym typeface="Roboto"/>
               </a:rPr>
-              <a:t>.</a:t>
+              <a:t>доцент</a:t>
             </a:r>
-            <a:endParaRPr lang="ru-RU" sz="1400" dirty="0" smtClean="0">
-              <a:solidFill>
+            <a:r>
+              <a:rPr lang="en-US" sz="1400" dirty="0" smtClean="0">
+                <a:solidFill>
+                  <a:schemeClr val="dk1"/>
+                </a:solidFill>
+                <a:latin typeface="Roboto"/>
+                <a:ea typeface="Roboto"/>
+                <a:cs typeface="Roboto"/>
+                <a:sym typeface="Roboto"/>
+              </a:rPr>
+              <a:t> </a:t>
+            </a:r>
+            <a:r>
+              <a:rPr lang="ru-RU" sz="1400" dirty="0" smtClean="0">
+                <a:solidFill>
+                  <a:schemeClr val="dk1"/>
+                </a:solidFill>
+                <a:latin typeface="Roboto"/>
+                <a:ea typeface="Roboto"/>
+                <a:cs typeface="Roboto"/>
+                <a:sym typeface="Roboto"/>
+              </a:rPr>
+              <a:t>кафедры ИТАС </a:t>
+            </a:r>
+          </a:p>
+          <a:p>
+            <a:pPr marL="0" lvl="0" indent="0" algn="l" rtl="0">
+              <a:lnSpc>
+                <a:spcPct val="100000"/>
+              </a:lnSpc>
+              <a:spcBef>
+                <a:spcPts val="0"/>
+              </a:spcBef>
+              <a:spcAft>
+                <a:spcPts val="0"/>
+              </a:spcAft>
+              <a:buClr>
                 <a:schemeClr val="dk1"/>
-              </a:solidFill>
-              <a:latin typeface="Roboto"/>
-              <a:ea typeface="Roboto"/>
-              <a:cs typeface="Roboto"/>
-              <a:sym typeface="Roboto"/>
-            </a:endParaRPr>
+              </a:buClr>
+              <a:buSzPts val="1400"/>
+              <a:buNone/>
+            </a:pPr>
+            <a:r>
+              <a:rPr lang="ru-RU" sz="1400" dirty="0" smtClean="0">
+                <a:solidFill>
+                  <a:schemeClr val="dk1"/>
+                </a:solidFill>
+                <a:latin typeface="Roboto"/>
+                <a:ea typeface="Roboto"/>
+                <a:cs typeface="Roboto"/>
+                <a:sym typeface="Roboto"/>
+              </a:rPr>
+              <a:t>Полякова О.А.</a:t>
+            </a:r>
           </a:p>
         </p:txBody>
       </p:sp>
@@ -20337,9 +19756,21 @@
           </a:bodyPr>
           <a:lstStyle/>
           <a:p>
-            <a:pPr lvl="0" algn="r"/>
+            <a:pPr marL="0" lvl="0" indent="0" algn="r" rtl="0">
+              <a:lnSpc>
+                <a:spcPct val="100000"/>
+              </a:lnSpc>
+              <a:spcBef>
+                <a:spcPts val="0"/>
+              </a:spcBef>
+              <a:spcAft>
+                <a:spcPts val="0"/>
+              </a:spcAft>
+              <a:buSzPts val="1400"/>
+              <a:buNone/>
+            </a:pPr>
             <a:r>
-              <a:rPr lang="ru-RU" sz="2400" b="1" dirty="0">
+              <a:rPr lang="ru-RU" sz="2400" b="1" dirty="0" smtClean="0">
                 <a:solidFill>
                   <a:schemeClr val="lt1"/>
                 </a:solidFill>
@@ -20348,10 +19779,10 @@
                 <a:cs typeface="Arial"/>
                 <a:sym typeface="Arial"/>
               </a:rPr>
-              <a:t>Модули </a:t>
+              <a:t>Модуль </a:t>
             </a:r>
             <a:r>
-              <a:rPr lang="ru-RU" sz="2400" b="1" dirty="0" smtClean="0">
+              <a:rPr lang="en-US" sz="2400" b="1" dirty="0" smtClean="0">
                 <a:solidFill>
                   <a:schemeClr val="lt1"/>
                 </a:solidFill>
@@ -20360,19 +19791,7 @@
                 <a:cs typeface="Arial"/>
                 <a:sym typeface="Arial"/>
               </a:rPr>
-              <a:t>архитектуры </a:t>
-            </a:r>
-            <a:r>
-              <a:rPr lang="en-US" sz="2400" b="1" dirty="0">
-                <a:solidFill>
-                  <a:schemeClr val="lt1"/>
-                </a:solidFill>
-                <a:latin typeface="Roboto" panose="020B0604020202020204" charset="0"/>
-                <a:ea typeface="Roboto" panose="020B0604020202020204" charset="0"/>
-                <a:cs typeface="Arial"/>
-                <a:sym typeface="Arial"/>
-              </a:rPr>
-              <a:t>VIPER</a:t>
+              <a:t>Presenter</a:t>
             </a:r>
             <a:endParaRPr sz="2400" b="1" dirty="0">
               <a:solidFill>
@@ -20398,8 +19817,8 @@
         </p:nvSpPr>
         <p:spPr>
           <a:xfrm>
-            <a:off x="257654" y="1329211"/>
-            <a:ext cx="4143691" cy="2686661"/>
+            <a:off x="357189" y="1203598"/>
+            <a:ext cx="9164498" cy="1798019"/>
           </a:xfrm>
           <a:prstGeom prst="rect">
             <a:avLst/>
@@ -20415,321 +19834,305 @@
           </a:bodyPr>
           <a:lstStyle/>
           <a:p>
-            <a:pPr marL="342900" lvl="0" indent="-234950">
+            <a:pPr marL="107950" lvl="0" indent="0">
               <a:spcBef>
                 <a:spcPts val="340"/>
               </a:spcBef>
+              <a:buClr>
+                <a:schemeClr val="dk1"/>
+              </a:buClr>
               <a:buSzPts val="1700"/>
               <a:buNone/>
             </a:pPr>
             <a:r>
-              <a:rPr lang="en-US" sz="2000" b="1" dirty="0" smtClean="0">
+              <a:rPr lang="ru-RU" sz="2000" b="1" dirty="0" err="1">
                 <a:latin typeface="Roboto" panose="020B0604020202020204" charset="0"/>
                 <a:ea typeface="Roboto" panose="020B0604020202020204" charset="0"/>
-                <a:cs typeface="Arial"/>
-                <a:sym typeface="Arial"/>
               </a:rPr>
-              <a:t>Interactor </a:t>
+              <a:t>Presenter</a:t>
+            </a:r>
+            <a:r>
+              <a:rPr lang="ru-RU" sz="2000" b="1" dirty="0">
+                <a:latin typeface="Roboto" panose="020B0604020202020204" charset="0"/>
+                <a:ea typeface="Roboto" panose="020B0604020202020204" charset="0"/>
+              </a:rPr>
+              <a:t>-элементы </a:t>
             </a:r>
             <a:r>
               <a:rPr lang="ru-RU" sz="2000" dirty="0" smtClean="0">
                 <a:latin typeface="Roboto" panose="020B0604020202020204" charset="0"/>
                 <a:ea typeface="Roboto" panose="020B0604020202020204" charset="0"/>
-                <a:cs typeface="Arial"/>
-                <a:sym typeface="Arial"/>
               </a:rPr>
-              <a:t>для</a:t>
+              <a:t> </a:t>
+            </a:r>
+            <a:r>
+              <a:rPr lang="ru-RU" sz="2000" dirty="0" err="1" smtClean="0">
+                <a:latin typeface="Roboto" panose="020B0604020202020204" charset="0"/>
+                <a:ea typeface="Roboto" panose="020B0604020202020204" charset="0"/>
+              </a:rPr>
+              <a:t>храненят</a:t>
+            </a:r>
+            <a:r>
+              <a:rPr lang="ru-RU" sz="2000" dirty="0" smtClean="0">
+                <a:latin typeface="Roboto" panose="020B0604020202020204" charset="0"/>
+                <a:ea typeface="Roboto" panose="020B0604020202020204" charset="0"/>
+              </a:rPr>
+              <a:t> </a:t>
+            </a:r>
+            <a:r>
+              <a:rPr lang="ru-RU" sz="2000" dirty="0">
+                <a:latin typeface="Roboto" panose="020B0604020202020204" charset="0"/>
+                <a:ea typeface="Roboto" panose="020B0604020202020204" charset="0"/>
+              </a:rPr>
+              <a:t>и </a:t>
+            </a:r>
+            <a:r>
+              <a:rPr lang="ru-RU" sz="2000" dirty="0" smtClean="0">
+                <a:latin typeface="Roboto" panose="020B0604020202020204" charset="0"/>
+                <a:ea typeface="Roboto" panose="020B0604020202020204" charset="0"/>
+              </a:rPr>
+              <a:t>обрабатывают данные отображающиеся на </a:t>
+            </a:r>
+            <a:r>
+              <a:rPr lang="ru-RU" sz="2000" dirty="0">
+                <a:latin typeface="Roboto" panose="020B0604020202020204" charset="0"/>
+                <a:ea typeface="Roboto" panose="020B0604020202020204" charset="0"/>
+              </a:rPr>
+              <a:t>оконных формах (</a:t>
+            </a:r>
+            <a:r>
+              <a:rPr lang="ru-RU" sz="2000" dirty="0" err="1">
+                <a:latin typeface="Roboto" panose="020B0604020202020204" charset="0"/>
+                <a:ea typeface="Roboto" panose="020B0604020202020204" charset="0"/>
+              </a:rPr>
+              <a:t>View</a:t>
+            </a:r>
+            <a:r>
+              <a:rPr lang="ru-RU" sz="2000" dirty="0">
+                <a:latin typeface="Roboto" panose="020B0604020202020204" charset="0"/>
+                <a:ea typeface="Roboto" panose="020B0604020202020204" charset="0"/>
+              </a:rPr>
+              <a:t>)</a:t>
+            </a:r>
+            <a:endParaRPr lang="en-US" sz="2000" dirty="0">
+              <a:latin typeface="Roboto" panose="020B0604020202020204" charset="0"/>
+              <a:ea typeface="Roboto" panose="020B0604020202020204" charset="0"/>
+            </a:endParaRPr>
+          </a:p>
+          <a:p>
+            <a:pPr marL="342900" lvl="0" indent="-234950">
+              <a:spcBef>
+                <a:spcPts val="340"/>
+              </a:spcBef>
+              <a:buSzPts val="1700"/>
+              <a:buNone/>
+            </a:pPr>
+            <a:endParaRPr lang="en-US" sz="2000" dirty="0">
+              <a:latin typeface="Roboto" panose="020B0604020202020204" charset="0"/>
+              <a:ea typeface="Roboto" panose="020B0604020202020204" charset="0"/>
+            </a:endParaRPr>
+          </a:p>
+          <a:p>
+            <a:pPr marL="342900" lvl="0" indent="-234950">
+              <a:spcBef>
+                <a:spcPts val="340"/>
+              </a:spcBef>
+              <a:buSzPts val="1700"/>
+              <a:buNone/>
+            </a:pPr>
+            <a:r>
+              <a:rPr lang="ru-RU" sz="2000" b="1" dirty="0">
+                <a:latin typeface="Roboto" panose="020B0604020202020204" charset="0"/>
+                <a:ea typeface="Roboto" panose="020B0604020202020204" charset="0"/>
+              </a:rPr>
+              <a:t>Разработаны </a:t>
+            </a:r>
+            <a:r>
+              <a:rPr lang="ru-RU" sz="2000" dirty="0">
+                <a:latin typeface="Roboto" panose="020B0604020202020204" charset="0"/>
+                <a:ea typeface="Roboto" panose="020B0604020202020204" charset="0"/>
+              </a:rPr>
+              <a:t>на языке </a:t>
             </a:r>
             <a:r>
               <a:rPr lang="ru-RU" sz="2000" b="1" dirty="0">
                 <a:latin typeface="Roboto" panose="020B0604020202020204" charset="0"/>
                 <a:ea typeface="Roboto" panose="020B0604020202020204" charset="0"/>
-                <a:cs typeface="Arial"/>
-                <a:sym typeface="Arial"/>
               </a:rPr>
-              <a:t>:</a:t>
+              <a:t>С</a:t>
             </a:r>
-          </a:p>
-          <a:p>
-            <a:pPr marL="107950" indent="0">
-              <a:spcBef>
-                <a:spcPts val="340"/>
-              </a:spcBef>
-              <a:buSzPts val="1700"/>
-              <a:buNone/>
-            </a:pPr>
             <a:r>
-              <a:rPr lang="ru-RU" sz="2000" dirty="0" smtClean="0">
+              <a:rPr lang="en-US" sz="2000" b="1" dirty="0">
                 <a:latin typeface="Roboto" panose="020B0604020202020204" charset="0"/>
                 <a:ea typeface="Roboto" panose="020B0604020202020204" charset="0"/>
-                <a:cs typeface="Arial"/>
-                <a:sym typeface="Arial"/>
               </a:rPr>
-              <a:t> - составления </a:t>
+              <a:t>#</a:t>
             </a:r>
-            <a:r>
-              <a:rPr lang="en-US" sz="2000" dirty="0" smtClean="0">
-                <a:latin typeface="Roboto" panose="020B0604020202020204" charset="0"/>
-                <a:ea typeface="Roboto" panose="020B0604020202020204" charset="0"/>
-                <a:cs typeface="Arial"/>
-                <a:sym typeface="Arial"/>
-              </a:rPr>
-              <a:t>HTTP</a:t>
-            </a:r>
-            <a:r>
-              <a:rPr lang="ru-RU" sz="2000" dirty="0" smtClean="0">
-                <a:latin typeface="Roboto" panose="020B0604020202020204" charset="0"/>
-                <a:ea typeface="Roboto" panose="020B0604020202020204" charset="0"/>
-                <a:cs typeface="Arial"/>
-                <a:sym typeface="Arial"/>
-              </a:rPr>
-              <a:t>-запросов</a:t>
-            </a:r>
-          </a:p>
-          <a:p>
-            <a:pPr marL="107950" indent="0">
-              <a:spcBef>
-                <a:spcPts val="340"/>
-              </a:spcBef>
-              <a:buSzPts val="1700"/>
-              <a:buNone/>
-            </a:pPr>
-            <a:r>
-              <a:rPr lang="ru-RU" sz="2000" dirty="0" smtClean="0">
-                <a:latin typeface="Roboto" panose="020B0604020202020204" charset="0"/>
-                <a:ea typeface="Roboto" panose="020B0604020202020204" charset="0"/>
-                <a:cs typeface="Arial"/>
-                <a:sym typeface="Arial"/>
-              </a:rPr>
-              <a:t> - обработки ответов на </a:t>
-            </a:r>
-            <a:r>
-              <a:rPr lang="en-US" sz="2000" dirty="0" smtClean="0">
-                <a:latin typeface="Roboto" panose="020B0604020202020204" charset="0"/>
-                <a:ea typeface="Roboto" panose="020B0604020202020204" charset="0"/>
-                <a:cs typeface="Arial"/>
-                <a:sym typeface="Arial"/>
-              </a:rPr>
-              <a:t>HTTP-</a:t>
-            </a:r>
-            <a:r>
-              <a:rPr lang="ru-RU" sz="2000" dirty="0" smtClean="0">
-                <a:latin typeface="Roboto" panose="020B0604020202020204" charset="0"/>
-                <a:ea typeface="Roboto" panose="020B0604020202020204" charset="0"/>
-                <a:cs typeface="Arial"/>
-                <a:sym typeface="Arial"/>
-              </a:rPr>
-              <a:t>запросы</a:t>
-            </a:r>
-            <a:endParaRPr lang="en-US" sz="2000" dirty="0" smtClean="0">
+            <a:endParaRPr lang="ru-RU" sz="2000" b="1" dirty="0">
               <a:latin typeface="Roboto" panose="020B0604020202020204" charset="0"/>
               <a:ea typeface="Roboto" panose="020B0604020202020204" charset="0"/>
-              <a:cs typeface="Arial"/>
-              <a:sym typeface="Arial"/>
             </a:endParaRPr>
-          </a:p>
-          <a:p>
-            <a:pPr marL="342900" lvl="0" indent="-234950">
-              <a:spcBef>
-                <a:spcPts val="340"/>
-              </a:spcBef>
-              <a:buSzPts val="1700"/>
-              <a:buNone/>
-            </a:pPr>
-            <a:endParaRPr lang="en-US" sz="2000" b="1" dirty="0">
-              <a:latin typeface="Roboto" panose="020B0604020202020204" charset="0"/>
-              <a:ea typeface="Roboto" panose="020B0604020202020204" charset="0"/>
-              <a:cs typeface="Arial"/>
-              <a:sym typeface="Arial"/>
-            </a:endParaRPr>
-          </a:p>
-          <a:p>
-            <a:pPr marL="342900" lvl="0" indent="-234950">
-              <a:spcBef>
-                <a:spcPts val="340"/>
-              </a:spcBef>
-              <a:buSzPts val="1700"/>
-              <a:buNone/>
-            </a:pPr>
-            <a:r>
-              <a:rPr lang="ru-RU" sz="2000" b="1" dirty="0" smtClean="0">
-                <a:latin typeface="Roboto" panose="020B0604020202020204" charset="0"/>
-                <a:ea typeface="Roboto" panose="020B0604020202020204" charset="0"/>
-                <a:cs typeface="Arial"/>
-                <a:sym typeface="Arial"/>
-              </a:rPr>
-              <a:t>Разработаны </a:t>
-            </a:r>
-            <a:r>
-              <a:rPr lang="ru-RU" sz="2000" dirty="0" smtClean="0">
-                <a:latin typeface="Roboto" panose="020B0604020202020204" charset="0"/>
-                <a:ea typeface="Roboto" panose="020B0604020202020204" charset="0"/>
-                <a:cs typeface="Arial"/>
-                <a:sym typeface="Arial"/>
-              </a:rPr>
-              <a:t>на языке </a:t>
-            </a:r>
-            <a:r>
-              <a:rPr lang="en-US" sz="2000" b="1" dirty="0" smtClean="0">
-                <a:latin typeface="Roboto" panose="020B0604020202020204" charset="0"/>
-                <a:ea typeface="Roboto" panose="020B0604020202020204" charset="0"/>
-                <a:cs typeface="Arial"/>
-                <a:sym typeface="Arial"/>
-              </a:rPr>
-              <a:t>C# </a:t>
-            </a:r>
           </a:p>
         </p:txBody>
       </p:sp>
       <p:sp>
         <p:nvSpPr>
-          <p:cNvPr id="2" name="Прямоугольник 1"/>
-          <p:cNvSpPr/>
+          <p:cNvPr id="2" name="TextBox 1"/>
+          <p:cNvSpPr txBox="1"/>
           <p:nvPr/>
         </p:nvSpPr>
         <p:spPr>
           <a:xfrm>
-            <a:off x="4546600" y="1731547"/>
-            <a:ext cx="4284217" cy="307777"/>
+            <a:off x="357189" y="3118199"/>
+            <a:ext cx="3855111" cy="1508105"/>
           </a:xfrm>
           <a:prstGeom prst="rect">
             <a:avLst/>
           </a:prstGeom>
+          <a:noFill/>
         </p:spPr>
         <p:txBody>
-          <a:bodyPr wrap="square">
+          <a:bodyPr wrap="square" rtlCol="0">
             <a:spAutoFit/>
           </a:bodyPr>
           <a:lstStyle/>
           <a:p>
-            <a:pPr marL="342900" lvl="0" indent="-234950">
-              <a:spcBef>
-                <a:spcPts val="340"/>
-              </a:spcBef>
-              <a:buClr>
-                <a:schemeClr val="dk1"/>
-              </a:buClr>
-              <a:buSzPts val="1700"/>
-            </a:pPr>
             <a:r>
-              <a:rPr lang="ru-RU" b="1" dirty="0"/>
+              <a:rPr lang="ru-RU" sz="2000" b="1" dirty="0" smtClean="0">
+                <a:latin typeface="Roboto" panose="020B0604020202020204" charset="0"/>
+                <a:ea typeface="Roboto" panose="020B0604020202020204" charset="0"/>
+              </a:rPr>
+              <a:t> Например:</a:t>
+            </a:r>
+            <a:r>
+              <a:rPr lang="ru-RU" dirty="0" smtClean="0"/>
+              <a:t/>
+            </a:r>
+            <a:br>
+              <a:rPr lang="ru-RU" dirty="0" smtClean="0"/>
+            </a:br>
+            <a:r>
+              <a:rPr lang="en-US" dirty="0" smtClean="0"/>
+              <a:t>  </a:t>
+            </a:r>
+            <a:r>
+              <a:rPr lang="en-US" sz="1800" dirty="0" smtClean="0">
+                <a:latin typeface="Consolas" panose="020B0609020204030204" pitchFamily="49" charset="0"/>
+              </a:rPr>
+              <a:t>List&lt;Address&gt; addresses:</a:t>
+            </a:r>
+          </a:p>
+          <a:p>
+            <a:r>
+              <a:rPr lang="en-US" sz="1800" dirty="0" smtClean="0">
+                <a:latin typeface="Consolas" panose="020B0609020204030204" pitchFamily="49" charset="0"/>
+              </a:rPr>
+              <a:t> </a:t>
+            </a:r>
+            <a:r>
+              <a:rPr lang="en-US" sz="1800" dirty="0" err="1" smtClean="0">
+                <a:latin typeface="Consolas" panose="020B0609020204030204" pitchFamily="49" charset="0"/>
+              </a:rPr>
+              <a:t>UserInfo</a:t>
+            </a:r>
+            <a:r>
+              <a:rPr lang="en-US" sz="1800" dirty="0" smtClean="0">
+                <a:latin typeface="Consolas" panose="020B0609020204030204" pitchFamily="49" charset="0"/>
+              </a:rPr>
+              <a:t> </a:t>
+            </a:r>
+            <a:r>
+              <a:rPr lang="en-US" sz="1800" dirty="0" err="1" smtClean="0">
+                <a:latin typeface="Consolas" panose="020B0609020204030204" pitchFamily="49" charset="0"/>
+              </a:rPr>
+              <a:t>userInfo</a:t>
+            </a:r>
+            <a:r>
+              <a:rPr lang="en-US" sz="1800" dirty="0" smtClean="0">
+                <a:latin typeface="Consolas" panose="020B0609020204030204" pitchFamily="49" charset="0"/>
+              </a:rPr>
+              <a:t>;</a:t>
+            </a:r>
+          </a:p>
+          <a:p>
+            <a:endParaRPr lang="en-US" sz="1800" dirty="0">
+              <a:latin typeface="Consolas" panose="020B0609020204030204" pitchFamily="49" charset="0"/>
+            </a:endParaRPr>
+          </a:p>
+          <a:p>
+            <a:r>
+              <a:rPr lang="ru-RU" sz="1800" dirty="0">
+                <a:latin typeface="Roboto" panose="020B0604020202020204" charset="0"/>
+                <a:ea typeface="Roboto" panose="020B0604020202020204" charset="0"/>
+              </a:rPr>
               <a:t>	</a:t>
             </a:r>
+            <a:endParaRPr lang="ru-RU" sz="1800" dirty="0" smtClean="0">
+              <a:latin typeface="Roboto" panose="020B0604020202020204" charset="0"/>
+              <a:ea typeface="Roboto" panose="020B0604020202020204" charset="0"/>
+            </a:endParaRPr>
           </a:p>
         </p:txBody>
       </p:sp>
       <p:sp>
         <p:nvSpPr>
-          <p:cNvPr id="7" name="Google Shape;99;p3"/>
-          <p:cNvSpPr txBox="1"/>
-          <p:nvPr/>
+          <p:cNvPr id="3" name="Номер слайда 2"/>
+          <p:cNvSpPr>
+            <a:spLocks noGrp="1"/>
+          </p:cNvSpPr>
+          <p:nvPr>
+            <p:ph type="sldNum" idx="12"/>
+          </p:nvPr>
         </p:nvSpPr>
-        <p:spPr>
-          <a:xfrm>
-            <a:off x="8445500" y="4714875"/>
-            <a:ext cx="698500" cy="307736"/>
-          </a:xfrm>
-          <a:prstGeom prst="rect">
-            <a:avLst/>
-          </a:prstGeom>
-          <a:noFill/>
-          <a:ln>
-            <a:noFill/>
-          </a:ln>
-        </p:spPr>
+        <p:spPr/>
         <p:txBody>
-          <a:bodyPr spcFirstLastPara="1" wrap="square" lIns="91425" tIns="45700" rIns="91425" bIns="45700" anchor="t" anchorCtr="0">
-            <a:spAutoFit/>
-          </a:bodyPr>
+          <a:bodyPr/>
           <a:lstStyle/>
           <a:p>
-            <a:pPr marL="0" marR="0" lvl="0" indent="0" algn="r" rtl="0">
-              <a:lnSpc>
-                <a:spcPct val="100000"/>
-              </a:lnSpc>
-              <a:spcBef>
-                <a:spcPts val="0"/>
-              </a:spcBef>
-              <a:spcAft>
-                <a:spcPts val="0"/>
-              </a:spcAft>
-              <a:buClr>
-                <a:srgbClr val="000000"/>
-              </a:buClr>
-              <a:buSzPts val="1400"/>
-              <a:buFont typeface="Arial"/>
+            <a:pPr marL="0" lvl="0" indent="0" algn="r" rtl="0">
+              <a:spcBef>
+                <a:spcPts val="0"/>
+              </a:spcBef>
+              <a:spcAft>
+                <a:spcPts val="0"/>
+              </a:spcAft>
               <a:buNone/>
             </a:pPr>
-            <a:r>
-              <a:rPr lang="en-US" dirty="0" smtClean="0">
-                <a:solidFill>
-                  <a:schemeClr val="dk1"/>
-                </a:solidFill>
-                <a:latin typeface="Roboto"/>
-                <a:ea typeface="Roboto"/>
-                <a:cs typeface="Roboto"/>
-                <a:sym typeface="Roboto"/>
-              </a:rPr>
+            <a:fld id="{00000000-1234-1234-1234-123412341234}" type="slidenum">
+              <a:rPr lang="ru-RU" smtClean="0"/>
               <a:t>10</a:t>
-            </a:r>
-            <a:r>
-              <a:rPr lang="ru-RU" sz="1400" b="0" i="0" u="none" strike="noStrike" cap="none" dirty="0" smtClean="0">
-                <a:solidFill>
-                  <a:schemeClr val="dk1"/>
-                </a:solidFill>
-                <a:latin typeface="Roboto"/>
-                <a:ea typeface="Roboto"/>
-                <a:cs typeface="Roboto"/>
-                <a:sym typeface="Roboto"/>
-              </a:rPr>
-              <a:t>/16</a:t>
-            </a:r>
-            <a:endParaRPr sz="1400" b="0" i="0" u="none" strike="noStrike" cap="none" dirty="0">
-              <a:solidFill>
-                <a:srgbClr val="000000"/>
-              </a:solidFill>
-              <a:latin typeface="Arial"/>
-              <a:ea typeface="Arial"/>
-              <a:cs typeface="Arial"/>
-              <a:sym typeface="Arial"/>
-            </a:endParaRPr>
+            </a:fld>
+            <a:endParaRPr lang="ru-RU"/>
           </a:p>
         </p:txBody>
       </p:sp>
-      <p:pic>
-        <p:nvPicPr>
-          <p:cNvPr id="3" name="Рисунок 2"/>
-          <p:cNvPicPr>
-            <a:picLocks noChangeAspect="1"/>
-          </p:cNvPicPr>
-          <p:nvPr/>
-        </p:nvPicPr>
-        <p:blipFill>
-          <a:blip r:embed="rId3">
-            <a:extLst>
-              <a:ext uri="{28A0092B-C50C-407E-A947-70E740481C1C}">
-                <a14:useLocalDpi xmlns:a14="http://schemas.microsoft.com/office/drawing/2010/main" val="0"/>
-              </a:ext>
-            </a:extLst>
-          </a:blip>
-          <a:stretch>
-            <a:fillRect/>
-          </a:stretch>
-        </p:blipFill>
-        <p:spPr>
-          <a:xfrm>
-            <a:off x="5559666" y="1524778"/>
-            <a:ext cx="3057525" cy="2295525"/>
-          </a:xfrm>
-          <a:prstGeom prst="rect">
-            <a:avLst/>
-          </a:prstGeom>
-        </p:spPr>
-      </p:pic>
+      <p:sp>
+        <p:nvSpPr>
+          <p:cNvPr id="4" name="Нижний колонтитул 3"/>
+          <p:cNvSpPr>
+            <a:spLocks noGrp="1"/>
+          </p:cNvSpPr>
+          <p:nvPr>
+            <p:ph type="ftr" idx="11"/>
+          </p:nvPr>
+        </p:nvSpPr>
+        <p:spPr/>
+        <p:txBody>
+          <a:bodyPr/>
+          <a:lstStyle/>
+          <a:p>
+            <a:r>
+              <a:rPr lang="en-US" smtClean="0"/>
+              <a:t>/16</a:t>
+            </a:r>
+            <a:endParaRPr lang="en-US" dirty="0"/>
+          </a:p>
+        </p:txBody>
+      </p:sp>
     </p:spTree>
     <p:extLst>
       <p:ext uri="{BB962C8B-B14F-4D97-AF65-F5344CB8AC3E}">
-        <p14:creationId xmlns:p14="http://schemas.microsoft.com/office/powerpoint/2010/main" val="58720348"/>
+        <p14:creationId xmlns:p14="http://schemas.microsoft.com/office/powerpoint/2010/main" val="2974274027"/>
       </p:ext>
     </p:extLst>
   </p:cSld>
@@ -20792,9 +20195,21 @@
           </a:bodyPr>
           <a:lstStyle/>
           <a:p>
-            <a:pPr lvl="0" algn="r"/>
+            <a:pPr marL="0" lvl="0" indent="0" algn="r" rtl="0">
+              <a:lnSpc>
+                <a:spcPct val="100000"/>
+              </a:lnSpc>
+              <a:spcBef>
+                <a:spcPts val="0"/>
+              </a:spcBef>
+              <a:spcAft>
+                <a:spcPts val="0"/>
+              </a:spcAft>
+              <a:buSzPts val="1400"/>
+              <a:buNone/>
+            </a:pPr>
             <a:r>
-              <a:rPr lang="ru-RU" sz="2400" b="1" dirty="0">
+              <a:rPr lang="ru-RU" sz="2400" b="1" dirty="0" smtClean="0">
                 <a:solidFill>
                   <a:schemeClr val="lt1"/>
                 </a:solidFill>
@@ -20803,10 +20218,10 @@
                 <a:cs typeface="Arial"/>
                 <a:sym typeface="Arial"/>
               </a:rPr>
-              <a:t>Модули </a:t>
+              <a:t>Модуль </a:t>
             </a:r>
             <a:r>
-              <a:rPr lang="ru-RU" sz="2400" b="1" dirty="0" smtClean="0">
+              <a:rPr lang="en-US" sz="2400" b="1" dirty="0" smtClean="0">
                 <a:solidFill>
                   <a:schemeClr val="lt1"/>
                 </a:solidFill>
@@ -20815,19 +20230,7 @@
                 <a:cs typeface="Arial"/>
                 <a:sym typeface="Arial"/>
               </a:rPr>
-              <a:t>архитектуры </a:t>
-            </a:r>
-            <a:r>
-              <a:rPr lang="en-US" sz="2400" b="1" dirty="0">
-                <a:solidFill>
-                  <a:schemeClr val="lt1"/>
-                </a:solidFill>
-                <a:latin typeface="Roboto" panose="020B0604020202020204" charset="0"/>
-                <a:ea typeface="Roboto" panose="020B0604020202020204" charset="0"/>
-                <a:cs typeface="Arial"/>
-                <a:sym typeface="Arial"/>
-              </a:rPr>
-              <a:t>VIPER</a:t>
+              <a:t>View</a:t>
             </a:r>
             <a:endParaRPr sz="2400" b="1" dirty="0">
               <a:solidFill>
@@ -20853,8 +20256,8 @@
         </p:nvSpPr>
         <p:spPr>
           <a:xfrm>
-            <a:off x="206027" y="1241429"/>
-            <a:ext cx="4143691" cy="1737991"/>
+            <a:off x="357189" y="1203598"/>
+            <a:ext cx="4624461" cy="3426924"/>
           </a:xfrm>
           <a:prstGeom prst="rect">
             <a:avLst/>
@@ -20870,13 +20273,10 @@
           </a:bodyPr>
           <a:lstStyle/>
           <a:p>
-            <a:pPr marL="107950" lvl="0" indent="0">
+            <a:pPr marL="342900" lvl="0" indent="-234950">
               <a:spcBef>
                 <a:spcPts val="340"/>
               </a:spcBef>
-              <a:buClr>
-                <a:schemeClr val="dk1"/>
-              </a:buClr>
               <a:buSzPts val="1700"/>
               <a:buNone/>
             </a:pPr>
@@ -20884,39 +20284,131 @@
               <a:rPr lang="en-US" sz="2000" b="1" dirty="0">
                 <a:latin typeface="Roboto" panose="020B0604020202020204" charset="0"/>
                 <a:ea typeface="Roboto" panose="020B0604020202020204" charset="0"/>
+                <a:cs typeface="Arial"/>
+                <a:sym typeface="Arial"/>
               </a:rPr>
-              <a:t>Entity</a:t>
+              <a:t>View</a:t>
             </a:r>
             <a:r>
-              <a:rPr lang="ru-RU" sz="2000" b="1" dirty="0">
+              <a:rPr lang="ru-RU" sz="2000" b="1" dirty="0" smtClean="0">
                 <a:latin typeface="Roboto" panose="020B0604020202020204" charset="0"/>
                 <a:ea typeface="Roboto" panose="020B0604020202020204" charset="0"/>
+                <a:cs typeface="Arial"/>
+                <a:sym typeface="Arial"/>
               </a:rPr>
-              <a:t>-элементы </a:t>
+              <a:t>-элементы</a:t>
+            </a:r>
+            <a:r>
+              <a:rPr lang="en-US" sz="2000" b="1" dirty="0" smtClean="0">
+                <a:latin typeface="Roboto" panose="020B0604020202020204" charset="0"/>
+                <a:ea typeface="Roboto" panose="020B0604020202020204" charset="0"/>
+                <a:cs typeface="Arial"/>
+                <a:sym typeface="Arial"/>
+              </a:rPr>
+              <a:t>:</a:t>
+            </a:r>
+            <a:r>
+              <a:rPr lang="ru-RU" sz="2000" b="1" dirty="0" smtClean="0">
+                <a:latin typeface="Roboto" panose="020B0604020202020204" charset="0"/>
+                <a:ea typeface="Roboto" panose="020B0604020202020204" charset="0"/>
+                <a:cs typeface="Arial"/>
+                <a:sym typeface="Arial"/>
+              </a:rPr>
+              <a:t> </a:t>
+            </a:r>
+            <a:endParaRPr lang="en-US" sz="2000" b="1" dirty="0" smtClean="0">
+              <a:latin typeface="Roboto" panose="020B0604020202020204" charset="0"/>
+              <a:ea typeface="Roboto" panose="020B0604020202020204" charset="0"/>
+              <a:cs typeface="Arial"/>
+              <a:sym typeface="Arial"/>
+            </a:endParaRPr>
+          </a:p>
+          <a:p>
+            <a:pPr marL="342900" lvl="0" indent="-234950">
+              <a:spcBef>
+                <a:spcPts val="340"/>
+              </a:spcBef>
+              <a:buSzPts val="1700"/>
+              <a:buNone/>
+            </a:pPr>
+            <a:r>
+              <a:rPr lang="ru-RU" sz="2000" dirty="0" smtClean="0">
+                <a:latin typeface="Roboto" panose="020B0604020202020204" charset="0"/>
+                <a:ea typeface="Roboto" panose="020B0604020202020204" charset="0"/>
+                <a:cs typeface="Arial"/>
+                <a:sym typeface="Arial"/>
+              </a:rPr>
+              <a:t>- отображают элементы интерфейса на оконных формах</a:t>
+            </a:r>
+            <a:endParaRPr lang="ru-RU" sz="2000" dirty="0">
+              <a:latin typeface="Roboto" panose="020B0604020202020204" charset="0"/>
+              <a:ea typeface="Roboto" panose="020B0604020202020204" charset="0"/>
+              <a:cs typeface="Arial"/>
+              <a:sym typeface="Arial"/>
+            </a:endParaRPr>
+          </a:p>
+          <a:p>
+            <a:pPr marL="107950" indent="0">
+              <a:spcBef>
+                <a:spcPts val="340"/>
+              </a:spcBef>
+              <a:buSzPts val="1700"/>
+              <a:buNone/>
+            </a:pPr>
+            <a:r>
+              <a:rPr lang="ru-RU" sz="2000" dirty="0" smtClean="0">
+                <a:latin typeface="Roboto" panose="020B0604020202020204" charset="0"/>
+                <a:ea typeface="Roboto" panose="020B0604020202020204" charset="0"/>
+                <a:cs typeface="Arial"/>
+                <a:sym typeface="Arial"/>
+              </a:rPr>
+              <a:t> - обрабатывают события взаимодействия </a:t>
             </a:r>
             <a:r>
               <a:rPr lang="ru-RU" sz="2000" dirty="0">
                 <a:latin typeface="Roboto" panose="020B0604020202020204" charset="0"/>
                 <a:ea typeface="Roboto" panose="020B0604020202020204" charset="0"/>
+                <a:cs typeface="Arial"/>
+                <a:sym typeface="Arial"/>
               </a:rPr>
-              <a:t>для</a:t>
+              <a:t>с </a:t>
             </a:r>
             <a:r>
-              <a:rPr lang="ru-RU" sz="2000" b="1" dirty="0" smtClean="0">
+              <a:rPr lang="ru-RU" sz="2000" dirty="0" smtClean="0">
                 <a:latin typeface="Roboto" panose="020B0604020202020204" charset="0"/>
                 <a:ea typeface="Roboto" panose="020B0604020202020204" charset="0"/>
+                <a:cs typeface="Arial"/>
+                <a:sym typeface="Arial"/>
               </a:rPr>
-              <a:t>:</a:t>
+              <a:t>пользователями</a:t>
             </a:r>
+            <a:endParaRPr lang="en-US" sz="2000" dirty="0" smtClean="0">
+              <a:latin typeface="Roboto" panose="020B0604020202020204" charset="0"/>
+              <a:ea typeface="Roboto" panose="020B0604020202020204" charset="0"/>
+              <a:cs typeface="Arial"/>
+              <a:sym typeface="Arial"/>
+            </a:endParaRPr>
           </a:p>
           <a:p>
-            <a:pPr marL="107950" lvl="0" indent="0">
+            <a:pPr marL="342900" lvl="0" indent="-234950">
               <a:spcBef>
                 <a:spcPts val="340"/>
               </a:spcBef>
-              <a:buClr>
-                <a:schemeClr val="dk1"/>
-              </a:buClr>
+              <a:buSzPts val="1700"/>
+              <a:buNone/>
+            </a:pPr>
+            <a:endParaRPr lang="en-US" sz="2000" b="1" dirty="0">
+              <a:latin typeface="Roboto" panose="020B0604020202020204" charset="0"/>
+              <a:ea typeface="Roboto" panose="020B0604020202020204" charset="0"/>
+              <a:cs typeface="Arial"/>
+              <a:sym typeface="Arial"/>
+            </a:endParaRPr>
+          </a:p>
+          <a:p>
+            <a:pPr marL="342900" lvl="0" indent="-234950">
+              <a:spcBef>
+                <a:spcPts val="340"/>
+              </a:spcBef>
               <a:buSzPts val="1700"/>
               <a:buNone/>
             </a:pPr>
@@ -20924,168 +20416,123 @@
               <a:rPr lang="ru-RU" sz="2000" b="1" dirty="0" smtClean="0">
                 <a:latin typeface="Roboto" panose="020B0604020202020204" charset="0"/>
                 <a:ea typeface="Roboto" panose="020B0604020202020204" charset="0"/>
+                <a:cs typeface="Arial"/>
+                <a:sym typeface="Arial"/>
               </a:rPr>
-              <a:t>  </a:t>
+              <a:t>Разработаны </a:t>
             </a:r>
             <a:r>
               <a:rPr lang="ru-RU" sz="2000" dirty="0" smtClean="0">
                 <a:latin typeface="Roboto" panose="020B0604020202020204" charset="0"/>
                 <a:ea typeface="Roboto" panose="020B0604020202020204" charset="0"/>
+                <a:cs typeface="Arial"/>
+                <a:sym typeface="Arial"/>
               </a:rPr>
-              <a:t>- </a:t>
-            </a:r>
-            <a:r>
-              <a:rPr lang="ru-RU" sz="2000" dirty="0">
-                <a:latin typeface="Roboto" panose="020B0604020202020204" charset="0"/>
-                <a:ea typeface="Roboto" panose="020B0604020202020204" charset="0"/>
-              </a:rPr>
-              <a:t>создания типов данных (структур), в</a:t>
-            </a:r>
-            <a:r>
-              <a:rPr lang="en-US" sz="2000" dirty="0">
-                <a:latin typeface="Roboto" panose="020B0604020202020204" charset="0"/>
-                <a:ea typeface="Roboto" panose="020B0604020202020204" charset="0"/>
-              </a:rPr>
-              <a:t> </a:t>
-            </a:r>
-            <a:r>
-              <a:rPr lang="ru-RU" sz="2000" dirty="0">
-                <a:latin typeface="Roboto" panose="020B0604020202020204" charset="0"/>
-                <a:ea typeface="Roboto" panose="020B0604020202020204" charset="0"/>
-              </a:rPr>
-              <a:t>которых будут храниться данные в элементах </a:t>
-            </a:r>
-            <a:r>
-              <a:rPr lang="en-US" sz="2000" dirty="0">
-                <a:latin typeface="Roboto" panose="020B0604020202020204" charset="0"/>
-                <a:ea typeface="Roboto" panose="020B0604020202020204" charset="0"/>
-              </a:rPr>
-              <a:t>Presenter.</a:t>
+              <a:t>на языках:</a:t>
             </a:r>
           </a:p>
           <a:p>
-            <a:pPr marL="342900" lvl="0" indent="-234950">
+            <a:pPr marL="107950" indent="0">
               <a:spcBef>
                 <a:spcPts val="340"/>
               </a:spcBef>
               <a:buSzPts val="1700"/>
               <a:buNone/>
             </a:pPr>
-            <a:endParaRPr lang="en-US" sz="2000" dirty="0">
+            <a:r>
+              <a:rPr lang="ru-RU" sz="2000" b="1" dirty="0" smtClean="0">
+                <a:latin typeface="Roboto" panose="020B0604020202020204" charset="0"/>
+                <a:ea typeface="Roboto" panose="020B0604020202020204" charset="0"/>
+                <a:cs typeface="Arial"/>
+                <a:sym typeface="Arial"/>
+              </a:rPr>
+              <a:t> - </a:t>
+            </a:r>
+            <a:r>
+              <a:rPr lang="en-US" sz="2000" b="1" dirty="0" smtClean="0">
+                <a:latin typeface="Roboto" panose="020B0604020202020204" charset="0"/>
+                <a:ea typeface="Roboto" panose="020B0604020202020204" charset="0"/>
+                <a:cs typeface="Arial"/>
+                <a:sym typeface="Arial"/>
+              </a:rPr>
+              <a:t>C# </a:t>
+            </a:r>
+          </a:p>
+          <a:p>
+            <a:pPr marL="107950" indent="0">
+              <a:spcBef>
+                <a:spcPts val="340"/>
+              </a:spcBef>
+              <a:buSzPts val="1700"/>
+              <a:buNone/>
+            </a:pPr>
+            <a:r>
+              <a:rPr lang="ru-RU" sz="2000" b="1" dirty="0" smtClean="0">
+                <a:latin typeface="Roboto" panose="020B0604020202020204" charset="0"/>
+                <a:ea typeface="Roboto" panose="020B0604020202020204" charset="0"/>
+                <a:cs typeface="Arial"/>
+                <a:sym typeface="Arial"/>
+              </a:rPr>
+              <a:t> - </a:t>
+            </a:r>
+            <a:r>
+              <a:rPr lang="en-US" sz="2000" b="1" dirty="0" smtClean="0">
+                <a:latin typeface="Roboto" panose="020B0604020202020204" charset="0"/>
+                <a:ea typeface="Roboto" panose="020B0604020202020204" charset="0"/>
+                <a:cs typeface="Arial"/>
+                <a:sym typeface="Arial"/>
+              </a:rPr>
+              <a:t>XAML</a:t>
+            </a:r>
+          </a:p>
+          <a:p>
+            <a:pPr marL="107950" indent="0">
+              <a:spcBef>
+                <a:spcPts val="340"/>
+              </a:spcBef>
+              <a:buSzPts val="1700"/>
+              <a:buNone/>
+            </a:pPr>
+            <a:endParaRPr lang="en-US" sz="2000" b="1" dirty="0" smtClean="0">
               <a:latin typeface="Roboto" panose="020B0604020202020204" charset="0"/>
               <a:ea typeface="Roboto" panose="020B0604020202020204" charset="0"/>
+              <a:cs typeface="Arial"/>
+              <a:sym typeface="Arial"/>
             </a:endParaRPr>
           </a:p>
-        </p:txBody>
-      </p:sp>
-      <p:sp>
-        <p:nvSpPr>
-          <p:cNvPr id="2" name="Прямоугольник 1"/>
-          <p:cNvSpPr/>
-          <p:nvPr/>
-        </p:nvSpPr>
-        <p:spPr>
-          <a:xfrm>
-            <a:off x="4546600" y="1731547"/>
-            <a:ext cx="4284217" cy="307777"/>
-          </a:xfrm>
-          <a:prstGeom prst="rect">
-            <a:avLst/>
-          </a:prstGeom>
-        </p:spPr>
-        <p:txBody>
-          <a:bodyPr wrap="square">
-            <a:spAutoFit/>
-          </a:bodyPr>
-          <a:lstStyle/>
           <a:p>
-            <a:pPr marL="342900" lvl="0" indent="-234950">
+            <a:pPr marL="107950" indent="0">
               <a:spcBef>
                 <a:spcPts val="340"/>
               </a:spcBef>
+              <a:buSzPts val="1700"/>
+              <a:buNone/>
+            </a:pPr>
+            <a:endParaRPr lang="ru-RU" sz="2000" b="1" dirty="0" smtClean="0">
+              <a:latin typeface="Roboto" panose="020B0604020202020204" charset="0"/>
+              <a:ea typeface="Roboto" panose="020B0604020202020204" charset="0"/>
+              <a:cs typeface="Arial"/>
+              <a:sym typeface="Arial"/>
+            </a:endParaRPr>
+          </a:p>
+          <a:p>
+            <a:pPr marL="342900" lvl="0" indent="-234950" algn="l" rtl="0">
+              <a:lnSpc>
+                <a:spcPct val="100000"/>
+              </a:lnSpc>
+              <a:spcBef>
+                <a:spcPts val="340"/>
+              </a:spcBef>
+              <a:spcAft>
+                <a:spcPts val="0"/>
+              </a:spcAft>
               <a:buClr>
                 <a:schemeClr val="dk1"/>
               </a:buClr>
               <a:buSzPts val="1700"/>
+              <a:buNone/>
             </a:pPr>
-            <a:r>
-              <a:rPr lang="ru-RU" b="1" smtClean="0"/>
-              <a:t>	</a:t>
-            </a:r>
-            <a:endParaRPr lang="ru-RU" b="1" dirty="0"/>
-          </a:p>
-        </p:txBody>
-      </p:sp>
-      <p:sp>
-        <p:nvSpPr>
-          <p:cNvPr id="7" name="Google Shape;99;p3"/>
-          <p:cNvSpPr txBox="1"/>
-          <p:nvPr/>
-        </p:nvSpPr>
-        <p:spPr>
-          <a:xfrm>
-            <a:off x="8445500" y="4714875"/>
-            <a:ext cx="698500" cy="307736"/>
-          </a:xfrm>
-          <a:prstGeom prst="rect">
-            <a:avLst/>
-          </a:prstGeom>
-          <a:noFill/>
-          <a:ln>
-            <a:noFill/>
-          </a:ln>
-        </p:spPr>
-        <p:txBody>
-          <a:bodyPr spcFirstLastPara="1" wrap="square" lIns="91425" tIns="45700" rIns="91425" bIns="45700" anchor="t" anchorCtr="0">
-            <a:spAutoFit/>
-          </a:bodyPr>
-          <a:lstStyle/>
-          <a:p>
-            <a:pPr marL="0" marR="0" lvl="0" indent="0" algn="r" rtl="0">
-              <a:lnSpc>
-                <a:spcPct val="100000"/>
-              </a:lnSpc>
-              <a:spcBef>
-                <a:spcPts val="0"/>
-              </a:spcBef>
-              <a:spcAft>
-                <a:spcPts val="0"/>
-              </a:spcAft>
-              <a:buClr>
-                <a:srgbClr val="000000"/>
-              </a:buClr>
-              <a:buSzPts val="1400"/>
-              <a:buFont typeface="Arial"/>
-              <a:buNone/>
-            </a:pPr>
-            <a:r>
-              <a:rPr lang="en-US" dirty="0" smtClean="0">
-                <a:solidFill>
-                  <a:schemeClr val="dk1"/>
-                </a:solidFill>
-                <a:latin typeface="Roboto"/>
-                <a:ea typeface="Roboto"/>
-                <a:cs typeface="Roboto"/>
-                <a:sym typeface="Roboto"/>
-              </a:rPr>
-              <a:t>11</a:t>
-            </a:r>
-            <a:r>
-              <a:rPr lang="ru-RU" sz="1400" b="0" i="0" u="none" strike="noStrike" cap="none" dirty="0" smtClean="0">
-                <a:solidFill>
-                  <a:schemeClr val="dk1"/>
-                </a:solidFill>
-                <a:latin typeface="Roboto"/>
-                <a:ea typeface="Roboto"/>
-                <a:cs typeface="Roboto"/>
-                <a:sym typeface="Roboto"/>
-              </a:rPr>
-              <a:t>/16</a:t>
-            </a:r>
-            <a:endParaRPr sz="1400" b="0" i="0" u="none" strike="noStrike" cap="none" dirty="0">
-              <a:solidFill>
-                <a:srgbClr val="000000"/>
-              </a:solidFill>
+            <a:endParaRPr lang="en-US" sz="2000" b="1" dirty="0" smtClean="0">
               <a:latin typeface="Arial"/>
               <a:ea typeface="Arial"/>
               <a:cs typeface="Arial"/>
@@ -21094,383 +20541,185 @@
           </a:p>
         </p:txBody>
       </p:sp>
-      <p:sp>
-        <p:nvSpPr>
-          <p:cNvPr id="5" name="TextBox 4"/>
-          <p:cNvSpPr txBox="1"/>
+      <p:pic>
+        <p:nvPicPr>
+          <p:cNvPr id="5" name="Рисунок 4"/>
+          <p:cNvPicPr>
+            <a:picLocks noChangeAspect="1"/>
+          </p:cNvPicPr>
           <p:nvPr/>
-        </p:nvSpPr>
+        </p:nvPicPr>
+        <p:blipFill>
+          <a:blip r:embed="rId3">
+            <a:extLst>
+              <a:ext uri="{28A0092B-C50C-407E-A947-70E740481C1C}">
+                <a14:useLocalDpi xmlns:a14="http://schemas.microsoft.com/office/drawing/2010/main" val="0"/>
+              </a:ext>
+            </a:extLst>
+          </a:blip>
+          <a:stretch>
+            <a:fillRect/>
+          </a:stretch>
+        </p:blipFill>
         <p:spPr>
           <a:xfrm>
-            <a:off x="3529796" y="2529641"/>
-            <a:ext cx="6136616" cy="2339102"/>
+            <a:off x="6708909" y="1418604"/>
+            <a:ext cx="2079491" cy="411154"/>
           </a:xfrm>
           <a:prstGeom prst="rect">
             <a:avLst/>
           </a:prstGeom>
-          <a:noFill/>
         </p:spPr>
+      </p:pic>
+      <p:pic>
+        <p:nvPicPr>
+          <p:cNvPr id="8" name="Рисунок 7"/>
+          <p:cNvPicPr>
+            <a:picLocks noChangeAspect="1"/>
+          </p:cNvPicPr>
+          <p:nvPr/>
+        </p:nvPicPr>
+        <p:blipFill>
+          <a:blip r:embed="rId4">
+            <a:extLst>
+              <a:ext uri="{28A0092B-C50C-407E-A947-70E740481C1C}">
+                <a14:useLocalDpi xmlns:a14="http://schemas.microsoft.com/office/drawing/2010/main" val="0"/>
+              </a:ext>
+            </a:extLst>
+          </a:blip>
+          <a:stretch>
+            <a:fillRect/>
+          </a:stretch>
+        </p:blipFill>
+        <p:spPr>
+          <a:xfrm>
+            <a:off x="5077199" y="2108114"/>
+            <a:ext cx="1850959" cy="2428647"/>
+          </a:xfrm>
+          <a:prstGeom prst="rect">
+            <a:avLst/>
+          </a:prstGeom>
+        </p:spPr>
+      </p:pic>
+      <p:pic>
+        <p:nvPicPr>
+          <p:cNvPr id="9" name="Рисунок 8"/>
+          <p:cNvPicPr>
+            <a:picLocks noChangeAspect="1"/>
+          </p:cNvPicPr>
+          <p:nvPr/>
+        </p:nvPicPr>
+        <p:blipFill>
+          <a:blip r:embed="rId5">
+            <a:extLst>
+              <a:ext uri="{28A0092B-C50C-407E-A947-70E740481C1C}">
+                <a14:useLocalDpi xmlns:a14="http://schemas.microsoft.com/office/drawing/2010/main" val="0"/>
+              </a:ext>
+            </a:extLst>
+          </a:blip>
+          <a:stretch>
+            <a:fillRect/>
+          </a:stretch>
+        </p:blipFill>
+        <p:spPr>
+          <a:xfrm>
+            <a:off x="6997074" y="2208746"/>
+            <a:ext cx="2004622" cy="447841"/>
+          </a:xfrm>
+          <a:prstGeom prst="rect">
+            <a:avLst/>
+          </a:prstGeom>
+        </p:spPr>
+      </p:pic>
+      <p:pic>
+        <p:nvPicPr>
+          <p:cNvPr id="3" name="Рисунок 2"/>
+          <p:cNvPicPr>
+            <a:picLocks noChangeAspect="1"/>
+          </p:cNvPicPr>
+          <p:nvPr/>
+        </p:nvPicPr>
+        <p:blipFill>
+          <a:blip r:embed="rId6">
+            <a:extLst>
+              <a:ext uri="{28A0092B-C50C-407E-A947-70E740481C1C}">
+                <a14:useLocalDpi xmlns:a14="http://schemas.microsoft.com/office/drawing/2010/main" val="0"/>
+              </a:ext>
+            </a:extLst>
+          </a:blip>
+          <a:stretch>
+            <a:fillRect/>
+          </a:stretch>
+        </p:blipFill>
+        <p:spPr>
+          <a:xfrm>
+            <a:off x="7363785" y="3277857"/>
+            <a:ext cx="1574842" cy="906875"/>
+          </a:xfrm>
+          <a:prstGeom prst="rect">
+            <a:avLst/>
+          </a:prstGeom>
+        </p:spPr>
+      </p:pic>
+      <p:sp>
+        <p:nvSpPr>
+          <p:cNvPr id="2" name="Номер слайда 1"/>
+          <p:cNvSpPr>
+            <a:spLocks noGrp="1"/>
+          </p:cNvSpPr>
+          <p:nvPr>
+            <p:ph type="sldNum" idx="12"/>
+          </p:nvPr>
+        </p:nvSpPr>
+        <p:spPr/>
         <p:txBody>
-          <a:bodyPr wrap="none" rtlCol="0">
-            <a:spAutoFit/>
-          </a:bodyPr>
+          <a:bodyPr/>
+          <a:lstStyle/>
+          <a:p>
+            <a:pPr marL="0" lvl="0" indent="0" algn="r" rtl="0">
+              <a:spcBef>
+                <a:spcPts val="0"/>
+              </a:spcBef>
+              <a:spcAft>
+                <a:spcPts val="0"/>
+              </a:spcAft>
+              <a:buNone/>
+            </a:pPr>
+            <a:fld id="{00000000-1234-1234-1234-123412341234}" type="slidenum">
+              <a:rPr lang="ru-RU" smtClean="0"/>
+              <a:t>11</a:t>
+            </a:fld>
+            <a:endParaRPr lang="ru-RU"/>
+          </a:p>
+        </p:txBody>
+      </p:sp>
+      <p:sp>
+        <p:nvSpPr>
+          <p:cNvPr id="4" name="Нижний колонтитул 3"/>
+          <p:cNvSpPr>
+            <a:spLocks noGrp="1"/>
+          </p:cNvSpPr>
+          <p:nvPr>
+            <p:ph type="ftr" idx="11"/>
+          </p:nvPr>
+        </p:nvSpPr>
+        <p:spPr/>
+        <p:txBody>
+          <a:bodyPr/>
           <a:lstStyle/>
           <a:p>
             <a:r>
-              <a:rPr lang="ru-RU" sz="2000" b="1" dirty="0" smtClean="0">
-                <a:latin typeface="Roboto" panose="020B0604020202020204" charset="0"/>
-                <a:ea typeface="Roboto" panose="020B0604020202020204" charset="0"/>
-              </a:rPr>
-              <a:t>Пример:</a:t>
+              <a:rPr lang="en-US" smtClean="0"/>
+              <a:t>/16</a:t>
             </a:r>
-          </a:p>
-          <a:p>
-            <a:r>
-              <a:rPr lang="en-US" sz="1800" b="1" dirty="0" smtClean="0">
-                <a:solidFill>
-                  <a:schemeClr val="bg2"/>
-                </a:solidFill>
-                <a:latin typeface="Consolas" panose="020B0609020204030204" pitchFamily="49" charset="0"/>
-              </a:rPr>
-              <a:t>public</a:t>
-            </a:r>
-            <a:r>
-              <a:rPr lang="en-US" sz="1800" dirty="0" smtClean="0">
-                <a:latin typeface="Consolas" panose="020B0609020204030204" pitchFamily="49" charset="0"/>
-              </a:rPr>
-              <a:t> </a:t>
-            </a:r>
-            <a:r>
-              <a:rPr lang="en-US" sz="1800" dirty="0" err="1">
-                <a:latin typeface="Consolas" panose="020B0609020204030204" pitchFamily="49" charset="0"/>
-              </a:rPr>
-              <a:t>struct</a:t>
-            </a:r>
-            <a:r>
-              <a:rPr lang="en-US" sz="1800" dirty="0">
-                <a:latin typeface="Consolas" panose="020B0609020204030204" pitchFamily="49" charset="0"/>
-              </a:rPr>
-              <a:t> </a:t>
-            </a:r>
-            <a:r>
-              <a:rPr lang="en-US" sz="1800" dirty="0">
-                <a:solidFill>
-                  <a:srgbClr val="FF0000"/>
-                </a:solidFill>
-                <a:latin typeface="Consolas" panose="020B0609020204030204" pitchFamily="49" charset="0"/>
-              </a:rPr>
-              <a:t>Address</a:t>
-            </a:r>
-            <a:r>
-              <a:rPr lang="en-US" sz="1800" dirty="0">
-                <a:latin typeface="Consolas" panose="020B0609020204030204" pitchFamily="49" charset="0"/>
-              </a:rPr>
-              <a:t>{    </a:t>
-            </a:r>
-            <a:endParaRPr lang="ru-RU" sz="1800" dirty="0" smtClean="0">
-              <a:latin typeface="Consolas" panose="020B0609020204030204" pitchFamily="49" charset="0"/>
-            </a:endParaRPr>
-          </a:p>
-          <a:p>
-            <a:r>
-              <a:rPr lang="ru-RU" sz="1800" dirty="0">
-                <a:latin typeface="Consolas" panose="020B0609020204030204" pitchFamily="49" charset="0"/>
-              </a:rPr>
-              <a:t> </a:t>
-            </a:r>
-            <a:r>
-              <a:rPr lang="ru-RU" sz="1800" dirty="0" smtClean="0">
-                <a:latin typeface="Consolas" panose="020B0609020204030204" pitchFamily="49" charset="0"/>
-              </a:rPr>
-              <a:t>   </a:t>
-            </a:r>
-            <a:r>
-              <a:rPr lang="en-US" sz="1800" b="1" dirty="0" smtClean="0">
-                <a:solidFill>
-                  <a:schemeClr val="bg2"/>
-                </a:solidFill>
-                <a:latin typeface="Consolas" panose="020B0609020204030204" pitchFamily="49" charset="0"/>
-              </a:rPr>
-              <a:t>public</a:t>
-            </a:r>
-            <a:r>
-              <a:rPr lang="en-US" sz="1800" dirty="0" smtClean="0">
-                <a:latin typeface="Consolas" panose="020B0609020204030204" pitchFamily="49" charset="0"/>
-              </a:rPr>
-              <a:t> </a:t>
-            </a:r>
-            <a:r>
-              <a:rPr lang="en-US" sz="1800" dirty="0">
-                <a:solidFill>
-                  <a:srgbClr val="00B050"/>
-                </a:solidFill>
-                <a:latin typeface="Consolas" panose="020B0609020204030204" pitchFamily="49" charset="0"/>
-              </a:rPr>
-              <a:t>string</a:t>
-            </a:r>
-            <a:r>
-              <a:rPr lang="en-US" sz="1800" dirty="0">
-                <a:latin typeface="Consolas" panose="020B0609020204030204" pitchFamily="49" charset="0"/>
-              </a:rPr>
-              <a:t> </a:t>
-            </a:r>
-            <a:r>
-              <a:rPr lang="en-US" sz="1800" dirty="0" err="1">
-                <a:latin typeface="Consolas" panose="020B0609020204030204" pitchFamily="49" charset="0"/>
-              </a:rPr>
-              <a:t>FullAddress</a:t>
-            </a:r>
-            <a:r>
-              <a:rPr lang="en-US" sz="1800" dirty="0">
-                <a:latin typeface="Consolas" panose="020B0609020204030204" pitchFamily="49" charset="0"/>
-              </a:rPr>
-              <a:t> { get; set; }    </a:t>
-            </a:r>
-            <a:endParaRPr lang="ru-RU" sz="1800" dirty="0" smtClean="0">
-              <a:latin typeface="Consolas" panose="020B0609020204030204" pitchFamily="49" charset="0"/>
-            </a:endParaRPr>
-          </a:p>
-          <a:p>
-            <a:r>
-              <a:rPr lang="ru-RU" sz="1800" dirty="0">
-                <a:latin typeface="Consolas" panose="020B0609020204030204" pitchFamily="49" charset="0"/>
-              </a:rPr>
-              <a:t> </a:t>
-            </a:r>
-            <a:r>
-              <a:rPr lang="ru-RU" sz="1800" dirty="0" smtClean="0">
-                <a:latin typeface="Consolas" panose="020B0609020204030204" pitchFamily="49" charset="0"/>
-              </a:rPr>
-              <a:t>   </a:t>
-            </a:r>
-            <a:r>
-              <a:rPr lang="en-US" sz="1800" b="1" dirty="0" smtClean="0">
-                <a:solidFill>
-                  <a:schemeClr val="bg2"/>
-                </a:solidFill>
-                <a:latin typeface="Consolas" panose="020B0609020204030204" pitchFamily="49" charset="0"/>
-              </a:rPr>
-              <a:t>public</a:t>
-            </a:r>
-            <a:r>
-              <a:rPr lang="en-US" sz="1800" dirty="0" smtClean="0">
-                <a:latin typeface="Consolas" panose="020B0609020204030204" pitchFamily="49" charset="0"/>
-              </a:rPr>
-              <a:t> </a:t>
-            </a:r>
-            <a:r>
-              <a:rPr lang="en-US" sz="1800" dirty="0">
-                <a:solidFill>
-                  <a:srgbClr val="00B050"/>
-                </a:solidFill>
-                <a:latin typeface="Consolas" panose="020B0609020204030204" pitchFamily="49" charset="0"/>
-              </a:rPr>
-              <a:t>string</a:t>
-            </a:r>
-            <a:r>
-              <a:rPr lang="en-US" sz="1800" dirty="0">
-                <a:latin typeface="Consolas" panose="020B0609020204030204" pitchFamily="49" charset="0"/>
-              </a:rPr>
-              <a:t> Alias { get; set; }    </a:t>
-            </a:r>
-            <a:endParaRPr lang="ru-RU" sz="1800" dirty="0" smtClean="0">
-              <a:latin typeface="Consolas" panose="020B0609020204030204" pitchFamily="49" charset="0"/>
-            </a:endParaRPr>
-          </a:p>
-          <a:p>
-            <a:r>
-              <a:rPr lang="ru-RU" sz="1800" dirty="0">
-                <a:latin typeface="Consolas" panose="020B0609020204030204" pitchFamily="49" charset="0"/>
-              </a:rPr>
-              <a:t> </a:t>
-            </a:r>
-            <a:r>
-              <a:rPr lang="ru-RU" sz="1800" dirty="0" smtClean="0">
-                <a:latin typeface="Consolas" panose="020B0609020204030204" pitchFamily="49" charset="0"/>
-              </a:rPr>
-              <a:t>   </a:t>
-            </a:r>
-            <a:r>
-              <a:rPr lang="en-US" sz="1800" b="1" dirty="0" smtClean="0">
-                <a:solidFill>
-                  <a:schemeClr val="bg2"/>
-                </a:solidFill>
-                <a:latin typeface="Consolas" panose="020B0609020204030204" pitchFamily="49" charset="0"/>
-              </a:rPr>
-              <a:t>public</a:t>
-            </a:r>
-            <a:r>
-              <a:rPr lang="en-US" sz="1800" dirty="0" smtClean="0">
-                <a:latin typeface="Consolas" panose="020B0609020204030204" pitchFamily="49" charset="0"/>
-              </a:rPr>
-              <a:t> </a:t>
-            </a:r>
-            <a:r>
-              <a:rPr lang="en-US" sz="1800" dirty="0">
-                <a:solidFill>
-                  <a:srgbClr val="FF0000"/>
-                </a:solidFill>
-                <a:latin typeface="Consolas" panose="020B0609020204030204" pitchFamily="49" charset="0"/>
-              </a:rPr>
-              <a:t>Address</a:t>
-            </a:r>
-            <a:r>
-              <a:rPr lang="en-US" sz="1800" dirty="0">
-                <a:latin typeface="Consolas" panose="020B0609020204030204" pitchFamily="49" charset="0"/>
-              </a:rPr>
-              <a:t>(</a:t>
-            </a:r>
-            <a:r>
-              <a:rPr lang="en-US" sz="1800" dirty="0">
-                <a:solidFill>
-                  <a:srgbClr val="00B050"/>
-                </a:solidFill>
-                <a:latin typeface="Consolas" panose="020B0609020204030204" pitchFamily="49" charset="0"/>
-              </a:rPr>
-              <a:t>string</a:t>
-            </a:r>
-            <a:r>
-              <a:rPr lang="en-US" sz="1800" dirty="0">
-                <a:latin typeface="Consolas" panose="020B0609020204030204" pitchFamily="49" charset="0"/>
-              </a:rPr>
-              <a:t> </a:t>
-            </a:r>
-            <a:r>
-              <a:rPr lang="en-US" sz="1800" dirty="0" err="1">
-                <a:latin typeface="Consolas" panose="020B0609020204030204" pitchFamily="49" charset="0"/>
-              </a:rPr>
-              <a:t>fullAddress</a:t>
-            </a:r>
-            <a:r>
-              <a:rPr lang="en-US" sz="1800" dirty="0">
-                <a:latin typeface="Consolas" panose="020B0609020204030204" pitchFamily="49" charset="0"/>
-              </a:rPr>
-              <a:t>, </a:t>
-            </a:r>
-          </a:p>
-          <a:p>
-            <a:r>
-              <a:rPr lang="en-US" sz="1800" dirty="0" smtClean="0">
-                <a:latin typeface="Consolas" panose="020B0609020204030204" pitchFamily="49" charset="0"/>
-              </a:rPr>
-              <a:t>                   </a:t>
-            </a:r>
-            <a:r>
-              <a:rPr lang="en-US" sz="1800" dirty="0" smtClean="0">
-                <a:solidFill>
-                  <a:srgbClr val="00B050"/>
-                </a:solidFill>
-                <a:latin typeface="Consolas" panose="020B0609020204030204" pitchFamily="49" charset="0"/>
-              </a:rPr>
-              <a:t>string</a:t>
-            </a:r>
-            <a:r>
-              <a:rPr lang="en-US" sz="1800" dirty="0" smtClean="0">
-                <a:latin typeface="Consolas" panose="020B0609020204030204" pitchFamily="49" charset="0"/>
-              </a:rPr>
-              <a:t> </a:t>
-            </a:r>
-            <a:r>
-              <a:rPr lang="en-US" sz="1800" dirty="0">
-                <a:latin typeface="Consolas" panose="020B0609020204030204" pitchFamily="49" charset="0"/>
-              </a:rPr>
-              <a:t>alias</a:t>
-            </a:r>
-            <a:r>
-              <a:rPr lang="en-US" sz="1800" dirty="0" smtClean="0">
-                <a:latin typeface="Consolas" panose="020B0609020204030204" pitchFamily="49" charset="0"/>
-              </a:rPr>
-              <a:t>){ </a:t>
-            </a:r>
-            <a:r>
-              <a:rPr lang="ru-RU" sz="1800" dirty="0" smtClean="0">
-                <a:latin typeface="Consolas" panose="020B0609020204030204" pitchFamily="49" charset="0"/>
-              </a:rPr>
-              <a:t>… </a:t>
-            </a:r>
-            <a:r>
-              <a:rPr lang="en-US" sz="1800" dirty="0" smtClean="0">
-                <a:latin typeface="Consolas" panose="020B0609020204030204" pitchFamily="49" charset="0"/>
-              </a:rPr>
-              <a:t>}    </a:t>
-            </a:r>
-            <a:endParaRPr lang="ru-RU" sz="1800" dirty="0" smtClean="0">
-              <a:latin typeface="Consolas" panose="020B0609020204030204" pitchFamily="49" charset="0"/>
-            </a:endParaRPr>
-          </a:p>
-          <a:p>
-            <a:r>
-              <a:rPr lang="en-US" sz="1800" dirty="0" smtClean="0">
-                <a:latin typeface="Consolas" panose="020B0609020204030204" pitchFamily="49" charset="0"/>
-              </a:rPr>
-              <a:t>    </a:t>
-            </a:r>
-            <a:r>
-              <a:rPr lang="en-US" sz="1800" b="1" dirty="0" smtClean="0">
-                <a:solidFill>
-                  <a:schemeClr val="bg2"/>
-                </a:solidFill>
-                <a:latin typeface="Consolas" panose="020B0609020204030204" pitchFamily="49" charset="0"/>
-              </a:rPr>
-              <a:t>public</a:t>
-            </a:r>
-            <a:r>
-              <a:rPr lang="en-US" sz="1800" dirty="0" smtClean="0">
-                <a:latin typeface="Consolas" panose="020B0609020204030204" pitchFamily="49" charset="0"/>
-              </a:rPr>
-              <a:t> </a:t>
-            </a:r>
-            <a:r>
-              <a:rPr lang="en-US" sz="1800" dirty="0">
-                <a:latin typeface="Consolas" panose="020B0609020204030204" pitchFamily="49" charset="0"/>
-              </a:rPr>
-              <a:t>override </a:t>
-            </a:r>
-            <a:r>
-              <a:rPr lang="en-US" sz="1800" dirty="0">
-                <a:solidFill>
-                  <a:srgbClr val="00B050"/>
-                </a:solidFill>
-                <a:latin typeface="Consolas" panose="020B0609020204030204" pitchFamily="49" charset="0"/>
-              </a:rPr>
-              <a:t>string</a:t>
-            </a:r>
-            <a:r>
-              <a:rPr lang="en-US" sz="1800" dirty="0">
-                <a:latin typeface="Consolas" panose="020B0609020204030204" pitchFamily="49" charset="0"/>
-              </a:rPr>
-              <a:t> </a:t>
-            </a:r>
-            <a:r>
-              <a:rPr lang="en-US" sz="1800" dirty="0" err="1">
-                <a:latin typeface="Consolas" panose="020B0609020204030204" pitchFamily="49" charset="0"/>
-              </a:rPr>
-              <a:t>ToString</a:t>
-            </a:r>
-            <a:r>
-              <a:rPr lang="en-US" sz="1800" dirty="0" smtClean="0">
-                <a:latin typeface="Consolas" panose="020B0609020204030204" pitchFamily="49" charset="0"/>
-              </a:rPr>
-              <a:t>(){ … }</a:t>
-            </a:r>
-          </a:p>
-          <a:p>
-            <a:r>
-              <a:rPr lang="en-US" sz="1800" dirty="0">
-                <a:latin typeface="Consolas" panose="020B0609020204030204" pitchFamily="49" charset="0"/>
-              </a:rPr>
-              <a:t>}</a:t>
-            </a:r>
-            <a:endParaRPr lang="ru-RU" sz="1800" dirty="0">
-              <a:latin typeface="Consolas" panose="020B0609020204030204" pitchFamily="49" charset="0"/>
-            </a:endParaRPr>
+            <a:endParaRPr lang="en-US" dirty="0"/>
           </a:p>
         </p:txBody>
       </p:sp>
     </p:spTree>
     <p:extLst>
       <p:ext uri="{BB962C8B-B14F-4D97-AF65-F5344CB8AC3E}">
-        <p14:creationId xmlns:p14="http://schemas.microsoft.com/office/powerpoint/2010/main" val="4070140050"/>
+        <p14:creationId xmlns:p14="http://schemas.microsoft.com/office/powerpoint/2010/main" val="3748424850"/>
       </p:ext>
     </p:extLst>
   </p:cSld>
@@ -21650,278 +20899,151 @@
       </p:sp>
       <p:pic>
         <p:nvPicPr>
-          <p:cNvPr id="2052" name="Picture 4" descr="LoadView"/>
-          <p:cNvPicPr>
-            <a:picLocks noChangeAspect="1" noChangeArrowheads="1"/>
-          </p:cNvPicPr>
-          <p:nvPr/>
-        </p:nvPicPr>
-        <p:blipFill>
-          <a:blip r:embed="rId3">
-            <a:extLst>
-              <a:ext uri="{28A0092B-C50C-407E-A947-70E740481C1C}">
-                <a14:useLocalDpi xmlns:a14="http://schemas.microsoft.com/office/drawing/2010/main" val="0"/>
-              </a:ext>
-            </a:extLst>
-          </a:blip>
-          <a:srcRect/>
-          <a:stretch>
-            <a:fillRect/>
-          </a:stretch>
-        </p:blipFill>
-        <p:spPr bwMode="auto">
-          <a:xfrm>
-            <a:off x="1220801" y="1389417"/>
-            <a:ext cx="1409040" cy="3069313"/>
-          </a:xfrm>
-          <a:prstGeom prst="rect">
-            <a:avLst/>
-          </a:prstGeom>
-          <a:solidFill>
-            <a:srgbClr val="000000"/>
-          </a:solidFill>
-          <a:ln w="76200">
-            <a:solidFill>
-              <a:srgbClr val="000000"/>
-            </a:solidFill>
-            <a:miter lim="800000"/>
-            <a:headEnd/>
-            <a:tailEnd/>
-          </a:ln>
-          <a:effectLst>
-            <a:prstShdw prst="shdw13" dist="53882" dir="13500000">
-              <a:srgbClr val="808080">
-                <a:alpha val="50000"/>
-              </a:srgbClr>
-            </a:prstShdw>
-          </a:effectLst>
-          <a:extLst/>
-        </p:spPr>
-      </p:pic>
-      <p:pic>
-        <p:nvPicPr>
-          <p:cNvPr id="11" name="Picture 3" descr="Side menu"/>
-          <p:cNvPicPr>
-            <a:picLocks noChangeAspect="1" noChangeArrowheads="1"/>
-          </p:cNvPicPr>
-          <p:nvPr/>
-        </p:nvPicPr>
-        <p:blipFill>
-          <a:blip r:embed="rId4">
-            <a:extLst>
-              <a:ext uri="{28A0092B-C50C-407E-A947-70E740481C1C}">
-                <a14:useLocalDpi xmlns:a14="http://schemas.microsoft.com/office/drawing/2010/main" val="0"/>
-              </a:ext>
-            </a:extLst>
-          </a:blip>
-          <a:srcRect/>
-          <a:stretch>
-            <a:fillRect/>
-          </a:stretch>
-        </p:blipFill>
-        <p:spPr bwMode="auto">
-          <a:xfrm>
-            <a:off x="4594014" y="1389418"/>
-            <a:ext cx="1384200" cy="3069313"/>
-          </a:xfrm>
-          <a:prstGeom prst="rect">
-            <a:avLst/>
-          </a:prstGeom>
-          <a:noFill/>
-          <a:ln w="76200">
-            <a:solidFill>
-              <a:srgbClr val="000000"/>
-            </a:solidFill>
-            <a:miter lim="800000"/>
-            <a:headEnd/>
-            <a:tailEnd/>
-          </a:ln>
-          <a:extLst>
-            <a:ext uri="{909E8E84-426E-40DD-AFC4-6F175D3DCCD1}">
-              <a14:hiddenFill xmlns:a14="http://schemas.microsoft.com/office/drawing/2010/main">
-                <a:solidFill>
-                  <a:srgbClr val="FFFFFF"/>
-                </a:solidFill>
-              </a14:hiddenFill>
-            </a:ext>
-          </a:extLst>
-        </p:spPr>
-      </p:pic>
-      <p:pic>
-        <p:nvPicPr>
-          <p:cNvPr id="12" name="Picture 5" descr="AdressesList"/>
-          <p:cNvPicPr>
-            <a:picLocks noChangeAspect="1" noChangeArrowheads="1"/>
-          </p:cNvPicPr>
-          <p:nvPr/>
-        </p:nvPicPr>
-        <p:blipFill>
-          <a:blip r:embed="rId5">
-            <a:extLst>
-              <a:ext uri="{28A0092B-C50C-407E-A947-70E740481C1C}">
-                <a14:useLocalDpi xmlns:a14="http://schemas.microsoft.com/office/drawing/2010/main" val="0"/>
-              </a:ext>
-            </a:extLst>
-          </a:blip>
-          <a:srcRect/>
-          <a:stretch>
-            <a:fillRect/>
-          </a:stretch>
-        </p:blipFill>
-        <p:spPr bwMode="auto">
-          <a:xfrm>
-            <a:off x="6256786" y="1389418"/>
-            <a:ext cx="1410481" cy="3069313"/>
-          </a:xfrm>
-          <a:prstGeom prst="rect">
-            <a:avLst/>
-          </a:prstGeom>
-          <a:noFill/>
-          <a:ln w="76200">
-            <a:solidFill>
-              <a:srgbClr val="000000"/>
-            </a:solidFill>
-            <a:miter lim="800000"/>
-            <a:headEnd/>
-            <a:tailEnd/>
-          </a:ln>
-          <a:extLst>
-            <a:ext uri="{909E8E84-426E-40DD-AFC4-6F175D3DCCD1}">
-              <a14:hiddenFill xmlns:a14="http://schemas.microsoft.com/office/drawing/2010/main">
-                <a:solidFill>
-                  <a:srgbClr val="FFFFFF"/>
-                </a:solidFill>
-              </a14:hiddenFill>
-            </a:ext>
-          </a:extLst>
-        </p:spPr>
-      </p:pic>
-      <p:sp>
-        <p:nvSpPr>
-          <p:cNvPr id="9" name="Google Shape;99;p3"/>
-          <p:cNvSpPr txBox="1"/>
-          <p:nvPr/>
-        </p:nvSpPr>
-        <p:spPr>
-          <a:xfrm>
-            <a:off x="8445500" y="4714875"/>
-            <a:ext cx="698500" cy="307736"/>
-          </a:xfrm>
-          <a:prstGeom prst="rect">
-            <a:avLst/>
-          </a:prstGeom>
-          <a:noFill/>
-          <a:ln>
-            <a:noFill/>
-          </a:ln>
-        </p:spPr>
-        <p:txBody>
-          <a:bodyPr spcFirstLastPara="1" wrap="square" lIns="91425" tIns="45700" rIns="91425" bIns="45700" anchor="t" anchorCtr="0">
-            <a:spAutoFit/>
-          </a:bodyPr>
-          <a:lstStyle/>
-          <a:p>
-            <a:pPr marL="0" marR="0" lvl="0" indent="0" algn="r" rtl="0">
-              <a:lnSpc>
-                <a:spcPct val="100000"/>
-              </a:lnSpc>
-              <a:spcBef>
-                <a:spcPts val="0"/>
-              </a:spcBef>
-              <a:spcAft>
-                <a:spcPts val="0"/>
-              </a:spcAft>
-              <a:buClr>
-                <a:srgbClr val="000000"/>
-              </a:buClr>
-              <a:buSzPts val="1400"/>
-              <a:buFont typeface="Arial"/>
-              <a:buNone/>
-            </a:pPr>
-            <a:r>
-              <a:rPr lang="ru-RU" dirty="0" smtClean="0">
-                <a:solidFill>
-                  <a:schemeClr val="dk1"/>
-                </a:solidFill>
-                <a:latin typeface="Roboto"/>
-                <a:ea typeface="Roboto"/>
-                <a:cs typeface="Roboto"/>
-                <a:sym typeface="Roboto"/>
-              </a:rPr>
-              <a:t>1</a:t>
-            </a:r>
-            <a:r>
-              <a:rPr lang="en-US" dirty="0" smtClean="0">
-                <a:solidFill>
-                  <a:schemeClr val="dk1"/>
-                </a:solidFill>
-                <a:latin typeface="Roboto"/>
-                <a:ea typeface="Roboto"/>
-                <a:cs typeface="Roboto"/>
-                <a:sym typeface="Roboto"/>
-              </a:rPr>
-              <a:t>2</a:t>
-            </a:r>
-            <a:r>
-              <a:rPr lang="ru-RU" sz="1400" b="0" i="0" u="none" strike="noStrike" cap="none" dirty="0" smtClean="0">
-                <a:solidFill>
-                  <a:schemeClr val="dk1"/>
-                </a:solidFill>
-                <a:latin typeface="Roboto"/>
-                <a:ea typeface="Roboto"/>
-                <a:cs typeface="Roboto"/>
-                <a:sym typeface="Roboto"/>
-              </a:rPr>
-              <a:t>/16</a:t>
-            </a:r>
-            <a:endParaRPr sz="1400" b="0" i="0" u="none" strike="noStrike" cap="none" dirty="0">
-              <a:solidFill>
-                <a:srgbClr val="000000"/>
-              </a:solidFill>
-              <a:latin typeface="Arial"/>
-              <a:ea typeface="Arial"/>
-              <a:cs typeface="Arial"/>
-              <a:sym typeface="Arial"/>
-            </a:endParaRPr>
-          </a:p>
-        </p:txBody>
-      </p:sp>
-      <p:pic>
-        <p:nvPicPr>
-          <p:cNvPr id="2" name="Рисунок 1"/>
+          <p:cNvPr id="4" name="Рисунок 3"/>
           <p:cNvPicPr>
             <a:picLocks noChangeAspect="1"/>
           </p:cNvPicPr>
           <p:nvPr/>
         </p:nvPicPr>
-        <p:blipFill>
-          <a:blip r:embed="rId6">
-            <a:extLst>
-              <a:ext uri="{28A0092B-C50C-407E-A947-70E740481C1C}">
-                <a14:useLocalDpi xmlns:a14="http://schemas.microsoft.com/office/drawing/2010/main" val="0"/>
-              </a:ext>
-            </a:extLst>
-          </a:blip>
-          <a:stretch>
-            <a:fillRect/>
-          </a:stretch>
+        <p:blipFill rotWithShape="1">
+          <a:blip r:embed="rId3"/>
+          <a:srcRect l="2333" t="4740" r="5179" b="1037"/>
+          <a:stretch/>
         </p:blipFill>
         <p:spPr>
           <a:xfrm>
-            <a:off x="2942304" y="1389417"/>
-            <a:ext cx="1417479" cy="3069313"/>
+            <a:off x="1113064" y="1365033"/>
+            <a:ext cx="1488811" cy="3069314"/>
           </a:xfrm>
           <a:prstGeom prst="rect">
             <a:avLst/>
           </a:prstGeom>
-          <a:ln w="63500">
-            <a:solidFill>
-              <a:schemeClr val="tx1"/>
-            </a:solidFill>
-            <a:miter lim="800000"/>
-          </a:ln>
         </p:spPr>
       </p:pic>
+      <p:pic>
+        <p:nvPicPr>
+          <p:cNvPr id="5" name="Рисунок 4"/>
+          <p:cNvPicPr>
+            <a:picLocks noChangeAspect="1"/>
+          </p:cNvPicPr>
+          <p:nvPr/>
+        </p:nvPicPr>
+        <p:blipFill rotWithShape="1">
+          <a:blip r:embed="rId4"/>
+          <a:srcRect l="2548" t="620" r="3695" b="630"/>
+          <a:stretch/>
+        </p:blipFill>
+        <p:spPr>
+          <a:xfrm>
+            <a:off x="2880447" y="1365034"/>
+            <a:ext cx="1505723" cy="3069314"/>
+          </a:xfrm>
+          <a:prstGeom prst="rect">
+            <a:avLst/>
+          </a:prstGeom>
+        </p:spPr>
+      </p:pic>
+      <p:pic>
+        <p:nvPicPr>
+          <p:cNvPr id="6" name="Рисунок 5"/>
+          <p:cNvPicPr>
+            <a:picLocks noChangeAspect="1"/>
+          </p:cNvPicPr>
+          <p:nvPr/>
+        </p:nvPicPr>
+        <p:blipFill rotWithShape="1">
+          <a:blip r:embed="rId5"/>
+          <a:srcRect l="4813" t="2125" r="9085" b="1719"/>
+          <a:stretch/>
+        </p:blipFill>
+        <p:spPr>
+          <a:xfrm>
+            <a:off x="4664742" y="1365033"/>
+            <a:ext cx="1510860" cy="3071723"/>
+          </a:xfrm>
+          <a:prstGeom prst="rect">
+            <a:avLst/>
+          </a:prstGeom>
+        </p:spPr>
+      </p:pic>
+      <p:pic>
+        <p:nvPicPr>
+          <p:cNvPr id="7" name="Рисунок 6"/>
+          <p:cNvPicPr>
+            <a:picLocks noChangeAspect="1"/>
+          </p:cNvPicPr>
+          <p:nvPr/>
+        </p:nvPicPr>
+        <p:blipFill rotWithShape="1">
+          <a:blip r:embed="rId6"/>
+          <a:srcRect l="6559" t="2374" r="7431" b="1240"/>
+          <a:stretch/>
+        </p:blipFill>
+        <p:spPr>
+          <a:xfrm>
+            <a:off x="6449037" y="1365033"/>
+            <a:ext cx="1501778" cy="3069314"/>
+          </a:xfrm>
+          <a:prstGeom prst="rect">
+            <a:avLst/>
+          </a:prstGeom>
+        </p:spPr>
+      </p:pic>
+      <p:sp>
+        <p:nvSpPr>
+          <p:cNvPr id="2" name="Номер слайда 1"/>
+          <p:cNvSpPr>
+            <a:spLocks noGrp="1"/>
+          </p:cNvSpPr>
+          <p:nvPr>
+            <p:ph type="sldNum" idx="12"/>
+          </p:nvPr>
+        </p:nvSpPr>
+        <p:spPr/>
+        <p:txBody>
+          <a:bodyPr/>
+          <a:lstStyle/>
+          <a:p>
+            <a:pPr marL="0" lvl="0" indent="0" algn="r" rtl="0">
+              <a:spcBef>
+                <a:spcPts val="0"/>
+              </a:spcBef>
+              <a:spcAft>
+                <a:spcPts val="0"/>
+              </a:spcAft>
+              <a:buNone/>
+            </a:pPr>
+            <a:fld id="{00000000-1234-1234-1234-123412341234}" type="slidenum">
+              <a:rPr lang="ru-RU" smtClean="0"/>
+              <a:t>12</a:t>
+            </a:fld>
+            <a:endParaRPr lang="ru-RU"/>
+          </a:p>
+        </p:txBody>
+      </p:sp>
+      <p:sp>
+        <p:nvSpPr>
+          <p:cNvPr id="3" name="Нижний колонтитул 2"/>
+          <p:cNvSpPr>
+            <a:spLocks noGrp="1"/>
+          </p:cNvSpPr>
+          <p:nvPr>
+            <p:ph type="ftr" idx="11"/>
+          </p:nvPr>
+        </p:nvSpPr>
+        <p:spPr/>
+        <p:txBody>
+          <a:bodyPr/>
+          <a:lstStyle/>
+          <a:p>
+            <a:r>
+              <a:rPr lang="en-US" smtClean="0"/>
+              <a:t>/16</a:t>
+            </a:r>
+            <a:endParaRPr lang="en-US" dirty="0"/>
+          </a:p>
+        </p:txBody>
+      </p:sp>
     </p:spTree>
     <p:extLst>
       <p:ext uri="{BB962C8B-B14F-4D97-AF65-F5344CB8AC3E}">
@@ -22069,29 +21191,106 @@
       </p:sp>
       <p:pic>
         <p:nvPicPr>
-          <p:cNvPr id="8" name="Picture 10" descr="CommentView"/>
+          <p:cNvPr id="2" name="Рисунок 1"/>
           <p:cNvPicPr>
-            <a:picLocks noChangeAspect="1" noChangeArrowheads="1"/>
+            <a:picLocks noChangeAspect="1"/>
           </p:cNvPicPr>
           <p:nvPr/>
         </p:nvPicPr>
-        <p:blipFill>
-          <a:blip r:embed="rId3">
-            <a:extLst>
-              <a:ext uri="{28A0092B-C50C-407E-A947-70E740481C1C}">
-                <a14:useLocalDpi xmlns:a14="http://schemas.microsoft.com/office/drawing/2010/main" val="0"/>
-              </a:ext>
-            </a:extLst>
-          </a:blip>
-          <a:srcRect/>
-          <a:stretch>
-            <a:fillRect/>
-          </a:stretch>
+        <p:blipFill rotWithShape="1">
+          <a:blip r:embed="rId3"/>
+          <a:srcRect l="4396" r="6009" b="1301"/>
+          <a:stretch/>
         </p:blipFill>
-        <p:spPr bwMode="auto">
+        <p:spPr>
           <a:xfrm>
-            <a:off x="2925379" y="1356968"/>
-            <a:ext cx="1411873" cy="3054386"/>
+            <a:off x="1028218" y="1387447"/>
+            <a:ext cx="1498887" cy="3054387"/>
+          </a:xfrm>
+          <a:prstGeom prst="rect">
+            <a:avLst/>
+          </a:prstGeom>
+        </p:spPr>
+      </p:pic>
+      <p:pic>
+        <p:nvPicPr>
+          <p:cNvPr id="3" name="Рисунок 2"/>
+          <p:cNvPicPr>
+            <a:picLocks noChangeAspect="1"/>
+          </p:cNvPicPr>
+          <p:nvPr/>
+        </p:nvPicPr>
+        <p:blipFill rotWithShape="1">
+          <a:blip r:embed="rId4"/>
+          <a:srcRect l="6834" t="3361" r="6278" b="1456"/>
+          <a:stretch/>
+        </p:blipFill>
+        <p:spPr>
+          <a:xfrm>
+            <a:off x="2889960" y="1387447"/>
+            <a:ext cx="1497204" cy="3054387"/>
+          </a:xfrm>
+          <a:prstGeom prst="rect">
+            <a:avLst/>
+          </a:prstGeom>
+        </p:spPr>
+      </p:pic>
+      <p:pic>
+        <p:nvPicPr>
+          <p:cNvPr id="4" name="Рисунок 3"/>
+          <p:cNvPicPr>
+            <a:picLocks noChangeAspect="1"/>
+          </p:cNvPicPr>
+          <p:nvPr/>
+        </p:nvPicPr>
+        <p:blipFill rotWithShape="1">
+          <a:blip r:embed="rId5"/>
+          <a:srcRect l="13206" t="4635" r="11975" b="1738"/>
+          <a:stretch/>
+        </p:blipFill>
+        <p:spPr>
+          <a:xfrm>
+            <a:off x="4750019" y="1387447"/>
+            <a:ext cx="1500517" cy="3058556"/>
+          </a:xfrm>
+          <a:prstGeom prst="rect">
+            <a:avLst/>
+          </a:prstGeom>
+        </p:spPr>
+      </p:pic>
+      <p:pic>
+        <p:nvPicPr>
+          <p:cNvPr id="6" name="Рисунок 5"/>
+          <p:cNvPicPr>
+            <a:picLocks noChangeAspect="1"/>
+          </p:cNvPicPr>
+          <p:nvPr/>
+        </p:nvPicPr>
+        <p:blipFill rotWithShape="1">
+          <a:blip r:embed="rId6"/>
+          <a:srcRect l="9476" t="3093" r="8402" b="3168"/>
+          <a:stretch/>
+        </p:blipFill>
+        <p:spPr>
+          <a:xfrm>
+            <a:off x="6613391" y="1387447"/>
+            <a:ext cx="1498799" cy="3054387"/>
+          </a:xfrm>
+          <a:prstGeom prst="rect">
+            <a:avLst/>
+          </a:prstGeom>
+        </p:spPr>
+      </p:pic>
+      <p:sp>
+        <p:nvSpPr>
+          <p:cNvPr id="7" name="Прямоугольник 6"/>
+          <p:cNvSpPr/>
+          <p:nvPr/>
+        </p:nvSpPr>
+        <p:spPr>
+          <a:xfrm>
+            <a:off x="902208" y="2103120"/>
+            <a:ext cx="1712976" cy="1665712"/>
           </a:xfrm>
           <a:prstGeom prst="rect">
             <a:avLst/>
@@ -22099,48 +21298,45 @@
           <a:noFill/>
           <a:ln w="76200">
             <a:solidFill>
-              <a:schemeClr val="tx1"/>
+              <a:schemeClr val="accent2"/>
             </a:solidFill>
-            <a:miter lim="800000"/>
-            <a:headEnd/>
-            <a:tailEnd/>
           </a:ln>
-          <a:extLst>
-            <a:ext uri="{909E8E84-426E-40DD-AFC4-6F175D3DCCD1}">
-              <a14:hiddenFill xmlns:a14="http://schemas.microsoft.com/office/drawing/2010/main">
-                <a:solidFill>
-                  <a:srgbClr val="FFFFFF"/>
-                </a:solidFill>
-              </a14:hiddenFill>
-            </a:ext>
-          </a:extLst>
         </p:spPr>
-      </p:pic>
-      <p:pic>
-        <p:nvPicPr>
-          <p:cNvPr id="9" name="Picture 11" descr="BIGREDBUTTON"/>
-          <p:cNvPicPr>
-            <a:picLocks noChangeAspect="1" noChangeArrowheads="1"/>
-          </p:cNvPicPr>
+        <p:style>
+          <a:lnRef idx="2">
+            <a:schemeClr val="accent1">
+              <a:shade val="50000"/>
+            </a:schemeClr>
+          </a:lnRef>
+          <a:fillRef idx="1">
+            <a:schemeClr val="accent1"/>
+          </a:fillRef>
+          <a:effectRef idx="0">
+            <a:schemeClr val="accent1"/>
+          </a:effectRef>
+          <a:fontRef idx="minor">
+            <a:schemeClr val="lt1"/>
+          </a:fontRef>
+        </p:style>
+        <p:txBody>
+          <a:bodyPr rtlCol="0" anchor="ctr"/>
+          <a:lstStyle/>
+          <a:p>
+            <a:pPr algn="ctr"/>
+            <a:endParaRPr lang="ru-RU"/>
+          </a:p>
+        </p:txBody>
+      </p:sp>
+      <p:sp>
+        <p:nvSpPr>
+          <p:cNvPr id="15" name="Прямоугольник 14"/>
+          <p:cNvSpPr/>
           <p:nvPr/>
-        </p:nvPicPr>
-        <p:blipFill>
-          <a:blip r:embed="rId4">
-            <a:extLst>
-              <a:ext uri="{28A0092B-C50C-407E-A947-70E740481C1C}">
-                <a14:useLocalDpi xmlns:a14="http://schemas.microsoft.com/office/drawing/2010/main" val="0"/>
-              </a:ext>
-            </a:extLst>
-          </a:blip>
-          <a:srcRect/>
-          <a:stretch>
-            <a:fillRect/>
-          </a:stretch>
-        </p:blipFill>
-        <p:spPr bwMode="auto">
+        </p:nvSpPr>
+        <p:spPr>
           <a:xfrm>
-            <a:off x="4637843" y="1356967"/>
-            <a:ext cx="1394565" cy="3058271"/>
+            <a:off x="2889960" y="3206496"/>
+            <a:ext cx="1472497" cy="1103376"/>
           </a:xfrm>
           <a:prstGeom prst="rect">
             <a:avLst/>
@@ -22148,48 +21344,45 @@
           <a:noFill/>
           <a:ln w="76200">
             <a:solidFill>
-              <a:schemeClr val="tx1"/>
+              <a:schemeClr val="accent2"/>
             </a:solidFill>
-            <a:miter lim="800000"/>
-            <a:headEnd/>
-            <a:tailEnd/>
           </a:ln>
-          <a:extLst>
-            <a:ext uri="{909E8E84-426E-40DD-AFC4-6F175D3DCCD1}">
-              <a14:hiddenFill xmlns:a14="http://schemas.microsoft.com/office/drawing/2010/main">
-                <a:solidFill>
-                  <a:srgbClr val="FFFFFF"/>
-                </a:solidFill>
-              </a14:hiddenFill>
-            </a:ext>
-          </a:extLst>
         </p:spPr>
-      </p:pic>
-      <p:pic>
-        <p:nvPicPr>
-          <p:cNvPr id="10" name="Picture 12" descr="AcceptCall"/>
-          <p:cNvPicPr>
-            <a:picLocks noChangeAspect="1" noChangeArrowheads="1"/>
-          </p:cNvPicPr>
+        <p:style>
+          <a:lnRef idx="2">
+            <a:schemeClr val="accent1">
+              <a:shade val="50000"/>
+            </a:schemeClr>
+          </a:lnRef>
+          <a:fillRef idx="1">
+            <a:schemeClr val="accent1"/>
+          </a:fillRef>
+          <a:effectRef idx="0">
+            <a:schemeClr val="accent1"/>
+          </a:effectRef>
+          <a:fontRef idx="minor">
+            <a:schemeClr val="lt1"/>
+          </a:fontRef>
+        </p:style>
+        <p:txBody>
+          <a:bodyPr rtlCol="0" anchor="ctr"/>
+          <a:lstStyle/>
+          <a:p>
+            <a:pPr algn="ctr"/>
+            <a:endParaRPr lang="ru-RU"/>
+          </a:p>
+        </p:txBody>
+      </p:sp>
+      <p:sp>
+        <p:nvSpPr>
+          <p:cNvPr id="16" name="Прямоугольник 15"/>
+          <p:cNvSpPr/>
           <p:nvPr/>
-        </p:nvPicPr>
-        <p:blipFill>
-          <a:blip r:embed="rId5">
-            <a:extLst>
-              <a:ext uri="{28A0092B-C50C-407E-A947-70E740481C1C}">
-                <a14:useLocalDpi xmlns:a14="http://schemas.microsoft.com/office/drawing/2010/main" val="0"/>
-              </a:ext>
-            </a:extLst>
-          </a:blip>
-          <a:srcRect/>
-          <a:stretch>
-            <a:fillRect/>
-          </a:stretch>
-        </p:blipFill>
-        <p:spPr bwMode="auto">
+        </p:nvSpPr>
+        <p:spPr>
           <a:xfrm>
-            <a:off x="6332999" y="1356967"/>
-            <a:ext cx="1416377" cy="3057998"/>
+            <a:off x="4591523" y="3206496"/>
+            <a:ext cx="1778797" cy="1293896"/>
           </a:xfrm>
           <a:prstGeom prst="rect">
             <a:avLst/>
@@ -22197,48 +21390,45 @@
           <a:noFill/>
           <a:ln w="76200">
             <a:solidFill>
-              <a:schemeClr val="tx1"/>
+              <a:schemeClr val="accent2"/>
             </a:solidFill>
-            <a:miter lim="800000"/>
-            <a:headEnd/>
-            <a:tailEnd/>
           </a:ln>
-          <a:extLst>
-            <a:ext uri="{909E8E84-426E-40DD-AFC4-6F175D3DCCD1}">
-              <a14:hiddenFill xmlns:a14="http://schemas.microsoft.com/office/drawing/2010/main">
-                <a:solidFill>
-                  <a:srgbClr val="FFFFFF"/>
-                </a:solidFill>
-              </a14:hiddenFill>
-            </a:ext>
-          </a:extLst>
         </p:spPr>
-      </p:pic>
-      <p:pic>
-        <p:nvPicPr>
-          <p:cNvPr id="11" name="Picture 8" descr="BIGREDBUTTONwithAdresses List"/>
-          <p:cNvPicPr>
-            <a:picLocks noChangeAspect="1" noChangeArrowheads="1"/>
-          </p:cNvPicPr>
+        <p:style>
+          <a:lnRef idx="2">
+            <a:schemeClr val="accent1">
+              <a:shade val="50000"/>
+            </a:schemeClr>
+          </a:lnRef>
+          <a:fillRef idx="1">
+            <a:schemeClr val="accent1"/>
+          </a:fillRef>
+          <a:effectRef idx="0">
+            <a:schemeClr val="accent1"/>
+          </a:effectRef>
+          <a:fontRef idx="minor">
+            <a:schemeClr val="lt1"/>
+          </a:fontRef>
+        </p:style>
+        <p:txBody>
+          <a:bodyPr rtlCol="0" anchor="ctr"/>
+          <a:lstStyle/>
+          <a:p>
+            <a:pPr algn="ctr"/>
+            <a:endParaRPr lang="ru-RU"/>
+          </a:p>
+        </p:txBody>
+      </p:sp>
+      <p:sp>
+        <p:nvSpPr>
+          <p:cNvPr id="17" name="Прямоугольник 16"/>
+          <p:cNvSpPr/>
           <p:nvPr/>
-        </p:nvPicPr>
-        <p:blipFill>
-          <a:blip r:embed="rId6">
-            <a:extLst>
-              <a:ext uri="{28A0092B-C50C-407E-A947-70E740481C1C}">
-                <a14:useLocalDpi xmlns:a14="http://schemas.microsoft.com/office/drawing/2010/main" val="0"/>
-              </a:ext>
-            </a:extLst>
-          </a:blip>
-          <a:srcRect/>
-          <a:stretch>
-            <a:fillRect/>
-          </a:stretch>
-        </p:blipFill>
-        <p:spPr bwMode="auto">
+        </p:nvSpPr>
+        <p:spPr>
           <a:xfrm>
-            <a:off x="1215526" y="1356967"/>
-            <a:ext cx="1409261" cy="3054386"/>
+            <a:off x="6473391" y="1792224"/>
+            <a:ext cx="1778797" cy="438912"/>
           </a:xfrm>
           <a:prstGeom prst="rect">
             <a:avLst/>
@@ -22246,110 +21436,87 @@
           <a:noFill/>
           <a:ln w="76200">
             <a:solidFill>
-              <a:schemeClr val="tx1"/>
+              <a:schemeClr val="accent2"/>
             </a:solidFill>
-            <a:miter lim="800000"/>
-            <a:headEnd/>
-            <a:tailEnd/>
           </a:ln>
-          <a:extLst>
-            <a:ext uri="{909E8E84-426E-40DD-AFC4-6F175D3DCCD1}">
-              <a14:hiddenFill xmlns:a14="http://schemas.microsoft.com/office/drawing/2010/main">
-                <a:solidFill>
-                  <a:srgbClr val="FFFFFF"/>
-                </a:solidFill>
-              </a14:hiddenFill>
-            </a:ext>
-          </a:extLst>
         </p:spPr>
-      </p:pic>
+        <p:style>
+          <a:lnRef idx="2">
+            <a:schemeClr val="accent1">
+              <a:shade val="50000"/>
+            </a:schemeClr>
+          </a:lnRef>
+          <a:fillRef idx="1">
+            <a:schemeClr val="accent1"/>
+          </a:fillRef>
+          <a:effectRef idx="0">
+            <a:schemeClr val="accent1"/>
+          </a:effectRef>
+          <a:fontRef idx="minor">
+            <a:schemeClr val="lt1"/>
+          </a:fontRef>
+        </p:style>
+        <p:txBody>
+          <a:bodyPr rtlCol="0" anchor="ctr"/>
+          <a:lstStyle/>
+          <a:p>
+            <a:pPr algn="ctr"/>
+            <a:endParaRPr lang="ru-RU"/>
+          </a:p>
+        </p:txBody>
+      </p:sp>
       <p:sp>
         <p:nvSpPr>
-          <p:cNvPr id="13" name="Google Shape;99;p3"/>
-          <p:cNvSpPr txBox="1"/>
-          <p:nvPr/>
+          <p:cNvPr id="5" name="Номер слайда 4"/>
+          <p:cNvSpPr>
+            <a:spLocks noGrp="1"/>
+          </p:cNvSpPr>
+          <p:nvPr>
+            <p:ph type="sldNum" idx="12"/>
+          </p:nvPr>
         </p:nvSpPr>
-        <p:spPr>
-          <a:xfrm>
-            <a:off x="8445500" y="4714875"/>
-            <a:ext cx="698500" cy="307736"/>
-          </a:xfrm>
-          <a:prstGeom prst="rect">
-            <a:avLst/>
-          </a:prstGeom>
-          <a:noFill/>
-          <a:ln>
-            <a:noFill/>
-          </a:ln>
-        </p:spPr>
+        <p:spPr/>
         <p:txBody>
-          <a:bodyPr spcFirstLastPara="1" wrap="square" lIns="91425" tIns="45700" rIns="91425" bIns="45700" anchor="t" anchorCtr="0">
-            <a:spAutoFit/>
-          </a:bodyPr>
+          <a:bodyPr/>
           <a:lstStyle/>
           <a:p>
-            <a:pPr marL="0" marR="0" lvl="0" indent="0" algn="r" rtl="0">
-              <a:lnSpc>
-                <a:spcPct val="100000"/>
-              </a:lnSpc>
-              <a:spcBef>
-                <a:spcPts val="0"/>
-              </a:spcBef>
-              <a:spcAft>
-                <a:spcPts val="0"/>
-              </a:spcAft>
-              <a:buClr>
-                <a:srgbClr val="000000"/>
-              </a:buClr>
-              <a:buSzPts val="1400"/>
-              <a:buFont typeface="Arial"/>
+            <a:pPr marL="0" lvl="0" indent="0" algn="r" rtl="0">
+              <a:spcBef>
+                <a:spcPts val="0"/>
+              </a:spcBef>
+              <a:spcAft>
+                <a:spcPts val="0"/>
+              </a:spcAft>
               <a:buNone/>
             </a:pPr>
+            <a:fld id="{00000000-1234-1234-1234-123412341234}" type="slidenum">
+              <a:rPr lang="ru-RU" smtClean="0"/>
+              <a:t>13</a:t>
+            </a:fld>
+            <a:endParaRPr lang="ru-RU"/>
+          </a:p>
+        </p:txBody>
+      </p:sp>
+      <p:sp>
+        <p:nvSpPr>
+          <p:cNvPr id="8" name="Нижний колонтитул 7"/>
+          <p:cNvSpPr>
+            <a:spLocks noGrp="1"/>
+          </p:cNvSpPr>
+          <p:nvPr>
+            <p:ph type="ftr" idx="11"/>
+          </p:nvPr>
+        </p:nvSpPr>
+        <p:spPr/>
+        <p:txBody>
+          <a:bodyPr/>
+          <a:lstStyle/>
+          <a:p>
             <a:r>
-              <a:rPr lang="ru-RU" dirty="0" smtClean="0">
-                <a:solidFill>
-                  <a:schemeClr val="dk1"/>
-                </a:solidFill>
-                <a:latin typeface="Roboto"/>
-                <a:ea typeface="Roboto"/>
-                <a:cs typeface="Roboto"/>
-                <a:sym typeface="Roboto"/>
-              </a:rPr>
-              <a:t>1</a:t>
-            </a:r>
-            <a:r>
-              <a:rPr lang="en-US" dirty="0" smtClean="0">
-                <a:solidFill>
-                  <a:schemeClr val="dk1"/>
-                </a:solidFill>
-                <a:latin typeface="Roboto"/>
-                <a:ea typeface="Roboto"/>
-                <a:cs typeface="Roboto"/>
-                <a:sym typeface="Roboto"/>
-              </a:rPr>
-              <a:t>3</a:t>
-            </a:r>
-            <a:r>
-              <a:rPr lang="ru-RU" sz="1400" b="0" i="0" u="none" strike="noStrike" cap="none" dirty="0" smtClean="0">
-                <a:solidFill>
-                  <a:schemeClr val="dk1"/>
-                </a:solidFill>
-                <a:latin typeface="Roboto"/>
-                <a:ea typeface="Roboto"/>
-                <a:cs typeface="Roboto"/>
-                <a:sym typeface="Roboto"/>
-              </a:rPr>
+              <a:rPr lang="en-US" smtClean="0"/>
               <a:t>/16</a:t>
             </a:r>
-            <a:endParaRPr sz="1400" b="0" i="0" u="none" strike="noStrike" cap="none" dirty="0">
-              <a:solidFill>
-                <a:srgbClr val="000000"/>
-              </a:solidFill>
-              <a:latin typeface="Arial"/>
-              <a:ea typeface="Arial"/>
-              <a:cs typeface="Arial"/>
-              <a:sym typeface="Arial"/>
-            </a:endParaRPr>
+            <a:endParaRPr lang="en-US" dirty="0"/>
           </a:p>
         </p:txBody>
       </p:sp>
@@ -22442,7 +21609,7 @@
                 <a:cs typeface="Arial"/>
                 <a:sym typeface="Arial"/>
               </a:rPr>
-              <a:t> Стоимость разработки.</a:t>
+              <a:t> Экономическая эффективность</a:t>
             </a:r>
             <a:endParaRPr sz="2400" b="1" dirty="0">
               <a:solidFill>
@@ -22501,113 +21668,23 @@
           </a:p>
         </p:txBody>
       </p:sp>
-      <p:sp>
-        <p:nvSpPr>
-          <p:cNvPr id="9" name="Google Shape;99;p3"/>
-          <p:cNvSpPr txBox="1"/>
-          <p:nvPr/>
-        </p:nvSpPr>
-        <p:spPr>
-          <a:xfrm>
-            <a:off x="8445500" y="4714875"/>
-            <a:ext cx="698500" cy="307736"/>
-          </a:xfrm>
-          <a:prstGeom prst="rect">
-            <a:avLst/>
-          </a:prstGeom>
-          <a:noFill/>
-          <a:ln>
-            <a:noFill/>
-          </a:ln>
-        </p:spPr>
-        <p:txBody>
-          <a:bodyPr spcFirstLastPara="1" wrap="square" lIns="91425" tIns="45700" rIns="91425" bIns="45700" anchor="t" anchorCtr="0">
-            <a:spAutoFit/>
-          </a:bodyPr>
-          <a:lstStyle/>
-          <a:p>
-            <a:pPr marL="0" marR="0" lvl="0" indent="0" algn="r" rtl="0">
-              <a:lnSpc>
-                <a:spcPct val="100000"/>
-              </a:lnSpc>
-              <a:spcBef>
-                <a:spcPts val="0"/>
-              </a:spcBef>
-              <a:spcAft>
-                <a:spcPts val="0"/>
-              </a:spcAft>
-              <a:buClr>
-                <a:srgbClr val="000000"/>
-              </a:buClr>
-              <a:buSzPts val="1400"/>
-              <a:buFont typeface="Arial"/>
-              <a:buNone/>
-            </a:pPr>
-            <a:r>
-              <a:rPr lang="ru-RU" dirty="0" smtClean="0">
-                <a:solidFill>
-                  <a:schemeClr val="dk1"/>
-                </a:solidFill>
-                <a:latin typeface="Roboto"/>
-                <a:ea typeface="Roboto"/>
-                <a:cs typeface="Roboto"/>
-                <a:sym typeface="Roboto"/>
-              </a:rPr>
-              <a:t>1</a:t>
-            </a:r>
-            <a:r>
-              <a:rPr lang="en-US" dirty="0" smtClean="0">
-                <a:solidFill>
-                  <a:schemeClr val="dk1"/>
-                </a:solidFill>
-                <a:latin typeface="Roboto"/>
-                <a:ea typeface="Roboto"/>
-                <a:cs typeface="Roboto"/>
-                <a:sym typeface="Roboto"/>
-              </a:rPr>
-              <a:t>4</a:t>
-            </a:r>
-            <a:r>
-              <a:rPr lang="ru-RU" sz="1400" b="0" i="0" u="none" strike="noStrike" cap="none" dirty="0" smtClean="0">
-                <a:solidFill>
-                  <a:schemeClr val="dk1"/>
-                </a:solidFill>
-                <a:latin typeface="Roboto"/>
-                <a:ea typeface="Roboto"/>
-                <a:cs typeface="Roboto"/>
-                <a:sym typeface="Roboto"/>
-              </a:rPr>
-              <a:t>/16</a:t>
-            </a:r>
-            <a:endParaRPr sz="1400" b="0" i="0" u="none" strike="noStrike" cap="none" dirty="0">
-              <a:solidFill>
-                <a:srgbClr val="000000"/>
-              </a:solidFill>
-              <a:latin typeface="Arial"/>
-              <a:ea typeface="Arial"/>
-              <a:cs typeface="Arial"/>
-              <a:sym typeface="Arial"/>
-            </a:endParaRPr>
-          </a:p>
-        </p:txBody>
-      </p:sp>
       <p:graphicFrame>
         <p:nvGraphicFramePr>
-          <p:cNvPr id="11" name="Диаграмма 10"/>
+          <p:cNvPr id="8" name="Диаграмма 7"/>
           <p:cNvGraphicFramePr>
             <a:graphicFrameLocks/>
           </p:cNvGraphicFramePr>
           <p:nvPr>
             <p:extLst>
               <p:ext uri="{D42A27DB-BD31-4B8C-83A1-F6EECF244321}">
-                <p14:modId xmlns:p14="http://schemas.microsoft.com/office/powerpoint/2010/main" val="58816697"/>
+                <p14:modId xmlns:p14="http://schemas.microsoft.com/office/powerpoint/2010/main" val="3151370787"/>
               </p:ext>
             </p:extLst>
           </p:nvPr>
         </p:nvGraphicFramePr>
         <p:xfrm>
           <a:off x="357189" y="1413510"/>
-          <a:ext cx="3208971" cy="2743200"/>
+          <a:ext cx="3379659" cy="2839395"/>
         </p:xfrm>
         <a:graphic>
           <a:graphicData uri="http://schemas.openxmlformats.org/drawingml/2006/chart">
@@ -22617,21 +21694,21 @@
       </p:graphicFrame>
       <p:graphicFrame>
         <p:nvGraphicFramePr>
-          <p:cNvPr id="12" name="Диаграмма 11"/>
+          <p:cNvPr id="10" name="Диаграмма 9"/>
           <p:cNvGraphicFramePr>
             <a:graphicFrameLocks/>
           </p:cNvGraphicFramePr>
           <p:nvPr>
             <p:extLst>
               <p:ext uri="{D42A27DB-BD31-4B8C-83A1-F6EECF244321}">
-                <p14:modId xmlns:p14="http://schemas.microsoft.com/office/powerpoint/2010/main" val="2881648155"/>
+                <p14:modId xmlns:p14="http://schemas.microsoft.com/office/powerpoint/2010/main" val="3220742922"/>
               </p:ext>
             </p:extLst>
           </p:nvPr>
         </p:nvGraphicFramePr>
         <p:xfrm>
-          <a:off x="5798820" y="1413510"/>
-          <a:ext cx="3093720" cy="2743200"/>
+          <a:off x="3868199" y="1469948"/>
+          <a:ext cx="4577301" cy="2782957"/>
         </p:xfrm>
         <a:graphic>
           <a:graphicData uri="http://schemas.openxmlformats.org/drawingml/2006/chart">
@@ -22639,30 +21716,61 @@
           </a:graphicData>
         </a:graphic>
       </p:graphicFrame>
-      <p:graphicFrame>
-        <p:nvGraphicFramePr>
-          <p:cNvPr id="13" name="Диаграмма 12"/>
-          <p:cNvGraphicFramePr>
-            <a:graphicFrameLocks/>
-          </p:cNvGraphicFramePr>
+      <p:sp>
+        <p:nvSpPr>
+          <p:cNvPr id="2" name="Номер слайда 1"/>
+          <p:cNvSpPr>
+            <a:spLocks noGrp="1"/>
+          </p:cNvSpPr>
           <p:nvPr>
-            <p:extLst>
-              <p:ext uri="{D42A27DB-BD31-4B8C-83A1-F6EECF244321}">
-                <p14:modId xmlns:p14="http://schemas.microsoft.com/office/powerpoint/2010/main" val="603849542"/>
-              </p:ext>
-            </p:extLst>
+            <p:ph type="sldNum" idx="12"/>
           </p:nvPr>
-        </p:nvGraphicFramePr>
-        <p:xfrm>
-          <a:off x="3566160" y="1413510"/>
-          <a:ext cx="2232660" cy="2743200"/>
-        </p:xfrm>
-        <a:graphic>
-          <a:graphicData uri="http://schemas.openxmlformats.org/drawingml/2006/chart">
-            <c:chart xmlns:c="http://schemas.openxmlformats.org/drawingml/2006/chart" xmlns:r="http://schemas.openxmlformats.org/officeDocument/2006/relationships" r:id="rId5"/>
-          </a:graphicData>
-        </a:graphic>
-      </p:graphicFrame>
+        </p:nvSpPr>
+        <p:spPr/>
+        <p:txBody>
+          <a:bodyPr/>
+          <a:lstStyle/>
+          <a:p>
+            <a:pPr marL="0" lvl="0" indent="0" algn="r" rtl="0">
+              <a:spcBef>
+                <a:spcPts val="0"/>
+              </a:spcBef>
+              <a:spcAft>
+                <a:spcPts val="0"/>
+              </a:spcAft>
+              <a:buNone/>
+            </a:pPr>
+            <a:fld id="{00000000-1234-1234-1234-123412341234}" type="slidenum">
+              <a:rPr lang="ru-RU" smtClean="0"/>
+              <a:t>14</a:t>
+            </a:fld>
+            <a:endParaRPr lang="ru-RU"/>
+          </a:p>
+        </p:txBody>
+      </p:sp>
+      <p:sp>
+        <p:nvSpPr>
+          <p:cNvPr id="3" name="Нижний колонтитул 2"/>
+          <p:cNvSpPr>
+            <a:spLocks noGrp="1"/>
+          </p:cNvSpPr>
+          <p:nvPr>
+            <p:ph type="ftr" idx="11"/>
+          </p:nvPr>
+        </p:nvSpPr>
+        <p:spPr/>
+        <p:txBody>
+          <a:bodyPr/>
+          <a:lstStyle/>
+          <a:p>
+            <a:r>
+              <a:rPr lang="en-US" smtClean="0"/>
+              <a:t>/16</a:t>
+            </a:r>
+            <a:endParaRPr lang="en-US" dirty="0"/>
+          </a:p>
+        </p:txBody>
+      </p:sp>
     </p:spTree>
     <p:extLst>
       <p:ext uri="{BB962C8B-B14F-4D97-AF65-F5344CB8AC3E}">
@@ -23058,79 +22166,56 @@
       </p:sp>
       <p:sp>
         <p:nvSpPr>
-          <p:cNvPr id="5" name="Google Shape;99;p3"/>
-          <p:cNvSpPr txBox="1"/>
-          <p:nvPr/>
+          <p:cNvPr id="2" name="Номер слайда 1"/>
+          <p:cNvSpPr>
+            <a:spLocks noGrp="1"/>
+          </p:cNvSpPr>
+          <p:nvPr>
+            <p:ph type="sldNum" idx="12"/>
+          </p:nvPr>
         </p:nvSpPr>
-        <p:spPr>
-          <a:xfrm>
-            <a:off x="8445500" y="4714875"/>
-            <a:ext cx="698500" cy="307736"/>
-          </a:xfrm>
-          <a:prstGeom prst="rect">
-            <a:avLst/>
-          </a:prstGeom>
-          <a:noFill/>
-          <a:ln>
-            <a:noFill/>
-          </a:ln>
-        </p:spPr>
+        <p:spPr/>
         <p:txBody>
-          <a:bodyPr spcFirstLastPara="1" wrap="square" lIns="91425" tIns="45700" rIns="91425" bIns="45700" anchor="t" anchorCtr="0">
-            <a:spAutoFit/>
-          </a:bodyPr>
+          <a:bodyPr/>
           <a:lstStyle/>
           <a:p>
-            <a:pPr marL="0" marR="0" lvl="0" indent="0" algn="r" rtl="0">
-              <a:lnSpc>
-                <a:spcPct val="100000"/>
-              </a:lnSpc>
-              <a:spcBef>
-                <a:spcPts val="0"/>
-              </a:spcBef>
-              <a:spcAft>
-                <a:spcPts val="0"/>
-              </a:spcAft>
-              <a:buClr>
-                <a:srgbClr val="000000"/>
-              </a:buClr>
-              <a:buSzPts val="1400"/>
-              <a:buFont typeface="Arial"/>
+            <a:pPr marL="0" lvl="0" indent="0" algn="r" rtl="0">
+              <a:spcBef>
+                <a:spcPts val="0"/>
+              </a:spcBef>
+              <a:spcAft>
+                <a:spcPts val="0"/>
+              </a:spcAft>
               <a:buNone/>
             </a:pPr>
+            <a:fld id="{00000000-1234-1234-1234-123412341234}" type="slidenum">
+              <a:rPr lang="ru-RU" smtClean="0"/>
+              <a:t>15</a:t>
+            </a:fld>
+            <a:endParaRPr lang="ru-RU"/>
+          </a:p>
+        </p:txBody>
+      </p:sp>
+      <p:sp>
+        <p:nvSpPr>
+          <p:cNvPr id="3" name="Нижний колонтитул 2"/>
+          <p:cNvSpPr>
+            <a:spLocks noGrp="1"/>
+          </p:cNvSpPr>
+          <p:nvPr>
+            <p:ph type="ftr" idx="11"/>
+          </p:nvPr>
+        </p:nvSpPr>
+        <p:spPr/>
+        <p:txBody>
+          <a:bodyPr/>
+          <a:lstStyle/>
+          <a:p>
             <a:r>
-              <a:rPr lang="ru-RU" dirty="0" smtClean="0">
-                <a:solidFill>
-                  <a:schemeClr val="dk1"/>
-                </a:solidFill>
-                <a:latin typeface="Roboto"/>
-                <a:ea typeface="Roboto"/>
-                <a:cs typeface="Roboto"/>
-                <a:sym typeface="Roboto"/>
-              </a:rPr>
-              <a:t>15</a:t>
-            </a:r>
-            <a:r>
-              <a:rPr lang="ru-RU" sz="1400" b="0" i="0" u="none" strike="noStrike" cap="none" dirty="0" smtClean="0">
-                <a:solidFill>
-                  <a:schemeClr val="dk1"/>
-                </a:solidFill>
-                <a:latin typeface="Roboto"/>
-                <a:ea typeface="Roboto"/>
-                <a:cs typeface="Roboto"/>
-                <a:sym typeface="Roboto"/>
-              </a:rPr>
+              <a:rPr lang="en-US" smtClean="0"/>
               <a:t>/16</a:t>
             </a:r>
-            <a:endParaRPr sz="1400" b="0" i="0" u="none" strike="noStrike" cap="none" dirty="0">
-              <a:solidFill>
-                <a:srgbClr val="000000"/>
-              </a:solidFill>
-              <a:latin typeface="Arial"/>
-              <a:ea typeface="Arial"/>
-              <a:cs typeface="Arial"/>
-              <a:sym typeface="Arial"/>
-            </a:endParaRPr>
+            <a:endParaRPr lang="en-US" dirty="0"/>
           </a:p>
         </p:txBody>
       </p:sp>
@@ -23431,6 +22516,61 @@
           </a:p>
         </p:txBody>
       </p:sp>
+      <p:sp>
+        <p:nvSpPr>
+          <p:cNvPr id="2" name="Номер слайда 1"/>
+          <p:cNvSpPr>
+            <a:spLocks noGrp="1"/>
+          </p:cNvSpPr>
+          <p:nvPr>
+            <p:ph type="sldNum" idx="12"/>
+          </p:nvPr>
+        </p:nvSpPr>
+        <p:spPr/>
+        <p:txBody>
+          <a:bodyPr/>
+          <a:lstStyle/>
+          <a:p>
+            <a:pPr marL="0" lvl="0" indent="0" algn="r" rtl="0">
+              <a:spcBef>
+                <a:spcPts val="0"/>
+              </a:spcBef>
+              <a:spcAft>
+                <a:spcPts val="0"/>
+              </a:spcAft>
+              <a:buNone/>
+            </a:pPr>
+            <a:fld id="{00000000-1234-1234-1234-123412341234}" type="slidenum">
+              <a:rPr lang="ru-RU" smtClean="0"/>
+              <a:t>16</a:t>
+            </a:fld>
+            <a:endParaRPr lang="ru-RU"/>
+          </a:p>
+        </p:txBody>
+      </p:sp>
+      <p:sp>
+        <p:nvSpPr>
+          <p:cNvPr id="3" name="Нижний колонтитул 2"/>
+          <p:cNvSpPr>
+            <a:spLocks noGrp="1"/>
+          </p:cNvSpPr>
+          <p:nvPr>
+            <p:ph type="ftr" idx="11"/>
+          </p:nvPr>
+        </p:nvSpPr>
+        <p:spPr/>
+        <p:txBody>
+          <a:bodyPr/>
+          <a:lstStyle/>
+          <a:p>
+            <a:r>
+              <a:rPr lang="en-US" smtClean="0"/>
+              <a:t>/16</a:t>
+            </a:r>
+            <a:endParaRPr lang="en-US" dirty="0"/>
+          </a:p>
+        </p:txBody>
+      </p:sp>
     </p:spTree>
   </p:cSld>
   <p:clrMapOvr>
@@ -23558,21 +22698,11 @@
           </a:bodyPr>
           <a:lstStyle/>
           <a:p>
-            <a:pPr marL="342900" lvl="0" indent="-342900" algn="l" rtl="0">
-              <a:lnSpc>
-                <a:spcPct val="100000"/>
-              </a:lnSpc>
-              <a:spcBef>
-                <a:spcPts val="0"/>
-              </a:spcBef>
-              <a:spcAft>
-                <a:spcPts val="0"/>
-              </a:spcAft>
-              <a:buClr>
-                <a:schemeClr val="dk1"/>
-              </a:buClr>
+            <a:pPr marL="342900" lvl="0">
+              <a:spcBef>
+                <a:spcPts val="0"/>
+              </a:spcBef>
               <a:buSzPts val="2000"/>
-              <a:buFont typeface="Arial"/>
               <a:buNone/>
             </a:pPr>
             <a:r>
@@ -23600,7 +22730,32 @@
                 <a:cs typeface="Roboto"/>
                 <a:sym typeface="Roboto"/>
               </a:rPr>
-              <a:t>проектирование  архитектуры и создание кроссплатформенного программного обеспечения для вызова экстренных служб</a:t>
+              <a:t>проектирование архитектуры и создание кроссплатформенного программного обеспечения для вызова экстренных </a:t>
+            </a:r>
+            <a:r>
+              <a:rPr lang="ru-RU" sz="2000" dirty="0" smtClean="0">
+                <a:latin typeface="Roboto" panose="020B0604020202020204" charset="0"/>
+                <a:ea typeface="Roboto" panose="020B0604020202020204" charset="0"/>
+                <a:cs typeface="Roboto"/>
+                <a:sym typeface="Roboto"/>
+              </a:rPr>
+              <a:t>служб</a:t>
+            </a:r>
+            <a:r>
+              <a:rPr lang="en-US" sz="2000" dirty="0" smtClean="0">
+                <a:latin typeface="Roboto" panose="020B0604020202020204" charset="0"/>
+                <a:ea typeface="Roboto" panose="020B0604020202020204" charset="0"/>
+                <a:cs typeface="Roboto"/>
+                <a:sym typeface="Roboto"/>
+              </a:rPr>
+              <a:t> </a:t>
+            </a:r>
+            <a:r>
+              <a:rPr lang="ru-RU" sz="2000" dirty="0">
+                <a:latin typeface="Roboto" panose="020B0604020202020204" charset="0"/>
+                <a:ea typeface="Roboto" panose="020B0604020202020204" charset="0"/>
+              </a:rPr>
+              <a:t>пожарного реагирования</a:t>
             </a:r>
             <a:endParaRPr sz="2000" dirty="0">
               <a:latin typeface="Roboto" panose="020B0604020202020204" charset="0"/>
@@ -23843,79 +22998,56 @@
       </p:sp>
       <p:sp>
         <p:nvSpPr>
-          <p:cNvPr id="99" name="Google Shape;99;p3"/>
-          <p:cNvSpPr txBox="1"/>
-          <p:nvPr/>
+          <p:cNvPr id="2" name="Номер слайда 1"/>
+          <p:cNvSpPr>
+            <a:spLocks noGrp="1"/>
+          </p:cNvSpPr>
+          <p:nvPr>
+            <p:ph type="sldNum" idx="12"/>
+          </p:nvPr>
         </p:nvSpPr>
-        <p:spPr>
-          <a:xfrm>
-            <a:off x="8445500" y="4714875"/>
-            <a:ext cx="556196" cy="307736"/>
-          </a:xfrm>
-          <a:prstGeom prst="rect">
-            <a:avLst/>
-          </a:prstGeom>
-          <a:noFill/>
-          <a:ln>
-            <a:noFill/>
-          </a:ln>
-        </p:spPr>
+        <p:spPr/>
         <p:txBody>
-          <a:bodyPr spcFirstLastPara="1" wrap="square" lIns="91425" tIns="45700" rIns="91425" bIns="45700" anchor="t" anchorCtr="0">
-            <a:spAutoFit/>
-          </a:bodyPr>
+          <a:bodyPr/>
           <a:lstStyle/>
           <a:p>
-            <a:pPr marL="0" marR="0" lvl="0" indent="0" algn="r" rtl="0">
-              <a:lnSpc>
-                <a:spcPct val="100000"/>
-              </a:lnSpc>
-              <a:spcBef>
-                <a:spcPts val="0"/>
-              </a:spcBef>
-              <a:spcAft>
-                <a:spcPts val="0"/>
-              </a:spcAft>
-              <a:buClr>
-                <a:srgbClr val="000000"/>
-              </a:buClr>
-              <a:buSzPts val="1400"/>
-              <a:buFont typeface="Arial"/>
+            <a:pPr marL="0" lvl="0" indent="0" algn="r" rtl="0">
+              <a:spcBef>
+                <a:spcPts val="0"/>
+              </a:spcBef>
+              <a:spcAft>
+                <a:spcPts val="0"/>
+              </a:spcAft>
               <a:buNone/>
             </a:pPr>
+            <a:fld id="{00000000-1234-1234-1234-123412341234}" type="slidenum">
+              <a:rPr lang="ru-RU" smtClean="0"/>
+              <a:t>2</a:t>
+            </a:fld>
+            <a:endParaRPr lang="ru-RU" dirty="0"/>
+          </a:p>
+        </p:txBody>
+      </p:sp>
+      <p:sp>
+        <p:nvSpPr>
+          <p:cNvPr id="3" name="Нижний колонтитул 2"/>
+          <p:cNvSpPr>
+            <a:spLocks noGrp="1"/>
+          </p:cNvSpPr>
+          <p:nvPr>
+            <p:ph type="ftr" idx="11"/>
+          </p:nvPr>
+        </p:nvSpPr>
+        <p:spPr/>
+        <p:txBody>
+          <a:bodyPr/>
+          <a:lstStyle/>
+          <a:p>
             <a:r>
-              <a:rPr lang="ru-RU" dirty="0" smtClean="0">
-                <a:solidFill>
-                  <a:schemeClr val="dk1"/>
-                </a:solidFill>
-                <a:latin typeface="Roboto"/>
-                <a:ea typeface="Roboto"/>
-                <a:cs typeface="Roboto"/>
-                <a:sym typeface="Roboto"/>
-              </a:rPr>
-              <a:t>2</a:t>
-            </a:r>
-            <a:r>
-              <a:rPr lang="ru-RU" sz="1400" b="0" i="0" u="none" strike="noStrike" cap="none" dirty="0" smtClean="0">
-                <a:solidFill>
-                  <a:schemeClr val="dk1"/>
-                </a:solidFill>
-                <a:latin typeface="Roboto"/>
-                <a:ea typeface="Roboto"/>
-                <a:cs typeface="Roboto"/>
-                <a:sym typeface="Roboto"/>
-              </a:rPr>
+              <a:rPr lang="en-US" smtClean="0"/>
               <a:t>/16</a:t>
             </a:r>
-            <a:endParaRPr sz="1400" b="0" i="0" u="none" strike="noStrike" cap="none" dirty="0">
-              <a:solidFill>
-                <a:srgbClr val="000000"/>
-              </a:solidFill>
-              <a:latin typeface="Arial"/>
-              <a:ea typeface="Arial"/>
-              <a:cs typeface="Arial"/>
-              <a:sym typeface="Arial"/>
-            </a:endParaRPr>
+            <a:endParaRPr lang="en-US" dirty="0"/>
           </a:p>
         </p:txBody>
       </p:sp>
@@ -24008,31 +23140,7 @@
                 <a:cs typeface="Arial"/>
                 <a:sym typeface="Arial"/>
               </a:rPr>
-              <a:t>Вызов экстренных </a:t>
-            </a:r>
-            <a:r>
-              <a:rPr lang="ru-RU" sz="2400" b="1" dirty="0" smtClean="0">
-                <a:solidFill>
-                  <a:schemeClr val="lt1"/>
-                </a:solidFill>
-                <a:latin typeface="Roboto" panose="020B0604020202020204" charset="0"/>
-                <a:ea typeface="Roboto" panose="020B0604020202020204" charset="0"/>
-                <a:cs typeface="Arial"/>
-                <a:sym typeface="Arial"/>
-              </a:rPr>
-              <a:t>служб</a:t>
-            </a:r>
-            <a:r>
-              <a:rPr lang="ru-RU" sz="2400" b="1" dirty="0" smtClean="0">
-                <a:solidFill>
-                  <a:schemeClr val="lt1"/>
-                </a:solidFill>
-                <a:latin typeface="Roboto" panose="020B0604020202020204" charset="0"/>
-                <a:ea typeface="Roboto" panose="020B0604020202020204" charset="0"/>
-                <a:cs typeface="Arial"/>
-                <a:sym typeface="Arial"/>
-              </a:rPr>
-              <a:t/>
+              <a:t>Вызов экстренных служб</a:t>
             </a:r>
             <a:br>
               <a:rPr lang="ru-RU" sz="2400" b="1" dirty="0" smtClean="0">
@@ -24045,6 +23153,18 @@
                 <a:sym typeface="Arial"/>
               </a:rPr>
             </a:br>
+            <a:r>
+              <a:rPr lang="ru-RU" sz="2400" b="1" dirty="0" smtClean="0">
+                <a:solidFill>
+                  <a:schemeClr val="lt1"/>
+                </a:solidFill>
+                <a:latin typeface="Roboto" panose="020B0604020202020204" charset="0"/>
+                <a:ea typeface="Roboto" panose="020B0604020202020204" charset="0"/>
+                <a:cs typeface="Arial"/>
+                <a:sym typeface="Arial"/>
+              </a:rPr>
+              <a:t>Модель </a:t>
+            </a:r>
             <a:r>
               <a:rPr lang="en-US" sz="2400" b="1" dirty="0" smtClean="0">
                 <a:solidFill>
@@ -24123,87 +23243,9 @@
           </a:p>
         </p:txBody>
       </p:sp>
-      <p:sp>
-        <p:nvSpPr>
-          <p:cNvPr id="9" name="Google Shape;99;p3"/>
-          <p:cNvSpPr txBox="1"/>
-          <p:nvPr/>
-        </p:nvSpPr>
-        <p:spPr>
-          <a:xfrm>
-            <a:off x="8552719" y="4714875"/>
-            <a:ext cx="556196" cy="307736"/>
-          </a:xfrm>
-          <a:prstGeom prst="rect">
-            <a:avLst/>
-          </a:prstGeom>
-          <a:noFill/>
-          <a:ln>
-            <a:noFill/>
-          </a:ln>
-        </p:spPr>
-        <p:txBody>
-          <a:bodyPr spcFirstLastPara="1" wrap="square" lIns="91425" tIns="45700" rIns="91425" bIns="45700" anchor="t" anchorCtr="0">
-            <a:spAutoFit/>
-          </a:bodyPr>
-          <a:lstStyle/>
-          <a:p>
-            <a:pPr marL="0" marR="0" lvl="0" indent="0" algn="r" rtl="0">
-              <a:lnSpc>
-                <a:spcPct val="100000"/>
-              </a:lnSpc>
-              <a:spcBef>
-                <a:spcPts val="0"/>
-              </a:spcBef>
-              <a:spcAft>
-                <a:spcPts val="0"/>
-              </a:spcAft>
-              <a:buClr>
-                <a:srgbClr val="000000"/>
-              </a:buClr>
-              <a:buSzPts val="1400"/>
-              <a:buFont typeface="Arial"/>
-              <a:buNone/>
-            </a:pPr>
-            <a:r>
-              <a:rPr lang="en-US" dirty="0">
-                <a:solidFill>
-                  <a:schemeClr val="dk1"/>
-                </a:solidFill>
-                <a:latin typeface="Roboto"/>
-                <a:ea typeface="Roboto"/>
-                <a:cs typeface="Roboto"/>
-                <a:sym typeface="Roboto"/>
-              </a:rPr>
-              <a:t>3</a:t>
-            </a:r>
-            <a:r>
-              <a:rPr lang="ru-RU" sz="1400" b="0" i="0" u="none" strike="noStrike" cap="none" dirty="0" smtClean="0">
-                <a:solidFill>
-                  <a:schemeClr val="dk1"/>
-                </a:solidFill>
-                <a:latin typeface="Roboto"/>
-                <a:ea typeface="Roboto"/>
-                <a:cs typeface="Roboto"/>
-                <a:sym typeface="Roboto"/>
-              </a:rPr>
-              <a:t>/16</a:t>
-            </a:r>
-            <a:endParaRPr sz="1400" b="0" i="0" u="none" strike="noStrike" cap="none" dirty="0">
-              <a:solidFill>
-                <a:srgbClr val="000000"/>
-              </a:solidFill>
-              <a:latin typeface="Arial"/>
-              <a:ea typeface="Arial"/>
-              <a:cs typeface="Arial"/>
-              <a:sym typeface="Arial"/>
-            </a:endParaRPr>
-          </a:p>
-        </p:txBody>
-      </p:sp>
       <p:pic>
         <p:nvPicPr>
-          <p:cNvPr id="5" name="Рисунок 4"/>
+          <p:cNvPr id="2" name="Рисунок 1"/>
           <p:cNvPicPr>
             <a:picLocks noChangeAspect="1"/>
           </p:cNvPicPr>
@@ -24223,14 +23265,69 @@
         </p:blipFill>
         <p:spPr>
           <a:xfrm>
-            <a:off x="1959624" y="1082570"/>
-            <a:ext cx="4260785" cy="3804834"/>
+            <a:off x="2135050" y="1089806"/>
+            <a:ext cx="4066968" cy="3625069"/>
           </a:xfrm>
           <a:prstGeom prst="rect">
             <a:avLst/>
           </a:prstGeom>
         </p:spPr>
       </p:pic>
+      <p:sp>
+        <p:nvSpPr>
+          <p:cNvPr id="3" name="Номер слайда 2"/>
+          <p:cNvSpPr>
+            <a:spLocks noGrp="1"/>
+          </p:cNvSpPr>
+          <p:nvPr>
+            <p:ph type="sldNum" idx="12"/>
+          </p:nvPr>
+        </p:nvSpPr>
+        <p:spPr/>
+        <p:txBody>
+          <a:bodyPr/>
+          <a:lstStyle/>
+          <a:p>
+            <a:pPr marL="0" lvl="0" indent="0" algn="r" rtl="0">
+              <a:spcBef>
+                <a:spcPts val="0"/>
+              </a:spcBef>
+              <a:spcAft>
+                <a:spcPts val="0"/>
+              </a:spcAft>
+              <a:buNone/>
+            </a:pPr>
+            <a:fld id="{00000000-1234-1234-1234-123412341234}" type="slidenum">
+              <a:rPr lang="ru-RU" smtClean="0"/>
+              <a:t>3</a:t>
+            </a:fld>
+            <a:endParaRPr lang="ru-RU"/>
+          </a:p>
+        </p:txBody>
+      </p:sp>
+      <p:sp>
+        <p:nvSpPr>
+          <p:cNvPr id="4" name="Нижний колонтитул 3"/>
+          <p:cNvSpPr>
+            <a:spLocks noGrp="1"/>
+          </p:cNvSpPr>
+          <p:nvPr>
+            <p:ph type="ftr" idx="11"/>
+          </p:nvPr>
+        </p:nvSpPr>
+        <p:spPr/>
+        <p:txBody>
+          <a:bodyPr/>
+          <a:lstStyle/>
+          <a:p>
+            <a:r>
+              <a:rPr lang="en-US" smtClean="0"/>
+              <a:t>/16</a:t>
+            </a:r>
+            <a:endParaRPr lang="en-US" dirty="0"/>
+          </a:p>
+        </p:txBody>
+      </p:sp>
     </p:spTree>
     <p:extLst>
       <p:ext uri="{BB962C8B-B14F-4D97-AF65-F5344CB8AC3E}">
@@ -24320,19 +23417,7 @@
                 <a:cs typeface="Arial"/>
                 <a:sym typeface="Arial"/>
               </a:rPr>
-              <a:t>Вызов экстренных </a:t>
-            </a:r>
-            <a:r>
-              <a:rPr lang="ru-RU" sz="2400" b="1" dirty="0" smtClean="0">
-                <a:solidFill>
-                  <a:schemeClr val="lt1"/>
-                </a:solidFill>
-                <a:latin typeface="Roboto" panose="020B0604020202020204" charset="0"/>
-                <a:ea typeface="Roboto" panose="020B0604020202020204" charset="0"/>
-                <a:cs typeface="Arial"/>
-                <a:sym typeface="Arial"/>
-              </a:rPr>
-              <a:t>служб</a:t>
+              <a:t>Вызов экстренных служб</a:t>
             </a:r>
             <a:br>
               <a:rPr lang="ru-RU" sz="2400" b="1" dirty="0" smtClean="0">
@@ -24345,6 +23430,18 @@
                 <a:sym typeface="Arial"/>
               </a:rPr>
             </a:br>
+            <a:r>
+              <a:rPr lang="ru-RU" sz="2400" b="1" dirty="0" smtClean="0">
+                <a:solidFill>
+                  <a:schemeClr val="lt1"/>
+                </a:solidFill>
+                <a:latin typeface="Roboto" panose="020B0604020202020204" charset="0"/>
+                <a:ea typeface="Roboto" panose="020B0604020202020204" charset="0"/>
+                <a:cs typeface="Arial"/>
+                <a:sym typeface="Arial"/>
+              </a:rPr>
+              <a:t>Модель </a:t>
+            </a:r>
             <a:r>
               <a:rPr lang="en-US" sz="2400" b="1" dirty="0" smtClean="0">
                 <a:solidFill>
@@ -24423,75 +23520,9 @@
           </a:p>
         </p:txBody>
       </p:sp>
-      <p:sp>
-        <p:nvSpPr>
-          <p:cNvPr id="9" name="Google Shape;99;p3"/>
-          <p:cNvSpPr txBox="1"/>
-          <p:nvPr/>
-        </p:nvSpPr>
-        <p:spPr>
-          <a:xfrm>
-            <a:off x="8552719" y="4714875"/>
-            <a:ext cx="556196" cy="307736"/>
-          </a:xfrm>
-          <a:prstGeom prst="rect">
-            <a:avLst/>
-          </a:prstGeom>
-          <a:noFill/>
-          <a:ln>
-            <a:noFill/>
-          </a:ln>
-        </p:spPr>
-        <p:txBody>
-          <a:bodyPr spcFirstLastPara="1" wrap="square" lIns="91425" tIns="45700" rIns="91425" bIns="45700" anchor="t" anchorCtr="0">
-            <a:spAutoFit/>
-          </a:bodyPr>
-          <a:lstStyle/>
-          <a:p>
-            <a:pPr marL="0" marR="0" lvl="0" indent="0" algn="r" rtl="0">
-              <a:lnSpc>
-                <a:spcPct val="100000"/>
-              </a:lnSpc>
-              <a:spcBef>
-                <a:spcPts val="0"/>
-              </a:spcBef>
-              <a:spcAft>
-                <a:spcPts val="0"/>
-              </a:spcAft>
-              <a:buClr>
-                <a:srgbClr val="000000"/>
-              </a:buClr>
-              <a:buSzPts val="1400"/>
-              <a:buFont typeface="Arial"/>
-              <a:buNone/>
-            </a:pPr>
-            <a:r>
-              <a:rPr lang="ru-RU" sz="1400" b="0" i="0" u="none" strike="noStrike" cap="none" dirty="0" smtClean="0">
-                <a:solidFill>
-                  <a:schemeClr val="dk1"/>
-                </a:solidFill>
-                <a:latin typeface="Roboto"/>
-                <a:ea typeface="Roboto"/>
-                <a:cs typeface="Roboto"/>
-                <a:sym typeface="Roboto"/>
-              </a:rPr>
-              <a:t>4/16</a:t>
-            </a:r>
-            <a:endParaRPr sz="1400" b="0" i="0" u="none" strike="noStrike" cap="none" dirty="0">
-              <a:solidFill>
-                <a:srgbClr val="000000"/>
-              </a:solidFill>
-              <a:latin typeface="Arial"/>
-              <a:ea typeface="Arial"/>
-              <a:cs typeface="Arial"/>
-              <a:sym typeface="Arial"/>
-            </a:endParaRPr>
-          </a:p>
-        </p:txBody>
-      </p:sp>
       <p:pic>
         <p:nvPicPr>
-          <p:cNvPr id="2" name="Рисунок 1"/>
+          <p:cNvPr id="3" name="Рисунок 2"/>
           <p:cNvPicPr>
             <a:picLocks noChangeAspect="1"/>
           </p:cNvPicPr>
@@ -24511,14 +23542,69 @@
         </p:blipFill>
         <p:spPr>
           <a:xfrm>
-            <a:off x="908180" y="1132622"/>
-            <a:ext cx="7271657" cy="3889989"/>
+            <a:off x="1043609" y="1159748"/>
+            <a:ext cx="6867939" cy="3674019"/>
           </a:xfrm>
           <a:prstGeom prst="rect">
             <a:avLst/>
           </a:prstGeom>
         </p:spPr>
       </p:pic>
+      <p:sp>
+        <p:nvSpPr>
+          <p:cNvPr id="2" name="Номер слайда 1"/>
+          <p:cNvSpPr>
+            <a:spLocks noGrp="1"/>
+          </p:cNvSpPr>
+          <p:nvPr>
+            <p:ph type="sldNum" idx="12"/>
+          </p:nvPr>
+        </p:nvSpPr>
+        <p:spPr/>
+        <p:txBody>
+          <a:bodyPr/>
+          <a:lstStyle/>
+          <a:p>
+            <a:pPr marL="0" lvl="0" indent="0" algn="r" rtl="0">
+              <a:spcBef>
+                <a:spcPts val="0"/>
+              </a:spcBef>
+              <a:spcAft>
+                <a:spcPts val="0"/>
+              </a:spcAft>
+              <a:buNone/>
+            </a:pPr>
+            <a:fld id="{00000000-1234-1234-1234-123412341234}" type="slidenum">
+              <a:rPr lang="ru-RU" smtClean="0"/>
+              <a:t>4</a:t>
+            </a:fld>
+            <a:endParaRPr lang="ru-RU"/>
+          </a:p>
+        </p:txBody>
+      </p:sp>
+      <p:sp>
+        <p:nvSpPr>
+          <p:cNvPr id="4" name="Нижний колонтитул 3"/>
+          <p:cNvSpPr>
+            <a:spLocks noGrp="1"/>
+          </p:cNvSpPr>
+          <p:nvPr>
+            <p:ph type="ftr" idx="11"/>
+          </p:nvPr>
+        </p:nvSpPr>
+        <p:spPr/>
+        <p:txBody>
+          <a:bodyPr/>
+          <a:lstStyle/>
+          <a:p>
+            <a:r>
+              <a:rPr lang="en-US" smtClean="0"/>
+              <a:t>/16</a:t>
+            </a:r>
+            <a:endParaRPr lang="en-US" dirty="0"/>
+          </a:p>
+        </p:txBody>
+      </p:sp>
     </p:spTree>
     <p:extLst>
       <p:ext uri="{BB962C8B-B14F-4D97-AF65-F5344CB8AC3E}">
@@ -24678,85 +23764,62 @@
       </p:sp>
       <p:sp>
         <p:nvSpPr>
-          <p:cNvPr id="10" name="Google Shape;99;p3"/>
-          <p:cNvSpPr txBox="1"/>
-          <p:nvPr/>
+          <p:cNvPr id="3" name="Номер слайда 2"/>
+          <p:cNvSpPr>
+            <a:spLocks noGrp="1"/>
+          </p:cNvSpPr>
+          <p:nvPr>
+            <p:ph type="sldNum" idx="12"/>
+          </p:nvPr>
         </p:nvSpPr>
-        <p:spPr>
-          <a:xfrm>
-            <a:off x="8445500" y="4714875"/>
-            <a:ext cx="556196" cy="307736"/>
-          </a:xfrm>
-          <a:prstGeom prst="rect">
-            <a:avLst/>
-          </a:prstGeom>
-          <a:noFill/>
-          <a:ln>
-            <a:noFill/>
-          </a:ln>
-        </p:spPr>
+        <p:spPr/>
         <p:txBody>
-          <a:bodyPr spcFirstLastPara="1" wrap="square" lIns="91425" tIns="45700" rIns="91425" bIns="45700" anchor="t" anchorCtr="0">
-            <a:spAutoFit/>
-          </a:bodyPr>
+          <a:bodyPr/>
           <a:lstStyle/>
           <a:p>
-            <a:pPr marL="0" marR="0" lvl="0" indent="0" algn="r" rtl="0">
-              <a:lnSpc>
-                <a:spcPct val="100000"/>
-              </a:lnSpc>
-              <a:spcBef>
-                <a:spcPts val="0"/>
-              </a:spcBef>
-              <a:spcAft>
-                <a:spcPts val="0"/>
-              </a:spcAft>
-              <a:buClr>
-                <a:srgbClr val="000000"/>
-              </a:buClr>
-              <a:buSzPts val="1400"/>
-              <a:buFont typeface="Arial"/>
+            <a:pPr marL="0" lvl="0" indent="0" algn="r" rtl="0">
+              <a:spcBef>
+                <a:spcPts val="0"/>
+              </a:spcBef>
+              <a:spcAft>
+                <a:spcPts val="0"/>
+              </a:spcAft>
               <a:buNone/>
             </a:pPr>
+            <a:fld id="{00000000-1234-1234-1234-123412341234}" type="slidenum">
+              <a:rPr lang="ru-RU" smtClean="0"/>
+              <a:t>5</a:t>
+            </a:fld>
+            <a:endParaRPr lang="ru-RU"/>
+          </a:p>
+        </p:txBody>
+      </p:sp>
+      <p:sp>
+        <p:nvSpPr>
+          <p:cNvPr id="5" name="Нижний колонтитул 4"/>
+          <p:cNvSpPr>
+            <a:spLocks noGrp="1"/>
+          </p:cNvSpPr>
+          <p:nvPr>
+            <p:ph type="ftr" idx="11"/>
+          </p:nvPr>
+        </p:nvSpPr>
+        <p:spPr/>
+        <p:txBody>
+          <a:bodyPr/>
+          <a:lstStyle/>
+          <a:p>
             <a:r>
-              <a:rPr lang="ru-RU" dirty="0">
-                <a:solidFill>
-                  <a:schemeClr val="dk1"/>
-                </a:solidFill>
-                <a:latin typeface="Roboto"/>
-                <a:ea typeface="Roboto"/>
-                <a:cs typeface="Roboto"/>
-                <a:sym typeface="Roboto"/>
-              </a:rPr>
-              <a:t>5</a:t>
-            </a:r>
-            <a:r>
-              <a:rPr lang="ru-RU" sz="1400" b="0" i="0" u="none" strike="noStrike" cap="none" dirty="0" smtClean="0">
-                <a:solidFill>
-                  <a:schemeClr val="dk1"/>
-                </a:solidFill>
-                <a:latin typeface="Roboto"/>
-                <a:ea typeface="Roboto"/>
-                <a:cs typeface="Roboto"/>
-                <a:sym typeface="Roboto"/>
-              </a:rPr>
+              <a:rPr lang="en-US" smtClean="0"/>
               <a:t>/16</a:t>
             </a:r>
-            <a:endParaRPr sz="1400" b="0" i="0" u="none" strike="noStrike" cap="none" dirty="0">
-              <a:solidFill>
-                <a:srgbClr val="000000"/>
-              </a:solidFill>
-              <a:latin typeface="Arial"/>
-              <a:ea typeface="Arial"/>
-              <a:cs typeface="Arial"/>
-              <a:sym typeface="Arial"/>
-            </a:endParaRPr>
+            <a:endParaRPr lang="en-US" dirty="0"/>
           </a:p>
         </p:txBody>
       </p:sp>
       <p:pic>
         <p:nvPicPr>
-          <p:cNvPr id="3" name="Рисунок 2"/>
+          <p:cNvPr id="4" name="Рисунок 3"/>
           <p:cNvPicPr>
             <a:picLocks noChangeAspect="1"/>
           </p:cNvPicPr>
@@ -24776,8 +23839,8 @@
         </p:blipFill>
         <p:spPr>
           <a:xfrm>
-            <a:off x="1155353" y="1246390"/>
-            <a:ext cx="6836253" cy="3468485"/>
+            <a:off x="1003388" y="1141999"/>
+            <a:ext cx="7137301" cy="3621227"/>
           </a:xfrm>
           <a:prstGeom prst="rect">
             <a:avLst/>
@@ -24873,7 +23936,7 @@
                 <a:cs typeface="Arial"/>
                 <a:sym typeface="Arial"/>
               </a:rPr>
-              <a:t>Анализ архитектур программного кода</a:t>
+              <a:t>Анализ моделей архитектур программного кода</a:t>
             </a:r>
             <a:endParaRPr sz="2400" b="1" dirty="0">
               <a:solidFill>
@@ -26612,7 +25675,7 @@
         </p:nvSpPr>
         <p:spPr>
           <a:xfrm>
-            <a:off x="8445500" y="4714875"/>
+            <a:off x="7306167" y="5868877"/>
             <a:ext cx="556196" cy="307736"/>
           </a:xfrm>
           <a:prstGeom prst="rect">
@@ -26647,7 +25710,7 @@
               <a:buNone/>
             </a:pPr>
             <a:r>
-              <a:rPr lang="ru-RU" dirty="0">
+              <a:rPr lang="ru-RU" dirty="0" smtClean="0">
                 <a:solidFill>
                   <a:schemeClr val="dk1"/>
                 </a:solidFill>
@@ -26679,6 +25742,61 @@
               <a:cs typeface="Arial"/>
               <a:sym typeface="Arial"/>
             </a:endParaRPr>
+          </a:p>
+        </p:txBody>
+      </p:sp>
+      <p:sp>
+        <p:nvSpPr>
+          <p:cNvPr id="4" name="Номер слайда 3"/>
+          <p:cNvSpPr>
+            <a:spLocks noGrp="1"/>
+          </p:cNvSpPr>
+          <p:nvPr>
+            <p:ph type="sldNum" idx="12"/>
+          </p:nvPr>
+        </p:nvSpPr>
+        <p:spPr/>
+        <p:txBody>
+          <a:bodyPr/>
+          <a:lstStyle/>
+          <a:p>
+            <a:pPr marL="0" lvl="0" indent="0" algn="r" rtl="0">
+              <a:spcBef>
+                <a:spcPts val="0"/>
+              </a:spcBef>
+              <a:spcAft>
+                <a:spcPts val="0"/>
+              </a:spcAft>
+              <a:buNone/>
+            </a:pPr>
+            <a:fld id="{00000000-1234-1234-1234-123412341234}" type="slidenum">
+              <a:rPr lang="ru-RU" smtClean="0"/>
+              <a:t>6</a:t>
+            </a:fld>
+            <a:endParaRPr lang="ru-RU"/>
+          </a:p>
+        </p:txBody>
+      </p:sp>
+      <p:sp>
+        <p:nvSpPr>
+          <p:cNvPr id="5" name="Нижний колонтитул 4"/>
+          <p:cNvSpPr>
+            <a:spLocks noGrp="1"/>
+          </p:cNvSpPr>
+          <p:nvPr>
+            <p:ph type="ftr" idx="11"/>
+          </p:nvPr>
+        </p:nvSpPr>
+        <p:spPr/>
+        <p:txBody>
+          <a:bodyPr/>
+          <a:lstStyle/>
+          <a:p>
+            <a:r>
+              <a:rPr lang="en-US" smtClean="0"/>
+              <a:t>/16</a:t>
+            </a:r>
+            <a:endParaRPr lang="en-US" dirty="0"/>
           </a:p>
         </p:txBody>
       </p:sp>
@@ -26771,7 +25889,7 @@
                 <a:cs typeface="Arial"/>
                 <a:sym typeface="Arial"/>
               </a:rPr>
-              <a:t>Архитектура </a:t>
+              <a:t>Модель архитектуры </a:t>
             </a:r>
             <a:r>
               <a:rPr lang="en-US" sz="2400" b="1" dirty="0" smtClean="0">
@@ -26851,84 +25969,6 @@
           </a:p>
         </p:txBody>
       </p:sp>
-      <p:sp>
-        <p:nvSpPr>
-          <p:cNvPr id="6" name="Google Shape;99;p3"/>
-          <p:cNvSpPr txBox="1"/>
-          <p:nvPr/>
-        </p:nvSpPr>
-        <p:spPr>
-          <a:xfrm>
-            <a:off x="8445500" y="4714875"/>
-            <a:ext cx="556196" cy="307736"/>
-          </a:xfrm>
-          <a:prstGeom prst="rect">
-            <a:avLst/>
-          </a:prstGeom>
-          <a:noFill/>
-          <a:ln>
-            <a:noFill/>
-          </a:ln>
-        </p:spPr>
-        <p:txBody>
-          <a:bodyPr spcFirstLastPara="1" wrap="square" lIns="91425" tIns="45700" rIns="91425" bIns="45700" anchor="t" anchorCtr="0">
-            <a:spAutoFit/>
-          </a:bodyPr>
-          <a:lstStyle/>
-          <a:p>
-            <a:pPr marL="0" marR="0" lvl="0" indent="0" algn="r" rtl="0">
-              <a:lnSpc>
-                <a:spcPct val="100000"/>
-              </a:lnSpc>
-              <a:spcBef>
-                <a:spcPts val="0"/>
-              </a:spcBef>
-              <a:spcAft>
-                <a:spcPts val="0"/>
-              </a:spcAft>
-              <a:buClr>
-                <a:srgbClr val="000000"/>
-              </a:buClr>
-              <a:buSzPts val="1400"/>
-              <a:buFont typeface="Arial"/>
-              <a:buNone/>
-            </a:pPr>
-            <a:r>
-              <a:rPr lang="ru-RU" dirty="0">
-                <a:solidFill>
-                  <a:schemeClr val="dk1"/>
-                </a:solidFill>
-                <a:latin typeface="Roboto"/>
-                <a:ea typeface="Roboto"/>
-                <a:cs typeface="Roboto"/>
-                <a:sym typeface="Roboto"/>
-              </a:rPr>
-              <a:t>7</a:t>
-            </a:r>
-            <a:r>
-              <a:rPr lang="ru-RU" sz="1400" b="0" i="0" u="none" strike="noStrike" cap="none" dirty="0" smtClean="0">
-                <a:solidFill>
-                  <a:schemeClr val="dk1"/>
-                </a:solidFill>
-                <a:latin typeface="Roboto"/>
-                <a:ea typeface="Roboto"/>
-                <a:cs typeface="Roboto"/>
-                <a:sym typeface="Roboto"/>
-              </a:rPr>
-              <a:t>/16</a:t>
-            </a:r>
-            <a:endParaRPr sz="1400" b="0" i="0" u="none" strike="noStrike" cap="none" dirty="0">
-              <a:solidFill>
-                <a:srgbClr val="000000"/>
-              </a:solidFill>
-              <a:latin typeface="Arial"/>
-              <a:ea typeface="Arial"/>
-              <a:cs typeface="Arial"/>
-              <a:sym typeface="Arial"/>
-            </a:endParaRPr>
-          </a:p>
-        </p:txBody>
-      </p:sp>
       <p:pic>
         <p:nvPicPr>
           <p:cNvPr id="3" name="Рисунок 2"/>
@@ -26959,6 +25999,61 @@
           </a:prstGeom>
         </p:spPr>
       </p:pic>
+      <p:sp>
+        <p:nvSpPr>
+          <p:cNvPr id="2" name="Номер слайда 1"/>
+          <p:cNvSpPr>
+            <a:spLocks noGrp="1"/>
+          </p:cNvSpPr>
+          <p:nvPr>
+            <p:ph type="sldNum" idx="12"/>
+          </p:nvPr>
+        </p:nvSpPr>
+        <p:spPr/>
+        <p:txBody>
+          <a:bodyPr/>
+          <a:lstStyle/>
+          <a:p>
+            <a:pPr marL="0" lvl="0" indent="0" algn="r" rtl="0">
+              <a:spcBef>
+                <a:spcPts val="0"/>
+              </a:spcBef>
+              <a:spcAft>
+                <a:spcPts val="0"/>
+              </a:spcAft>
+              <a:buNone/>
+            </a:pPr>
+            <a:fld id="{00000000-1234-1234-1234-123412341234}" type="slidenum">
+              <a:rPr lang="ru-RU" smtClean="0"/>
+              <a:t>7</a:t>
+            </a:fld>
+            <a:endParaRPr lang="ru-RU"/>
+          </a:p>
+        </p:txBody>
+      </p:sp>
+      <p:sp>
+        <p:nvSpPr>
+          <p:cNvPr id="4" name="Нижний колонтитул 3"/>
+          <p:cNvSpPr>
+            <a:spLocks noGrp="1"/>
+          </p:cNvSpPr>
+          <p:nvPr>
+            <p:ph type="ftr" idx="11"/>
+          </p:nvPr>
+        </p:nvSpPr>
+        <p:spPr/>
+        <p:txBody>
+          <a:bodyPr/>
+          <a:lstStyle/>
+          <a:p>
+            <a:r>
+              <a:rPr lang="en-US" smtClean="0"/>
+              <a:t>/16</a:t>
+            </a:r>
+            <a:endParaRPr lang="en-US" dirty="0"/>
+          </a:p>
+        </p:txBody>
+      </p:sp>
     </p:spTree>
     <p:extLst>
       <p:ext uri="{BB962C8B-B14F-4D97-AF65-F5344CB8AC3E}">
@@ -27025,19 +26120,7 @@
           </a:bodyPr>
           <a:lstStyle/>
           <a:p>
-            <a:pPr marL="0" lvl="0" indent="0" algn="r" rtl="0">
-              <a:lnSpc>
-                <a:spcPct val="100000"/>
-              </a:lnSpc>
-              <a:spcBef>
-                <a:spcPts val="0"/>
-              </a:spcBef>
-              <a:spcAft>
-                <a:spcPts val="0"/>
-              </a:spcAft>
-              <a:buSzPts val="1400"/>
-              <a:buNone/>
-            </a:pPr>
+            <a:pPr lvl="0" algn="r"/>
             <a:r>
               <a:rPr lang="ru-RU" sz="2400" b="1" dirty="0" smtClean="0">
                 <a:solidFill>
@@ -27060,7 +26143,7 @@
                 <a:cs typeface="Arial"/>
                 <a:sym typeface="Arial"/>
               </a:rPr>
-              <a:t>View</a:t>
+              <a:t>Entity</a:t>
             </a:r>
             <a:endParaRPr sz="2400" b="1" dirty="0">
               <a:solidFill>
@@ -27086,8 +26169,8 @@
         </p:nvSpPr>
         <p:spPr>
           <a:xfrm>
-            <a:off x="357189" y="1203598"/>
-            <a:ext cx="4624461" cy="3426924"/>
+            <a:off x="206027" y="1241429"/>
+            <a:ext cx="8937973" cy="1737991"/>
           </a:xfrm>
           <a:prstGeom prst="rect">
             <a:avLst/>
@@ -27103,22 +26186,46 @@
           </a:bodyPr>
           <a:lstStyle/>
           <a:p>
-            <a:pPr marL="342900" lvl="0" indent="-234950">
+            <a:pPr marL="107950" lvl="0" indent="0">
               <a:spcBef>
                 <a:spcPts val="340"/>
               </a:spcBef>
+              <a:buClr>
+                <a:schemeClr val="dk1"/>
+              </a:buClr>
               <a:buSzPts val="1700"/>
               <a:buNone/>
             </a:pPr>
             <a:r>
-              <a:rPr lang="en-US" sz="2000" b="1" dirty="0">
+              <a:rPr lang="en-US" sz="2000" b="1" dirty="0" smtClean="0">
                 <a:latin typeface="Roboto" panose="020B0604020202020204" charset="0"/>
                 <a:ea typeface="Roboto" panose="020B0604020202020204" charset="0"/>
-                <a:cs typeface="Arial"/>
-                <a:sym typeface="Arial"/>
               </a:rPr>
-              <a:t>View</a:t>
+              <a:t>Entity</a:t>
             </a:r>
+            <a:r>
+              <a:rPr lang="ru-RU" sz="2000" b="1" dirty="0" smtClean="0">
+                <a:latin typeface="Roboto" panose="020B0604020202020204" charset="0"/>
+                <a:ea typeface="Roboto" panose="020B0604020202020204" charset="0"/>
+              </a:rPr>
+              <a:t> </a:t>
+            </a:r>
+            <a:r>
+              <a:rPr lang="ru-RU" sz="2000" dirty="0" smtClean="0">
+                <a:latin typeface="Roboto" panose="020B0604020202020204" charset="0"/>
+                <a:ea typeface="Roboto" panose="020B0604020202020204" charset="0"/>
+              </a:rPr>
+              <a:t>представляет из себя набор структур, описывающих в каком формате хранятся данные</a:t>
+            </a:r>
+          </a:p>
+          <a:p>
+            <a:pPr marL="107950" indent="0">
+              <a:spcBef>
+                <a:spcPts val="340"/>
+              </a:spcBef>
+              <a:buSzPts val="1700"/>
+              <a:buNone/>
+            </a:pPr>
             <a:r>
               <a:rPr lang="ru-RU" sz="2000" b="1" dirty="0">
                 <a:latin typeface="Roboto" panose="020B0604020202020204" charset="0"/>
@@ -27126,7 +26233,7 @@
                 <a:cs typeface="Arial"/>
                 <a:sym typeface="Arial"/>
               </a:rPr>
-              <a:t>-элементы </a:t>
+              <a:t>Разработаны </a:t>
             </a:r>
             <a:r>
               <a:rPr lang="ru-RU" sz="2000" dirty="0">
@@ -27135,157 +26242,10 @@
                 <a:cs typeface="Arial"/>
                 <a:sym typeface="Arial"/>
               </a:rPr>
-              <a:t>для</a:t>
+              <a:t>на языке </a:t>
             </a:r>
             <a:r>
-              <a:rPr lang="ru-RU" sz="2000" b="1" dirty="0">
-                <a:latin typeface="Roboto" panose="020B0604020202020204" charset="0"/>
-                <a:ea typeface="Roboto" panose="020B0604020202020204" charset="0"/>
-                <a:cs typeface="Arial"/>
-                <a:sym typeface="Arial"/>
-              </a:rPr>
-              <a:t>:</a:t>
-            </a:r>
-          </a:p>
-          <a:p>
-            <a:pPr marL="107950" indent="0">
-              <a:spcBef>
-                <a:spcPts val="340"/>
-              </a:spcBef>
-              <a:buSzPts val="1700"/>
-              <a:buNone/>
-            </a:pPr>
-            <a:r>
-              <a:rPr lang="ru-RU" sz="2000" dirty="0">
-                <a:latin typeface="Roboto" panose="020B0604020202020204" charset="0"/>
-                <a:ea typeface="Roboto" panose="020B0604020202020204" charset="0"/>
-                <a:cs typeface="Arial"/>
-                <a:sym typeface="Arial"/>
-              </a:rPr>
-              <a:t> </a:t>
-            </a:r>
-            <a:r>
-              <a:rPr lang="ru-RU" sz="2000" dirty="0" smtClean="0">
-                <a:latin typeface="Roboto" panose="020B0604020202020204" charset="0"/>
-                <a:ea typeface="Roboto" panose="020B0604020202020204" charset="0"/>
-                <a:cs typeface="Arial"/>
-                <a:sym typeface="Arial"/>
-              </a:rPr>
-              <a:t>- отображения элементов интерфейса на оконных </a:t>
-            </a:r>
-            <a:r>
-              <a:rPr lang="ru-RU" sz="2000" dirty="0">
-                <a:latin typeface="Roboto" panose="020B0604020202020204" charset="0"/>
-                <a:ea typeface="Roboto" panose="020B0604020202020204" charset="0"/>
-                <a:cs typeface="Arial"/>
-                <a:sym typeface="Arial"/>
-              </a:rPr>
-              <a:t>форм</a:t>
-            </a:r>
-          </a:p>
-          <a:p>
-            <a:pPr marL="107950" indent="0">
-              <a:spcBef>
-                <a:spcPts val="340"/>
-              </a:spcBef>
-              <a:buSzPts val="1700"/>
-              <a:buNone/>
-            </a:pPr>
-            <a:r>
-              <a:rPr lang="ru-RU" sz="2000" dirty="0" smtClean="0">
-                <a:latin typeface="Roboto" panose="020B0604020202020204" charset="0"/>
-                <a:ea typeface="Roboto" panose="020B0604020202020204" charset="0"/>
-                <a:cs typeface="Arial"/>
-                <a:sym typeface="Arial"/>
-              </a:rPr>
-              <a:t> - обработки событий взаимодействия </a:t>
-            </a:r>
-            <a:r>
-              <a:rPr lang="ru-RU" sz="2000" dirty="0">
-                <a:latin typeface="Roboto" panose="020B0604020202020204" charset="0"/>
-                <a:ea typeface="Roboto" panose="020B0604020202020204" charset="0"/>
-                <a:cs typeface="Arial"/>
-                <a:sym typeface="Arial"/>
-              </a:rPr>
-              <a:t>с </a:t>
-            </a:r>
-            <a:r>
-              <a:rPr lang="ru-RU" sz="2000" dirty="0" smtClean="0">
-                <a:latin typeface="Roboto" panose="020B0604020202020204" charset="0"/>
-                <a:ea typeface="Roboto" panose="020B0604020202020204" charset="0"/>
-                <a:cs typeface="Arial"/>
-                <a:sym typeface="Arial"/>
-              </a:rPr>
-              <a:t>пользователями</a:t>
-            </a:r>
-            <a:endParaRPr lang="en-US" sz="2000" dirty="0" smtClean="0">
-              <a:latin typeface="Roboto" panose="020B0604020202020204" charset="0"/>
-              <a:ea typeface="Roboto" panose="020B0604020202020204" charset="0"/>
-              <a:cs typeface="Arial"/>
-              <a:sym typeface="Arial"/>
-            </a:endParaRPr>
-          </a:p>
-          <a:p>
-            <a:pPr marL="342900" lvl="0" indent="-234950">
-              <a:spcBef>
-                <a:spcPts val="340"/>
-              </a:spcBef>
-              <a:buSzPts val="1700"/>
-              <a:buNone/>
-            </a:pPr>
-            <a:endParaRPr lang="en-US" sz="2000" b="1" dirty="0">
-              <a:latin typeface="Roboto" panose="020B0604020202020204" charset="0"/>
-              <a:ea typeface="Roboto" panose="020B0604020202020204" charset="0"/>
-              <a:cs typeface="Arial"/>
-              <a:sym typeface="Arial"/>
-            </a:endParaRPr>
-          </a:p>
-          <a:p>
-            <a:pPr marL="342900" lvl="0" indent="-234950">
-              <a:spcBef>
-                <a:spcPts val="340"/>
-              </a:spcBef>
-              <a:buSzPts val="1700"/>
-              <a:buNone/>
-            </a:pPr>
-            <a:r>
-              <a:rPr lang="ru-RU" sz="2000" b="1" dirty="0" smtClean="0">
-                <a:latin typeface="Roboto" panose="020B0604020202020204" charset="0"/>
-                <a:ea typeface="Roboto" panose="020B0604020202020204" charset="0"/>
-                <a:cs typeface="Arial"/>
-                <a:sym typeface="Arial"/>
-              </a:rPr>
-              <a:t>Разработаны </a:t>
-            </a:r>
-            <a:r>
-              <a:rPr lang="ru-RU" sz="2000" dirty="0" smtClean="0">
-                <a:latin typeface="Roboto" panose="020B0604020202020204" charset="0"/>
-                <a:ea typeface="Roboto" panose="020B0604020202020204" charset="0"/>
-                <a:cs typeface="Arial"/>
-                <a:sym typeface="Arial"/>
-              </a:rPr>
-              <a:t>на языках:</a:t>
-            </a:r>
-          </a:p>
-          <a:p>
-            <a:pPr marL="107950" indent="0">
-              <a:spcBef>
-                <a:spcPts val="340"/>
-              </a:spcBef>
-              <a:buSzPts val="1700"/>
-              <a:buNone/>
-            </a:pPr>
-            <a:r>
-              <a:rPr lang="ru-RU" sz="2000" b="1" dirty="0" smtClean="0">
-                <a:latin typeface="Roboto" panose="020B0604020202020204" charset="0"/>
-                <a:ea typeface="Roboto" panose="020B0604020202020204" charset="0"/>
-                <a:cs typeface="Arial"/>
-                <a:sym typeface="Arial"/>
-              </a:rPr>
-              <a:t> - </a:t>
-            </a:r>
-            <a:r>
-              <a:rPr lang="en-US" sz="2000" b="1" dirty="0" smtClean="0">
+              <a:rPr lang="en-US" sz="2000" b="1" dirty="0">
                 <a:latin typeface="Roboto" panose="020B0604020202020204" charset="0"/>
                 <a:ea typeface="Roboto" panose="020B0604020202020204" charset="0"/>
                 <a:cs typeface="Arial"/>
@@ -27295,320 +26255,493 @@
             </a:r>
           </a:p>
           <a:p>
-            <a:pPr marL="107950" indent="0">
+            <a:pPr marL="107950" lvl="0" indent="0">
               <a:spcBef>
                 <a:spcPts val="340"/>
               </a:spcBef>
+              <a:buClr>
+                <a:schemeClr val="dk1"/>
+              </a:buClr>
               <a:buSzPts val="1700"/>
               <a:buNone/>
             </a:pPr>
-            <a:r>
-              <a:rPr lang="ru-RU" sz="2000" b="1" dirty="0" smtClean="0">
-                <a:latin typeface="Roboto" panose="020B0604020202020204" charset="0"/>
-                <a:ea typeface="Roboto" panose="020B0604020202020204" charset="0"/>
-                <a:cs typeface="Arial"/>
-                <a:sym typeface="Arial"/>
-              </a:rPr>
-              <a:t> - </a:t>
-            </a:r>
-            <a:r>
-              <a:rPr lang="en-US" sz="2000" b="1" dirty="0" smtClean="0">
-                <a:latin typeface="Roboto" panose="020B0604020202020204" charset="0"/>
-                <a:ea typeface="Roboto" panose="020B0604020202020204" charset="0"/>
-                <a:cs typeface="Arial"/>
-                <a:sym typeface="Arial"/>
-              </a:rPr>
-              <a:t>XAML</a:t>
-            </a:r>
-          </a:p>
-          <a:p>
-            <a:pPr marL="107950" indent="0">
-              <a:spcBef>
-                <a:spcPts val="340"/>
-              </a:spcBef>
-              <a:buSzPts val="1700"/>
-              <a:buNone/>
-            </a:pPr>
-            <a:endParaRPr lang="en-US" sz="2000" b="1" dirty="0" smtClean="0">
+            <a:endParaRPr lang="en-US" sz="2000" dirty="0">
               <a:latin typeface="Roboto" panose="020B0604020202020204" charset="0"/>
               <a:ea typeface="Roboto" panose="020B0604020202020204" charset="0"/>
-              <a:cs typeface="Arial"/>
-              <a:sym typeface="Arial"/>
-            </a:endParaRPr>
-          </a:p>
-          <a:p>
-            <a:pPr marL="107950" indent="0">
-              <a:spcBef>
-                <a:spcPts val="340"/>
-              </a:spcBef>
-              <a:buSzPts val="1700"/>
-              <a:buNone/>
-            </a:pPr>
-            <a:endParaRPr lang="ru-RU" sz="2000" b="1" dirty="0" smtClean="0">
-              <a:latin typeface="Roboto" panose="020B0604020202020204" charset="0"/>
-              <a:ea typeface="Roboto" panose="020B0604020202020204" charset="0"/>
-              <a:cs typeface="Arial"/>
-              <a:sym typeface="Arial"/>
-            </a:endParaRPr>
-          </a:p>
-          <a:p>
-            <a:pPr marL="342900" lvl="0" indent="-234950" algn="l" rtl="0">
-              <a:lnSpc>
-                <a:spcPct val="100000"/>
-              </a:lnSpc>
-              <a:spcBef>
-                <a:spcPts val="340"/>
-              </a:spcBef>
-              <a:spcAft>
-                <a:spcPts val="0"/>
-              </a:spcAft>
-              <a:buClr>
-                <a:schemeClr val="dk1"/>
-              </a:buClr>
-              <a:buSzPts val="1700"/>
-              <a:buNone/>
-            </a:pPr>
-            <a:endParaRPr lang="en-US" sz="2000" b="1" dirty="0" smtClean="0">
-              <a:latin typeface="Arial"/>
-              <a:ea typeface="Arial"/>
-              <a:cs typeface="Arial"/>
-              <a:sym typeface="Arial"/>
             </a:endParaRPr>
           </a:p>
         </p:txBody>
       </p:sp>
       <p:sp>
         <p:nvSpPr>
-          <p:cNvPr id="7" name="Google Shape;99;p3"/>
+          <p:cNvPr id="2" name="Прямоугольник 1"/>
+          <p:cNvSpPr/>
+          <p:nvPr/>
+        </p:nvSpPr>
+        <p:spPr>
+          <a:xfrm>
+            <a:off x="4546600" y="1731547"/>
+            <a:ext cx="4284217" cy="307777"/>
+          </a:xfrm>
+          <a:prstGeom prst="rect">
+            <a:avLst/>
+          </a:prstGeom>
+        </p:spPr>
+        <p:txBody>
+          <a:bodyPr wrap="square">
+            <a:spAutoFit/>
+          </a:bodyPr>
+          <a:lstStyle/>
+          <a:p>
+            <a:pPr marL="342900" lvl="0" indent="-234950">
+              <a:spcBef>
+                <a:spcPts val="340"/>
+              </a:spcBef>
+              <a:buClr>
+                <a:schemeClr val="dk1"/>
+              </a:buClr>
+              <a:buSzPts val="1700"/>
+            </a:pPr>
+            <a:r>
+              <a:rPr lang="ru-RU" b="1" smtClean="0"/>
+              <a:t>	</a:t>
+            </a:r>
+            <a:endParaRPr lang="ru-RU" b="1" dirty="0"/>
+          </a:p>
+        </p:txBody>
+      </p:sp>
+      <p:sp>
+        <p:nvSpPr>
+          <p:cNvPr id="5" name="TextBox 4"/>
           <p:cNvSpPr txBox="1"/>
           <p:nvPr/>
         </p:nvSpPr>
         <p:spPr>
           <a:xfrm>
-            <a:off x="8445500" y="4714875"/>
-            <a:ext cx="556196" cy="307736"/>
+            <a:off x="1692558" y="2424124"/>
+            <a:ext cx="6136616" cy="2339102"/>
           </a:xfrm>
           <a:prstGeom prst="rect">
             <a:avLst/>
           </a:prstGeom>
           <a:noFill/>
-          <a:ln>
-            <a:noFill/>
-          </a:ln>
         </p:spPr>
         <p:txBody>
-          <a:bodyPr spcFirstLastPara="1" wrap="square" lIns="91425" tIns="45700" rIns="91425" bIns="45700" anchor="t" anchorCtr="0">
+          <a:bodyPr wrap="none" rtlCol="0">
             <a:spAutoFit/>
           </a:bodyPr>
           <a:lstStyle/>
           <a:p>
-            <a:pPr marL="0" marR="0" lvl="0" indent="0" algn="r" rtl="0">
-              <a:lnSpc>
-                <a:spcPct val="100000"/>
-              </a:lnSpc>
-              <a:spcBef>
-                <a:spcPts val="0"/>
-              </a:spcBef>
-              <a:spcAft>
-                <a:spcPts val="0"/>
-              </a:spcAft>
-              <a:buClr>
-                <a:srgbClr val="000000"/>
-              </a:buClr>
-              <a:buSzPts val="1400"/>
-              <a:buFont typeface="Arial"/>
-              <a:buNone/>
-            </a:pPr>
             <a:r>
-              <a:rPr lang="ru-RU" dirty="0">
-                <a:solidFill>
-                  <a:schemeClr val="dk1"/>
-                </a:solidFill>
-                <a:latin typeface="Roboto"/>
-                <a:ea typeface="Roboto"/>
-                <a:cs typeface="Roboto"/>
-                <a:sym typeface="Roboto"/>
+              <a:rPr lang="ru-RU" sz="2000" b="1" dirty="0" smtClean="0">
+                <a:latin typeface="Roboto" panose="020B0604020202020204" charset="0"/>
+                <a:ea typeface="Roboto" panose="020B0604020202020204" charset="0"/>
               </a:rPr>
-              <a:t>8</a:t>
+              <a:t>Пример:</a:t>
+            </a:r>
+          </a:p>
+          <a:p>
+            <a:r>
+              <a:rPr lang="en-US" sz="1800" b="1" dirty="0" smtClean="0">
+                <a:solidFill>
+                  <a:schemeClr val="bg2"/>
+                </a:solidFill>
+                <a:latin typeface="Consolas" panose="020B0609020204030204" pitchFamily="49" charset="0"/>
+              </a:rPr>
+              <a:t>public</a:t>
             </a:r>
             <a:r>
-              <a:rPr lang="ru-RU" sz="1400" b="0" i="0" u="none" strike="noStrike" cap="none" dirty="0" smtClean="0">
-                <a:solidFill>
-                  <a:schemeClr val="dk1"/>
-                </a:solidFill>
-                <a:latin typeface="Roboto"/>
-                <a:ea typeface="Roboto"/>
-                <a:cs typeface="Roboto"/>
-                <a:sym typeface="Roboto"/>
+              <a:rPr lang="en-US" sz="1800" dirty="0" smtClean="0">
+                <a:latin typeface="Consolas" panose="020B0609020204030204" pitchFamily="49" charset="0"/>
               </a:rPr>
-              <a:t>/16</a:t>
+              <a:t> </a:t>
             </a:r>
-            <a:endParaRPr sz="1400" b="0" i="0" u="none" strike="noStrike" cap="none" dirty="0">
-              <a:solidFill>
-                <a:srgbClr val="000000"/>
-              </a:solidFill>
-              <a:latin typeface="Arial"/>
-              <a:ea typeface="Arial"/>
-              <a:cs typeface="Arial"/>
-              <a:sym typeface="Arial"/>
+            <a:r>
+              <a:rPr lang="en-US" sz="1800" dirty="0" err="1">
+                <a:latin typeface="Consolas" panose="020B0609020204030204" pitchFamily="49" charset="0"/>
+              </a:rPr>
+              <a:t>struct</a:t>
+            </a:r>
+            <a:r>
+              <a:rPr lang="en-US" sz="1800" dirty="0">
+                <a:latin typeface="Consolas" panose="020B0609020204030204" pitchFamily="49" charset="0"/>
+              </a:rPr>
+              <a:t> </a:t>
+            </a:r>
+            <a:r>
+              <a:rPr lang="en-US" sz="1800" dirty="0">
+                <a:solidFill>
+                  <a:srgbClr val="FF0000"/>
+                </a:solidFill>
+                <a:latin typeface="Consolas" panose="020B0609020204030204" pitchFamily="49" charset="0"/>
+              </a:rPr>
+              <a:t>Address</a:t>
+            </a:r>
+            <a:r>
+              <a:rPr lang="en-US" sz="1800" dirty="0">
+                <a:latin typeface="Consolas" panose="020B0609020204030204" pitchFamily="49" charset="0"/>
+              </a:rPr>
+              <a:t>{    </a:t>
+            </a:r>
+            <a:endParaRPr lang="ru-RU" sz="1800" dirty="0" smtClean="0">
+              <a:latin typeface="Consolas" panose="020B0609020204030204" pitchFamily="49" charset="0"/>
+            </a:endParaRPr>
+          </a:p>
+          <a:p>
+            <a:r>
+              <a:rPr lang="ru-RU" sz="1800" dirty="0">
+                <a:latin typeface="Consolas" panose="020B0609020204030204" pitchFamily="49" charset="0"/>
+              </a:rPr>
+              <a:t> </a:t>
+            </a:r>
+            <a:r>
+              <a:rPr lang="ru-RU" sz="1800" dirty="0" smtClean="0">
+                <a:latin typeface="Consolas" panose="020B0609020204030204" pitchFamily="49" charset="0"/>
+              </a:rPr>
+              <a:t>   </a:t>
+            </a:r>
+            <a:r>
+              <a:rPr lang="en-US" sz="1800" b="1" dirty="0" smtClean="0">
+                <a:solidFill>
+                  <a:schemeClr val="bg2"/>
+                </a:solidFill>
+                <a:latin typeface="Consolas" panose="020B0609020204030204" pitchFamily="49" charset="0"/>
+              </a:rPr>
+              <a:t>public</a:t>
+            </a:r>
+            <a:r>
+              <a:rPr lang="en-US" sz="1800" dirty="0" smtClean="0">
+                <a:latin typeface="Consolas" panose="020B0609020204030204" pitchFamily="49" charset="0"/>
+              </a:rPr>
+              <a:t> </a:t>
+            </a:r>
+            <a:r>
+              <a:rPr lang="en-US" sz="1800" dirty="0">
+                <a:solidFill>
+                  <a:srgbClr val="00B050"/>
+                </a:solidFill>
+                <a:latin typeface="Consolas" panose="020B0609020204030204" pitchFamily="49" charset="0"/>
+              </a:rPr>
+              <a:t>string</a:t>
+            </a:r>
+            <a:r>
+              <a:rPr lang="en-US" sz="1800" dirty="0">
+                <a:latin typeface="Consolas" panose="020B0609020204030204" pitchFamily="49" charset="0"/>
+              </a:rPr>
+              <a:t> </a:t>
+            </a:r>
+            <a:r>
+              <a:rPr lang="en-US" sz="1800" dirty="0" err="1">
+                <a:latin typeface="Consolas" panose="020B0609020204030204" pitchFamily="49" charset="0"/>
+              </a:rPr>
+              <a:t>FullAddress</a:t>
+            </a:r>
+            <a:r>
+              <a:rPr lang="en-US" sz="1800" dirty="0">
+                <a:latin typeface="Consolas" panose="020B0609020204030204" pitchFamily="49" charset="0"/>
+              </a:rPr>
+              <a:t> { get; set; }    </a:t>
+            </a:r>
+            <a:endParaRPr lang="ru-RU" sz="1800" dirty="0" smtClean="0">
+              <a:latin typeface="Consolas" panose="020B0609020204030204" pitchFamily="49" charset="0"/>
+            </a:endParaRPr>
+          </a:p>
+          <a:p>
+            <a:r>
+              <a:rPr lang="ru-RU" sz="1800" dirty="0">
+                <a:latin typeface="Consolas" panose="020B0609020204030204" pitchFamily="49" charset="0"/>
+              </a:rPr>
+              <a:t> </a:t>
+            </a:r>
+            <a:r>
+              <a:rPr lang="ru-RU" sz="1800" dirty="0" smtClean="0">
+                <a:latin typeface="Consolas" panose="020B0609020204030204" pitchFamily="49" charset="0"/>
+              </a:rPr>
+              <a:t>   </a:t>
+            </a:r>
+            <a:r>
+              <a:rPr lang="en-US" sz="1800" b="1" dirty="0" smtClean="0">
+                <a:solidFill>
+                  <a:schemeClr val="bg2"/>
+                </a:solidFill>
+                <a:latin typeface="Consolas" panose="020B0609020204030204" pitchFamily="49" charset="0"/>
+              </a:rPr>
+              <a:t>public</a:t>
+            </a:r>
+            <a:r>
+              <a:rPr lang="en-US" sz="1800" dirty="0" smtClean="0">
+                <a:latin typeface="Consolas" panose="020B0609020204030204" pitchFamily="49" charset="0"/>
+              </a:rPr>
+              <a:t> </a:t>
+            </a:r>
+            <a:r>
+              <a:rPr lang="en-US" sz="1800" dirty="0">
+                <a:solidFill>
+                  <a:srgbClr val="00B050"/>
+                </a:solidFill>
+                <a:latin typeface="Consolas" panose="020B0609020204030204" pitchFamily="49" charset="0"/>
+              </a:rPr>
+              <a:t>string</a:t>
+            </a:r>
+            <a:r>
+              <a:rPr lang="en-US" sz="1800" dirty="0">
+                <a:latin typeface="Consolas" panose="020B0609020204030204" pitchFamily="49" charset="0"/>
+              </a:rPr>
+              <a:t> Alias { get; set; }    </a:t>
+            </a:r>
+            <a:endParaRPr lang="ru-RU" sz="1800" dirty="0" smtClean="0">
+              <a:latin typeface="Consolas" panose="020B0609020204030204" pitchFamily="49" charset="0"/>
+            </a:endParaRPr>
+          </a:p>
+          <a:p>
+            <a:r>
+              <a:rPr lang="ru-RU" sz="1800" dirty="0">
+                <a:latin typeface="Consolas" panose="020B0609020204030204" pitchFamily="49" charset="0"/>
+              </a:rPr>
+              <a:t> </a:t>
+            </a:r>
+            <a:r>
+              <a:rPr lang="ru-RU" sz="1800" dirty="0" smtClean="0">
+                <a:latin typeface="Consolas" panose="020B0609020204030204" pitchFamily="49" charset="0"/>
+              </a:rPr>
+              <a:t>   </a:t>
+            </a:r>
+            <a:r>
+              <a:rPr lang="en-US" sz="1800" b="1" dirty="0" smtClean="0">
+                <a:solidFill>
+                  <a:schemeClr val="bg2"/>
+                </a:solidFill>
+                <a:latin typeface="Consolas" panose="020B0609020204030204" pitchFamily="49" charset="0"/>
+              </a:rPr>
+              <a:t>public</a:t>
+            </a:r>
+            <a:r>
+              <a:rPr lang="en-US" sz="1800" dirty="0" smtClean="0">
+                <a:latin typeface="Consolas" panose="020B0609020204030204" pitchFamily="49" charset="0"/>
+              </a:rPr>
+              <a:t> </a:t>
+            </a:r>
+            <a:r>
+              <a:rPr lang="en-US" sz="1800" dirty="0">
+                <a:solidFill>
+                  <a:srgbClr val="FF0000"/>
+                </a:solidFill>
+                <a:latin typeface="Consolas" panose="020B0609020204030204" pitchFamily="49" charset="0"/>
+              </a:rPr>
+              <a:t>Address</a:t>
+            </a:r>
+            <a:r>
+              <a:rPr lang="en-US" sz="1800" dirty="0">
+                <a:latin typeface="Consolas" panose="020B0609020204030204" pitchFamily="49" charset="0"/>
+              </a:rPr>
+              <a:t>(</a:t>
+            </a:r>
+            <a:r>
+              <a:rPr lang="en-US" sz="1800" dirty="0">
+                <a:solidFill>
+                  <a:srgbClr val="00B050"/>
+                </a:solidFill>
+                <a:latin typeface="Consolas" panose="020B0609020204030204" pitchFamily="49" charset="0"/>
+              </a:rPr>
+              <a:t>string</a:t>
+            </a:r>
+            <a:r>
+              <a:rPr lang="en-US" sz="1800" dirty="0">
+                <a:latin typeface="Consolas" panose="020B0609020204030204" pitchFamily="49" charset="0"/>
+              </a:rPr>
+              <a:t> </a:t>
+            </a:r>
+            <a:r>
+              <a:rPr lang="en-US" sz="1800" dirty="0" err="1">
+                <a:latin typeface="Consolas" panose="020B0609020204030204" pitchFamily="49" charset="0"/>
+              </a:rPr>
+              <a:t>fullAddress</a:t>
+            </a:r>
+            <a:r>
+              <a:rPr lang="en-US" sz="1800" dirty="0">
+                <a:latin typeface="Consolas" panose="020B0609020204030204" pitchFamily="49" charset="0"/>
+              </a:rPr>
+              <a:t>, </a:t>
+            </a:r>
+          </a:p>
+          <a:p>
+            <a:r>
+              <a:rPr lang="en-US" sz="1800" dirty="0" smtClean="0">
+                <a:latin typeface="Consolas" panose="020B0609020204030204" pitchFamily="49" charset="0"/>
+              </a:rPr>
+              <a:t>                   </a:t>
+            </a:r>
+            <a:r>
+              <a:rPr lang="en-US" sz="1800" dirty="0" smtClean="0">
+                <a:solidFill>
+                  <a:srgbClr val="00B050"/>
+                </a:solidFill>
+                <a:latin typeface="Consolas" panose="020B0609020204030204" pitchFamily="49" charset="0"/>
+              </a:rPr>
+              <a:t>string</a:t>
+            </a:r>
+            <a:r>
+              <a:rPr lang="en-US" sz="1800" dirty="0" smtClean="0">
+                <a:latin typeface="Consolas" panose="020B0609020204030204" pitchFamily="49" charset="0"/>
+              </a:rPr>
+              <a:t> </a:t>
+            </a:r>
+            <a:r>
+              <a:rPr lang="en-US" sz="1800" dirty="0">
+                <a:latin typeface="Consolas" panose="020B0609020204030204" pitchFamily="49" charset="0"/>
+              </a:rPr>
+              <a:t>alias</a:t>
+            </a:r>
+            <a:r>
+              <a:rPr lang="en-US" sz="1800" dirty="0" smtClean="0">
+                <a:latin typeface="Consolas" panose="020B0609020204030204" pitchFamily="49" charset="0"/>
+              </a:rPr>
+              <a:t>){ </a:t>
+            </a:r>
+            <a:r>
+              <a:rPr lang="ru-RU" sz="1800" dirty="0" smtClean="0">
+                <a:latin typeface="Consolas" panose="020B0609020204030204" pitchFamily="49" charset="0"/>
+              </a:rPr>
+              <a:t>… </a:t>
+            </a:r>
+            <a:r>
+              <a:rPr lang="en-US" sz="1800" dirty="0" smtClean="0">
+                <a:latin typeface="Consolas" panose="020B0609020204030204" pitchFamily="49" charset="0"/>
+              </a:rPr>
+              <a:t>}    </a:t>
+            </a:r>
+            <a:endParaRPr lang="ru-RU" sz="1800" dirty="0" smtClean="0">
+              <a:latin typeface="Consolas" panose="020B0609020204030204" pitchFamily="49" charset="0"/>
+            </a:endParaRPr>
+          </a:p>
+          <a:p>
+            <a:r>
+              <a:rPr lang="en-US" sz="1800" dirty="0" smtClean="0">
+                <a:latin typeface="Consolas" panose="020B0609020204030204" pitchFamily="49" charset="0"/>
+              </a:rPr>
+              <a:t>    </a:t>
+            </a:r>
+            <a:r>
+              <a:rPr lang="en-US" sz="1800" b="1" dirty="0" smtClean="0">
+                <a:solidFill>
+                  <a:schemeClr val="bg2"/>
+                </a:solidFill>
+                <a:latin typeface="Consolas" panose="020B0609020204030204" pitchFamily="49" charset="0"/>
+              </a:rPr>
+              <a:t>public</a:t>
+            </a:r>
+            <a:r>
+              <a:rPr lang="en-US" sz="1800" dirty="0" smtClean="0">
+                <a:latin typeface="Consolas" panose="020B0609020204030204" pitchFamily="49" charset="0"/>
+              </a:rPr>
+              <a:t> </a:t>
+            </a:r>
+            <a:r>
+              <a:rPr lang="en-US" sz="1800" dirty="0">
+                <a:latin typeface="Consolas" panose="020B0609020204030204" pitchFamily="49" charset="0"/>
+              </a:rPr>
+              <a:t>override </a:t>
+            </a:r>
+            <a:r>
+              <a:rPr lang="en-US" sz="1800" dirty="0">
+                <a:solidFill>
+                  <a:srgbClr val="00B050"/>
+                </a:solidFill>
+                <a:latin typeface="Consolas" panose="020B0609020204030204" pitchFamily="49" charset="0"/>
+              </a:rPr>
+              <a:t>string</a:t>
+            </a:r>
+            <a:r>
+              <a:rPr lang="en-US" sz="1800" dirty="0">
+                <a:latin typeface="Consolas" panose="020B0609020204030204" pitchFamily="49" charset="0"/>
+              </a:rPr>
+              <a:t> </a:t>
+            </a:r>
+            <a:r>
+              <a:rPr lang="en-US" sz="1800" dirty="0" err="1">
+                <a:latin typeface="Consolas" panose="020B0609020204030204" pitchFamily="49" charset="0"/>
+              </a:rPr>
+              <a:t>ToString</a:t>
+            </a:r>
+            <a:r>
+              <a:rPr lang="en-US" sz="1800" dirty="0" smtClean="0">
+                <a:latin typeface="Consolas" panose="020B0609020204030204" pitchFamily="49" charset="0"/>
+              </a:rPr>
+              <a:t>(){ … }</a:t>
+            </a:r>
+          </a:p>
+          <a:p>
+            <a:r>
+              <a:rPr lang="en-US" sz="1800" dirty="0">
+                <a:latin typeface="Consolas" panose="020B0609020204030204" pitchFamily="49" charset="0"/>
+              </a:rPr>
+              <a:t>}</a:t>
+            </a:r>
+            <a:endParaRPr lang="ru-RU" sz="1800" dirty="0">
+              <a:latin typeface="Consolas" panose="020B0609020204030204" pitchFamily="49" charset="0"/>
             </a:endParaRPr>
           </a:p>
         </p:txBody>
       </p:sp>
-      <p:pic>
-        <p:nvPicPr>
-          <p:cNvPr id="5" name="Рисунок 4"/>
-          <p:cNvPicPr>
-            <a:picLocks noChangeAspect="1"/>
-          </p:cNvPicPr>
-          <p:nvPr/>
-        </p:nvPicPr>
-        <p:blipFill>
-          <a:blip r:embed="rId3">
-            <a:extLst>
-              <a:ext uri="{28A0092B-C50C-407E-A947-70E740481C1C}">
-                <a14:useLocalDpi xmlns:a14="http://schemas.microsoft.com/office/drawing/2010/main" val="0"/>
-              </a:ext>
-            </a:extLst>
-          </a:blip>
-          <a:stretch>
-            <a:fillRect/>
-          </a:stretch>
-        </p:blipFill>
-        <p:spPr>
-          <a:xfrm>
-            <a:off x="6708909" y="1418604"/>
-            <a:ext cx="2079491" cy="411154"/>
-          </a:xfrm>
-          <a:prstGeom prst="rect">
-            <a:avLst/>
-          </a:prstGeom>
-        </p:spPr>
-      </p:pic>
-      <p:pic>
-        <p:nvPicPr>
-          <p:cNvPr id="8" name="Рисунок 7"/>
-          <p:cNvPicPr>
-            <a:picLocks noChangeAspect="1"/>
-          </p:cNvPicPr>
-          <p:nvPr/>
-        </p:nvPicPr>
-        <p:blipFill>
-          <a:blip r:embed="rId4">
-            <a:extLst>
-              <a:ext uri="{28A0092B-C50C-407E-A947-70E740481C1C}">
-                <a14:useLocalDpi xmlns:a14="http://schemas.microsoft.com/office/drawing/2010/main" val="0"/>
-              </a:ext>
-            </a:extLst>
-          </a:blip>
-          <a:stretch>
-            <a:fillRect/>
-          </a:stretch>
-        </p:blipFill>
-        <p:spPr>
-          <a:xfrm>
-            <a:off x="5077199" y="2108114"/>
-            <a:ext cx="1850959" cy="2428647"/>
-          </a:xfrm>
-          <a:prstGeom prst="rect">
-            <a:avLst/>
-          </a:prstGeom>
-        </p:spPr>
-      </p:pic>
-      <p:pic>
-        <p:nvPicPr>
-          <p:cNvPr id="9" name="Рисунок 8"/>
-          <p:cNvPicPr>
-            <a:picLocks noChangeAspect="1"/>
-          </p:cNvPicPr>
-          <p:nvPr/>
-        </p:nvPicPr>
-        <p:blipFill>
-          <a:blip r:embed="rId5">
-            <a:extLst>
-              <a:ext uri="{28A0092B-C50C-407E-A947-70E740481C1C}">
-                <a14:useLocalDpi xmlns:a14="http://schemas.microsoft.com/office/drawing/2010/main" val="0"/>
-              </a:ext>
-            </a:extLst>
-          </a:blip>
-          <a:stretch>
-            <a:fillRect/>
-          </a:stretch>
-        </p:blipFill>
-        <p:spPr>
-          <a:xfrm>
-            <a:off x="6997074" y="2208746"/>
-            <a:ext cx="2004622" cy="447841"/>
-          </a:xfrm>
-          <a:prstGeom prst="rect">
-            <a:avLst/>
-          </a:prstGeom>
-        </p:spPr>
-      </p:pic>
-      <p:pic>
-        <p:nvPicPr>
-          <p:cNvPr id="10" name="Рисунок 9"/>
-          <p:cNvPicPr>
-            <a:picLocks noChangeAspect="1"/>
-          </p:cNvPicPr>
-          <p:nvPr/>
-        </p:nvPicPr>
-        <p:blipFill>
-          <a:blip r:embed="rId6">
-            <a:extLst>
-              <a:ext uri="{28A0092B-C50C-407E-A947-70E740481C1C}">
-                <a14:useLocalDpi xmlns:a14="http://schemas.microsoft.com/office/drawing/2010/main" val="0"/>
-              </a:ext>
-            </a:extLst>
-          </a:blip>
-          <a:stretch>
-            <a:fillRect/>
-          </a:stretch>
-        </p:blipFill>
-        <p:spPr>
-          <a:xfrm rot="21417251">
-            <a:off x="7093839" y="2880928"/>
-            <a:ext cx="1903111" cy="229290"/>
-          </a:xfrm>
-          <a:prstGeom prst="rect">
-            <a:avLst/>
-          </a:prstGeom>
-        </p:spPr>
-      </p:pic>
-      <p:pic>
-        <p:nvPicPr>
-          <p:cNvPr id="11" name="Рисунок 10"/>
-          <p:cNvPicPr>
-            <a:picLocks noChangeAspect="1"/>
-          </p:cNvPicPr>
-          <p:nvPr/>
-        </p:nvPicPr>
-        <p:blipFill>
-          <a:blip r:embed="rId7">
-            <a:extLst>
-              <a:ext uri="{28A0092B-C50C-407E-A947-70E740481C1C}">
-                <a14:useLocalDpi xmlns:a14="http://schemas.microsoft.com/office/drawing/2010/main" val="0"/>
-              </a:ext>
-            </a:extLst>
-          </a:blip>
-          <a:stretch>
-            <a:fillRect/>
-          </a:stretch>
-        </p:blipFill>
-        <p:spPr>
-          <a:xfrm>
-            <a:off x="7089091" y="3569192"/>
-            <a:ext cx="1932530" cy="421643"/>
-          </a:xfrm>
-          <a:prstGeom prst="rect">
-            <a:avLst/>
-          </a:prstGeom>
-        </p:spPr>
-      </p:pic>
+      <p:sp>
+        <p:nvSpPr>
+          <p:cNvPr id="3" name="Номер слайда 2"/>
+          <p:cNvSpPr>
+            <a:spLocks noGrp="1"/>
+          </p:cNvSpPr>
+          <p:nvPr>
+            <p:ph type="sldNum" idx="12"/>
+          </p:nvPr>
+        </p:nvSpPr>
+        <p:spPr/>
+        <p:txBody>
+          <a:bodyPr/>
+          <a:lstStyle/>
+          <a:p>
+            <a:pPr marL="0" lvl="0" indent="0" algn="r" rtl="0">
+              <a:spcBef>
+                <a:spcPts val="0"/>
+              </a:spcBef>
+              <a:spcAft>
+                <a:spcPts val="0"/>
+              </a:spcAft>
+              <a:buNone/>
+            </a:pPr>
+            <a:fld id="{00000000-1234-1234-1234-123412341234}" type="slidenum">
+              <a:rPr lang="ru-RU" smtClean="0"/>
+              <a:t>8</a:t>
+            </a:fld>
+            <a:endParaRPr lang="ru-RU"/>
+          </a:p>
+        </p:txBody>
+      </p:sp>
+      <p:sp>
+        <p:nvSpPr>
+          <p:cNvPr id="4" name="Нижний колонтитул 3"/>
+          <p:cNvSpPr>
+            <a:spLocks noGrp="1"/>
+          </p:cNvSpPr>
+          <p:nvPr>
+            <p:ph type="ftr" idx="11"/>
+          </p:nvPr>
+        </p:nvSpPr>
+        <p:spPr/>
+        <p:txBody>
+          <a:bodyPr/>
+          <a:lstStyle/>
+          <a:p>
+            <a:r>
+              <a:rPr lang="en-US" smtClean="0"/>
+              <a:t>/16</a:t>
+            </a:r>
+            <a:endParaRPr lang="en-US" dirty="0"/>
+          </a:p>
+        </p:txBody>
+      </p:sp>
     </p:spTree>
     <p:extLst>
       <p:ext uri="{BB962C8B-B14F-4D97-AF65-F5344CB8AC3E}">
-        <p14:creationId xmlns:p14="http://schemas.microsoft.com/office/powerpoint/2010/main" val="3748424850"/>
+        <p14:creationId xmlns:p14="http://schemas.microsoft.com/office/powerpoint/2010/main" val="4070140050"/>
       </p:ext>
     </p:extLst>
   </p:cSld>
@@ -27671,21 +26804,9 @@
           </a:bodyPr>
           <a:lstStyle/>
           <a:p>
-            <a:pPr marL="0" lvl="0" indent="0" algn="r" rtl="0">
-              <a:lnSpc>
-                <a:spcPct val="100000"/>
-              </a:lnSpc>
-              <a:spcBef>
-                <a:spcPts val="0"/>
-              </a:spcBef>
-              <a:spcAft>
-                <a:spcPts val="0"/>
-              </a:spcAft>
-              <a:buSzPts val="1400"/>
-              <a:buNone/>
-            </a:pPr>
+            <a:pPr lvl="0" algn="r"/>
             <a:r>
-              <a:rPr lang="ru-RU" sz="2400" b="1" dirty="0" smtClean="0">
+              <a:rPr lang="ru-RU" sz="2400" b="1" dirty="0">
                 <a:solidFill>
                   <a:schemeClr val="lt1"/>
                 </a:solidFill>
@@ -27694,7 +26815,7 @@
                 <a:cs typeface="Arial"/>
                 <a:sym typeface="Arial"/>
               </a:rPr>
-              <a:t>Модуль </a:t>
+              <a:t>Модули </a:t>
             </a:r>
             <a:r>
               <a:rPr lang="en-US" sz="2400" b="1" dirty="0" smtClean="0">
@@ -27706,7 +26827,7 @@
                 <a:cs typeface="Arial"/>
                 <a:sym typeface="Arial"/>
               </a:rPr>
-              <a:t>Presenter</a:t>
+              <a:t>Interactor</a:t>
             </a:r>
             <a:endParaRPr sz="2400" b="1" dirty="0">
               <a:solidFill>
@@ -27732,8 +26853,8 @@
         </p:nvSpPr>
         <p:spPr>
           <a:xfrm>
-            <a:off x="357189" y="1203598"/>
-            <a:ext cx="4170920" cy="2139448"/>
+            <a:off x="231443" y="1121947"/>
+            <a:ext cx="8630314" cy="1011653"/>
           </a:xfrm>
           <a:prstGeom prst="rect">
             <a:avLst/>
@@ -27749,105 +26870,45 @@
           </a:bodyPr>
           <a:lstStyle/>
           <a:p>
-            <a:pPr marL="107950" lvl="0" indent="0">
+            <a:pPr marL="342900" lvl="0" indent="-234950">
               <a:spcBef>
                 <a:spcPts val="340"/>
               </a:spcBef>
-              <a:buClr>
-                <a:schemeClr val="dk1"/>
-              </a:buClr>
               <a:buSzPts val="1700"/>
               <a:buNone/>
             </a:pPr>
             <a:r>
-              <a:rPr lang="ru-RU" sz="2000" b="1" dirty="0" err="1">
+              <a:rPr lang="en-US" sz="1800" b="1" dirty="0" smtClean="0">
                 <a:latin typeface="Roboto" panose="020B0604020202020204" charset="0"/>
                 <a:ea typeface="Roboto" panose="020B0604020202020204" charset="0"/>
+                <a:cs typeface="Arial"/>
+                <a:sym typeface="Arial"/>
               </a:rPr>
-              <a:t>Presenter</a:t>
+              <a:t>Interactor</a:t>
             </a:r>
             <a:r>
-              <a:rPr lang="ru-RU" sz="2000" b="1" dirty="0">
+              <a:rPr lang="ru-RU" sz="1800" b="1" dirty="0" smtClean="0">
                 <a:latin typeface="Roboto" panose="020B0604020202020204" charset="0"/>
                 <a:ea typeface="Roboto" panose="020B0604020202020204" charset="0"/>
+                <a:cs typeface="Arial"/>
+                <a:sym typeface="Arial"/>
               </a:rPr>
-              <a:t>-элементы </a:t>
+              <a:t> </a:t>
             </a:r>
             <a:r>
-              <a:rPr lang="ru-RU" sz="2000" dirty="0">
+              <a:rPr lang="ru-RU" sz="1800" dirty="0" smtClean="0">
                 <a:latin typeface="Roboto" panose="020B0604020202020204" charset="0"/>
                 <a:ea typeface="Roboto" panose="020B0604020202020204" charset="0"/>
+                <a:cs typeface="Arial"/>
+                <a:sym typeface="Arial"/>
               </a:rPr>
-              <a:t>для</a:t>
+              <a:t>реализует клиент-серверного взаимодействия</a:t>
             </a:r>
-            <a:r>
-              <a:rPr lang="ru-RU" sz="2000" b="1" dirty="0">
-                <a:latin typeface="Roboto" panose="020B0604020202020204" charset="0"/>
-                <a:ea typeface="Roboto" panose="020B0604020202020204" charset="0"/>
-              </a:rPr>
-              <a:t>:</a:t>
-            </a:r>
-          </a:p>
-          <a:p>
-            <a:pPr marL="0" lvl="0" indent="0">
-              <a:spcBef>
-                <a:spcPts val="340"/>
-              </a:spcBef>
-              <a:buSzPts val="1700"/>
-              <a:buNone/>
-            </a:pPr>
-            <a:r>
-              <a:rPr lang="ru-RU" sz="2000" dirty="0">
-                <a:latin typeface="Roboto" panose="020B0604020202020204" charset="0"/>
-                <a:ea typeface="Roboto" panose="020B0604020202020204" charset="0"/>
-              </a:rPr>
-              <a:t>  </a:t>
-            </a:r>
-            <a:r>
-              <a:rPr lang="ru-RU" sz="2000" dirty="0" smtClean="0">
-                <a:latin typeface="Roboto" panose="020B0604020202020204" charset="0"/>
-                <a:ea typeface="Roboto" panose="020B0604020202020204" charset="0"/>
-              </a:rPr>
-              <a:t>- </a:t>
-            </a:r>
-            <a:r>
-              <a:rPr lang="ru-RU" sz="2000" dirty="0">
-                <a:latin typeface="Roboto" panose="020B0604020202020204" charset="0"/>
-                <a:ea typeface="Roboto" panose="020B0604020202020204" charset="0"/>
-              </a:rPr>
-              <a:t>хранение и обработка данных, </a:t>
-            </a:r>
-            <a:r>
-              <a:rPr lang="ru-RU" sz="2000" dirty="0" smtClean="0">
-                <a:latin typeface="Roboto" panose="020B0604020202020204" charset="0"/>
-                <a:ea typeface="Roboto" panose="020B0604020202020204" charset="0"/>
-              </a:rPr>
-              <a:t>   отображающихся </a:t>
-            </a:r>
-            <a:r>
-              <a:rPr lang="ru-RU" sz="2000" dirty="0">
-                <a:latin typeface="Roboto" panose="020B0604020202020204" charset="0"/>
-                <a:ea typeface="Roboto" panose="020B0604020202020204" charset="0"/>
-              </a:rPr>
-              <a:t>на оконных формах (</a:t>
-            </a:r>
-            <a:r>
-              <a:rPr lang="ru-RU" sz="2000" dirty="0" err="1">
-                <a:latin typeface="Roboto" panose="020B0604020202020204" charset="0"/>
-                <a:ea typeface="Roboto" panose="020B0604020202020204" charset="0"/>
-              </a:rPr>
-              <a:t>View</a:t>
-            </a:r>
-            <a:r>
-              <a:rPr lang="ru-RU" sz="2000" dirty="0">
-                <a:latin typeface="Roboto" panose="020B0604020202020204" charset="0"/>
-                <a:ea typeface="Roboto" panose="020B0604020202020204" charset="0"/>
-              </a:rPr>
-              <a:t>)</a:t>
-            </a:r>
-            <a:endParaRPr lang="en-US" sz="2000" dirty="0">
+            <a:endParaRPr lang="en-US" sz="1800" dirty="0">
               <a:latin typeface="Roboto" panose="020B0604020202020204" charset="0"/>
               <a:ea typeface="Roboto" panose="020B0604020202020204" charset="0"/>
+              <a:cs typeface="Arial"/>
+              <a:sym typeface="Arial"/>
             </a:endParaRPr>
           </a:p>
           <a:p>
@@ -27858,252 +26919,97 @@
               <a:buSzPts val="1700"/>
               <a:buNone/>
             </a:pPr>
-            <a:endParaRPr lang="en-US" sz="2000" dirty="0">
-              <a:latin typeface="Roboto" panose="020B0604020202020204" charset="0"/>
-              <a:ea typeface="Roboto" panose="020B0604020202020204" charset="0"/>
-            </a:endParaRPr>
-          </a:p>
-          <a:p>
-            <a:pPr marL="342900" lvl="0" indent="-234950">
-              <a:spcBef>
-                <a:spcPts val="340"/>
-              </a:spcBef>
-              <a:buSzPts val="1700"/>
-              <a:buNone/>
-            </a:pPr>
             <a:r>
-              <a:rPr lang="ru-RU" sz="2000" b="1" dirty="0">
+              <a:rPr lang="ru-RU" sz="1800" b="1" dirty="0" smtClean="0">
                 <a:latin typeface="Roboto" panose="020B0604020202020204" charset="0"/>
                 <a:ea typeface="Roboto" panose="020B0604020202020204" charset="0"/>
+                <a:cs typeface="Arial"/>
+                <a:sym typeface="Arial"/>
               </a:rPr>
               <a:t>Разработаны </a:t>
             </a:r>
             <a:r>
-              <a:rPr lang="ru-RU" sz="2000" dirty="0">
+              <a:rPr lang="ru-RU" sz="1800" dirty="0" smtClean="0">
                 <a:latin typeface="Roboto" panose="020B0604020202020204" charset="0"/>
                 <a:ea typeface="Roboto" panose="020B0604020202020204" charset="0"/>
+                <a:cs typeface="Arial"/>
+                <a:sym typeface="Arial"/>
               </a:rPr>
               <a:t>на языке </a:t>
             </a:r>
             <a:r>
-              <a:rPr lang="ru-RU" sz="2000" b="1" dirty="0">
+              <a:rPr lang="en-US" sz="1800" b="1" dirty="0" smtClean="0">
                 <a:latin typeface="Roboto" panose="020B0604020202020204" charset="0"/>
                 <a:ea typeface="Roboto" panose="020B0604020202020204" charset="0"/>
+                <a:cs typeface="Arial"/>
+                <a:sym typeface="Arial"/>
               </a:rPr>
-              <a:t>С</a:t>
+              <a:t>C# </a:t>
             </a:r>
-            <a:r>
-              <a:rPr lang="en-US" sz="2000" b="1" dirty="0">
-                <a:latin typeface="Roboto" panose="020B0604020202020204" charset="0"/>
-                <a:ea typeface="Roboto" panose="020B0604020202020204" charset="0"/>
-              </a:rPr>
-              <a:t>#</a:t>
-            </a:r>
-            <a:endParaRPr lang="ru-RU" sz="2000" b="1" dirty="0">
-              <a:latin typeface="Roboto" panose="020B0604020202020204" charset="0"/>
-              <a:ea typeface="Roboto" panose="020B0604020202020204" charset="0"/>
-            </a:endParaRPr>
           </a:p>
         </p:txBody>
       </p:sp>
       <p:sp>
         <p:nvSpPr>
-          <p:cNvPr id="7" name="Google Shape;99;p3"/>
-          <p:cNvSpPr txBox="1"/>
+          <p:cNvPr id="2" name="Прямоугольник 1"/>
+          <p:cNvSpPr/>
           <p:nvPr/>
         </p:nvSpPr>
         <p:spPr>
           <a:xfrm>
-            <a:off x="8445500" y="4714875"/>
-            <a:ext cx="556196" cy="307736"/>
+            <a:off x="4546600" y="1731547"/>
+            <a:ext cx="4284217" cy="307777"/>
           </a:xfrm>
           <a:prstGeom prst="rect">
             <a:avLst/>
           </a:prstGeom>
-          <a:noFill/>
-          <a:ln>
-            <a:noFill/>
-          </a:ln>
         </p:spPr>
         <p:txBody>
-          <a:bodyPr spcFirstLastPara="1" wrap="square" lIns="91425" tIns="45700" rIns="91425" bIns="45700" anchor="t" anchorCtr="0">
+          <a:bodyPr wrap="square">
             <a:spAutoFit/>
           </a:bodyPr>
           <a:lstStyle/>
           <a:p>
-            <a:pPr marL="0" marR="0" lvl="0" indent="0" algn="r" rtl="0">
-              <a:lnSpc>
-                <a:spcPct val="100000"/>
-              </a:lnSpc>
-              <a:spcBef>
-                <a:spcPts val="0"/>
-              </a:spcBef>
-              <a:spcAft>
-                <a:spcPts val="0"/>
-              </a:spcAft>
-              <a:buClr>
-                <a:srgbClr val="000000"/>
-              </a:buClr>
-              <a:buSzPts val="1400"/>
-              <a:buFont typeface="Arial"/>
-              <a:buNone/>
+            <a:pPr marL="342900" lvl="0" indent="-234950">
+              <a:spcBef>
+                <a:spcPts val="340"/>
+              </a:spcBef>
+              <a:buClr>
+                <a:schemeClr val="dk1"/>
+              </a:buClr>
+              <a:buSzPts val="1700"/>
             </a:pPr>
             <a:r>
-              <a:rPr lang="en-US" dirty="0">
-                <a:solidFill>
-                  <a:schemeClr val="dk1"/>
-                </a:solidFill>
-                <a:latin typeface="Roboto"/>
-                <a:ea typeface="Roboto"/>
-                <a:cs typeface="Roboto"/>
-                <a:sym typeface="Roboto"/>
-              </a:rPr>
-              <a:t>9</a:t>
+              <a:rPr lang="ru-RU" b="1" dirty="0"/>
+              <a:t>	</a:t>
             </a:r>
-            <a:r>
-              <a:rPr lang="ru-RU" sz="1400" b="0" i="0" u="none" strike="noStrike" cap="none" dirty="0" smtClean="0">
-                <a:solidFill>
-                  <a:schemeClr val="dk1"/>
-                </a:solidFill>
-                <a:latin typeface="Roboto"/>
-                <a:ea typeface="Roboto"/>
-                <a:cs typeface="Roboto"/>
-                <a:sym typeface="Roboto"/>
-              </a:rPr>
-              <a:t>/16</a:t>
-            </a:r>
-            <a:endParaRPr sz="1400" b="0" i="0" u="none" strike="noStrike" cap="none" dirty="0">
-              <a:solidFill>
-                <a:srgbClr val="000000"/>
-              </a:solidFill>
-              <a:latin typeface="Arial"/>
-              <a:ea typeface="Arial"/>
-              <a:cs typeface="Arial"/>
-              <a:sym typeface="Arial"/>
-            </a:endParaRPr>
           </a:p>
         </p:txBody>
       </p:sp>
-      <p:sp>
-        <p:nvSpPr>
-          <p:cNvPr id="2" name="TextBox 1"/>
-          <p:cNvSpPr txBox="1"/>
+      <p:pic>
+        <p:nvPicPr>
+          <p:cNvPr id="5" name="Рисунок 4"/>
+          <p:cNvPicPr>
+            <a:picLocks noChangeAspect="1"/>
+          </p:cNvPicPr>
           <p:nvPr/>
-        </p:nvSpPr>
+        </p:nvPicPr>
+        <p:blipFill>
+          <a:blip r:embed="rId3"/>
+          <a:stretch>
+            <a:fillRect/>
+          </a:stretch>
+        </p:blipFill>
         <p:spPr>
           <a:xfrm>
-            <a:off x="4685607" y="1203598"/>
-            <a:ext cx="3855111" cy="2893100"/>
+            <a:off x="455979" y="1968606"/>
+            <a:ext cx="6584901" cy="537711"/>
           </a:xfrm>
           <a:prstGeom prst="rect">
             <a:avLst/>
           </a:prstGeom>
-          <a:noFill/>
         </p:spPr>
-        <p:txBody>
-          <a:bodyPr wrap="square" rtlCol="0">
-            <a:spAutoFit/>
-          </a:bodyPr>
-          <a:lstStyle/>
-          <a:p>
-            <a:r>
-              <a:rPr lang="ru-RU" sz="2000" b="1" dirty="0" smtClean="0">
-                <a:latin typeface="Roboto" panose="020B0604020202020204" charset="0"/>
-                <a:ea typeface="Roboto" panose="020B0604020202020204" charset="0"/>
-              </a:rPr>
-              <a:t>Например:</a:t>
-            </a:r>
-            <a:r>
-              <a:rPr lang="ru-RU" dirty="0" smtClean="0"/>
-              <a:t/>
-            </a:r>
-            <a:br>
-              <a:rPr lang="ru-RU" dirty="0" smtClean="0"/>
-            </a:br>
-            <a:r>
-              <a:rPr lang="en-US" dirty="0" smtClean="0"/>
-              <a:t>  </a:t>
-            </a:r>
-            <a:r>
-              <a:rPr lang="en-US" sz="1800" dirty="0" smtClean="0">
-                <a:latin typeface="Consolas" panose="020B0609020204030204" pitchFamily="49" charset="0"/>
-              </a:rPr>
-              <a:t>List&lt;Address&gt; addresses:</a:t>
-            </a:r>
-          </a:p>
-          <a:p>
-            <a:r>
-              <a:rPr lang="en-US" sz="1800" dirty="0" smtClean="0">
-                <a:latin typeface="Consolas" panose="020B0609020204030204" pitchFamily="49" charset="0"/>
-              </a:rPr>
-              <a:t> </a:t>
-            </a:r>
-            <a:r>
-              <a:rPr lang="en-US" sz="1800" dirty="0" err="1" smtClean="0">
-                <a:latin typeface="Consolas" panose="020B0609020204030204" pitchFamily="49" charset="0"/>
-              </a:rPr>
-              <a:t>UserInfo</a:t>
-            </a:r>
-            <a:r>
-              <a:rPr lang="en-US" sz="1800" dirty="0" smtClean="0">
-                <a:latin typeface="Consolas" panose="020B0609020204030204" pitchFamily="49" charset="0"/>
-              </a:rPr>
-              <a:t> </a:t>
-            </a:r>
-            <a:r>
-              <a:rPr lang="en-US" sz="1800" dirty="0" err="1" smtClean="0">
-                <a:latin typeface="Consolas" panose="020B0609020204030204" pitchFamily="49" charset="0"/>
-              </a:rPr>
-              <a:t>userInfo</a:t>
-            </a:r>
-            <a:r>
-              <a:rPr lang="en-US" sz="1800" dirty="0" smtClean="0">
-                <a:latin typeface="Consolas" panose="020B0609020204030204" pitchFamily="49" charset="0"/>
-              </a:rPr>
-              <a:t>;</a:t>
-            </a:r>
-          </a:p>
-          <a:p>
-            <a:endParaRPr lang="en-US" sz="1800" dirty="0">
-              <a:latin typeface="Consolas" panose="020B0609020204030204" pitchFamily="49" charset="0"/>
-            </a:endParaRPr>
-          </a:p>
-          <a:p>
-            <a:r>
-              <a:rPr lang="ru-RU" sz="1800" dirty="0" smtClean="0">
-                <a:latin typeface="Roboto" panose="020B0604020202020204" charset="0"/>
-                <a:ea typeface="Roboto" panose="020B0604020202020204" charset="0"/>
-              </a:rPr>
-              <a:t>Так как у полей нет предустановленных значений, то для каждого класса </a:t>
-            </a:r>
-            <a:r>
-              <a:rPr lang="en-US" sz="1800" dirty="0" smtClean="0">
-                <a:latin typeface="Roboto" panose="020B0604020202020204" charset="0"/>
-                <a:ea typeface="Roboto" panose="020B0604020202020204" charset="0"/>
-              </a:rPr>
-              <a:t>Presenter </a:t>
-            </a:r>
-            <a:r>
-              <a:rPr lang="ru-RU" sz="1800" dirty="0" smtClean="0">
-                <a:latin typeface="Roboto" panose="020B0604020202020204" charset="0"/>
-                <a:ea typeface="Roboto" panose="020B0604020202020204" charset="0"/>
-              </a:rPr>
-              <a:t>существуют конструкторы с параметрами, для вноса данных в обязательные поля.</a:t>
-            </a:r>
-            <a:r>
-              <a:rPr lang="ru-RU" sz="1800" dirty="0">
-                <a:latin typeface="Roboto" panose="020B0604020202020204" charset="0"/>
-                <a:ea typeface="Roboto" panose="020B0604020202020204" charset="0"/>
-              </a:rPr>
-              <a:t>	</a:t>
-            </a:r>
-            <a:endParaRPr lang="ru-RU" sz="1800" dirty="0" smtClean="0">
-              <a:latin typeface="Roboto" panose="020B0604020202020204" charset="0"/>
-              <a:ea typeface="Roboto" panose="020B0604020202020204" charset="0"/>
-            </a:endParaRPr>
-          </a:p>
-        </p:txBody>
-      </p:sp>
+      </p:pic>
       <p:cxnSp>
         <p:nvCxnSpPr>
           <p:cNvPr id="8" name="Прямая соединительная линия 7"/>
@@ -28112,17 +27018,15 @@
         </p:nvCxnSpPr>
         <p:spPr>
           <a:xfrm>
-            <a:off x="4500880" y="1148080"/>
-            <a:ext cx="0" cy="3952240"/>
+            <a:off x="1456944" y="2328672"/>
+            <a:ext cx="1280160" cy="0"/>
           </a:xfrm>
           <a:prstGeom prst="line">
             <a:avLst/>
           </a:prstGeom>
-          <a:ln>
+          <a:ln w="53975">
             <a:solidFill>
-              <a:schemeClr val="bg1">
-                <a:lumMod val="65000"/>
-              </a:schemeClr>
+              <a:srgbClr val="C00000"/>
             </a:solidFill>
           </a:ln>
         </p:spPr>
@@ -28141,10 +27045,158 @@
           </a:fontRef>
         </p:style>
       </p:cxnSp>
+      <p:pic>
+        <p:nvPicPr>
+          <p:cNvPr id="9" name="Рисунок 8"/>
+          <p:cNvPicPr>
+            <a:picLocks noChangeAspect="1"/>
+          </p:cNvPicPr>
+          <p:nvPr/>
+        </p:nvPicPr>
+        <p:blipFill>
+          <a:blip r:embed="rId4"/>
+          <a:stretch>
+            <a:fillRect/>
+          </a:stretch>
+        </p:blipFill>
+        <p:spPr>
+          <a:xfrm>
+            <a:off x="455979" y="2557341"/>
+            <a:ext cx="5664405" cy="753598"/>
+          </a:xfrm>
+          <a:prstGeom prst="rect">
+            <a:avLst/>
+          </a:prstGeom>
+        </p:spPr>
+      </p:pic>
+      <p:pic>
+        <p:nvPicPr>
+          <p:cNvPr id="11" name="Рисунок 10"/>
+          <p:cNvPicPr>
+            <a:picLocks noChangeAspect="1"/>
+          </p:cNvPicPr>
+          <p:nvPr/>
+        </p:nvPicPr>
+        <p:blipFill rotWithShape="1">
+          <a:blip r:embed="rId5"/>
+          <a:srcRect r="34262"/>
+          <a:stretch/>
+        </p:blipFill>
+        <p:spPr>
+          <a:xfrm>
+            <a:off x="455979" y="3361963"/>
+            <a:ext cx="8023557" cy="1173461"/>
+          </a:xfrm>
+          <a:prstGeom prst="rect">
+            <a:avLst/>
+          </a:prstGeom>
+        </p:spPr>
+      </p:pic>
+      <p:sp>
+        <p:nvSpPr>
+          <p:cNvPr id="3" name="Номер слайда 2"/>
+          <p:cNvSpPr>
+            <a:spLocks noGrp="1"/>
+          </p:cNvSpPr>
+          <p:nvPr>
+            <p:ph type="sldNum" idx="12"/>
+          </p:nvPr>
+        </p:nvSpPr>
+        <p:spPr/>
+        <p:txBody>
+          <a:bodyPr/>
+          <a:lstStyle/>
+          <a:p>
+            <a:pPr marL="0" lvl="0" indent="0" algn="r" rtl="0">
+              <a:spcBef>
+                <a:spcPts val="0"/>
+              </a:spcBef>
+              <a:spcAft>
+                <a:spcPts val="0"/>
+              </a:spcAft>
+              <a:buNone/>
+            </a:pPr>
+            <a:fld id="{00000000-1234-1234-1234-123412341234}" type="slidenum">
+              <a:rPr lang="ru-RU" smtClean="0"/>
+              <a:t>9</a:t>
+            </a:fld>
+            <a:endParaRPr lang="ru-RU"/>
+          </a:p>
+        </p:txBody>
+      </p:sp>
+      <p:sp>
+        <p:nvSpPr>
+          <p:cNvPr id="4" name="Нижний колонтитул 3"/>
+          <p:cNvSpPr>
+            <a:spLocks noGrp="1"/>
+          </p:cNvSpPr>
+          <p:nvPr>
+            <p:ph type="ftr" idx="11"/>
+          </p:nvPr>
+        </p:nvSpPr>
+        <p:spPr/>
+        <p:txBody>
+          <a:bodyPr/>
+          <a:lstStyle/>
+          <a:p>
+            <a:r>
+              <a:rPr lang="en-US" smtClean="0"/>
+              <a:t>/16</a:t>
+            </a:r>
+            <a:endParaRPr lang="en-US" dirty="0"/>
+          </a:p>
+        </p:txBody>
+      </p:sp>
+      <p:sp>
+        <p:nvSpPr>
+          <p:cNvPr id="6" name="Прямоугольник 5"/>
+          <p:cNvSpPr/>
+          <p:nvPr/>
+        </p:nvSpPr>
+        <p:spPr>
+          <a:xfrm>
+            <a:off x="455979" y="2039324"/>
+            <a:ext cx="663287" cy="374092"/>
+          </a:xfrm>
+          <a:prstGeom prst="rect">
+            <a:avLst/>
+          </a:prstGeom>
+          <a:noFill/>
+          <a:ln w="57150">
+            <a:solidFill>
+              <a:srgbClr val="00B050"/>
+            </a:solidFill>
+          </a:ln>
+        </p:spPr>
+        <p:style>
+          <a:lnRef idx="2">
+            <a:schemeClr val="accent1">
+              <a:shade val="50000"/>
+            </a:schemeClr>
+          </a:lnRef>
+          <a:fillRef idx="1">
+            <a:schemeClr val="accent1"/>
+          </a:fillRef>
+          <a:effectRef idx="0">
+            <a:schemeClr val="accent1"/>
+          </a:effectRef>
+          <a:fontRef idx="minor">
+            <a:schemeClr val="lt1"/>
+          </a:fontRef>
+        </p:style>
+        <p:txBody>
+          <a:bodyPr rtlCol="0" anchor="ctr"/>
+          <a:lstStyle/>
+          <a:p>
+            <a:pPr algn="ctr"/>
+            <a:endParaRPr lang="ru-RU"/>
+          </a:p>
+        </p:txBody>
+      </p:sp>
     </p:spTree>
     <p:extLst>
       <p:ext uri="{BB962C8B-B14F-4D97-AF65-F5344CB8AC3E}">
-        <p14:creationId xmlns:p14="http://schemas.microsoft.com/office/powerpoint/2010/main" val="2974274027"/>
+        <p14:creationId xmlns:p14="http://schemas.microsoft.com/office/powerpoint/2010/main" val="58720348"/>
       </p:ext>
     </p:extLst>
   </p:cSld>
